--- a/docs/source/developapps/diagrams.pptx
+++ b/docs/source/developapps/diagrams.pptx
@@ -5,14 +5,15 @@
     <p:sldMasterId id="2147483648" r:id="rId1"/>
   </p:sldMasterIdLst>
   <p:notesMasterIdLst>
-    <p:notesMasterId r:id="rId7"/>
+    <p:notesMasterId r:id="rId8"/>
   </p:notesMasterIdLst>
   <p:sldIdLst>
     <p:sldId id="256" r:id="rId2"/>
     <p:sldId id="257" r:id="rId3"/>
     <p:sldId id="411" r:id="rId4"/>
-    <p:sldId id="412" r:id="rId5"/>
-    <p:sldId id="413" r:id="rId6"/>
+    <p:sldId id="414" r:id="rId5"/>
+    <p:sldId id="412" r:id="rId6"/>
+    <p:sldId id="413" r:id="rId7"/>
   </p:sldIdLst>
   <p:sldSz cx="12192000" cy="6858000"/>
   <p:notesSz cx="6858000" cy="9144000"/>
@@ -600,6 +601,72 @@
     </p:spTree>
     <p:extLst>
       <p:ext uri="{BB962C8B-B14F-4D97-AF65-F5344CB8AC3E}">
+        <p14:creationId xmlns:p14="http://schemas.microsoft.com/office/powerpoint/2010/main" val="3986200529"/>
+      </p:ext>
+    </p:extLst>
+  </p:cSld>
+  <p:clrMapOvr>
+    <a:masterClrMapping/>
+  </p:clrMapOvr>
+</p:notes>
+</file>
+
+<file path=ppt/notesSlides/notesSlide3.xml><?xml version="1.0" encoding="utf-8"?>
+<p:notes xmlns:a="http://schemas.openxmlformats.org/drawingml/2006/main" xmlns:r="http://schemas.openxmlformats.org/officeDocument/2006/relationships" xmlns:p="http://schemas.openxmlformats.org/presentationml/2006/main">
+  <p:cSld>
+    <p:spTree>
+      <p:nvGrpSpPr>
+        <p:cNvPr id="1" name=""/>
+        <p:cNvGrpSpPr/>
+        <p:nvPr/>
+      </p:nvGrpSpPr>
+      <p:grpSpPr>
+        <a:xfrm>
+          <a:off x="0" y="0"/>
+          <a:ext cx="0" cy="0"/>
+          <a:chOff x="0" y="0"/>
+          <a:chExt cx="0" cy="0"/>
+        </a:xfrm>
+      </p:grpSpPr>
+      <p:sp>
+        <p:nvSpPr>
+          <p:cNvPr id="2" name="Slide Image Placeholder 1"/>
+          <p:cNvSpPr>
+            <a:spLocks noGrp="1" noRot="1" noChangeAspect="1"/>
+          </p:cNvSpPr>
+          <p:nvPr>
+            <p:ph type="sldImg"/>
+          </p:nvPr>
+        </p:nvSpPr>
+        <p:spPr>
+          <a:xfrm>
+            <a:off x="381000" y="685800"/>
+            <a:ext cx="6096000" cy="3429000"/>
+          </a:xfrm>
+        </p:spPr>
+      </p:sp>
+      <p:sp>
+        <p:nvSpPr>
+          <p:cNvPr id="3" name="Notes Placeholder 2"/>
+          <p:cNvSpPr>
+            <a:spLocks noGrp="1"/>
+          </p:cNvSpPr>
+          <p:nvPr>
+            <p:ph type="body" idx="1"/>
+          </p:nvPr>
+        </p:nvSpPr>
+        <p:spPr/>
+        <p:txBody>
+          <a:bodyPr/>
+          <a:lstStyle/>
+          <a:p>
+            <a:endParaRPr lang="en-US" dirty="0"/>
+          </a:p>
+        </p:txBody>
+      </p:sp>
+    </p:spTree>
+    <p:extLst>
+      <p:ext uri="{BB962C8B-B14F-4D97-AF65-F5344CB8AC3E}">
         <p14:creationId xmlns:p14="http://schemas.microsoft.com/office/powerpoint/2010/main" val="4038897272"/>
       </p:ext>
     </p:extLst>
@@ -2105,7 +2172,7 @@
           </a:ln>
           <a:extLst>
             <a:ext uri="{C572A759-6A51-4108-AA02-DFA0A04FC94B}">
-              <ma14:wrappingTextBoxFlag xmlns:ma14="http://schemas.microsoft.com/office/mac/drawingml/2011/main" xmlns="" val="1"/>
+              <ma14:wrappingTextBoxFlag xmlns="" xmlns:ma14="http://schemas.microsoft.com/office/mac/drawingml/2011/main" val="1"/>
             </a:ext>
           </a:extLst>
         </p:spPr>
@@ -2144,7 +2211,7 @@
           </a:ln>
           <a:extLst>
             <a:ext uri="{C572A759-6A51-4108-AA02-DFA0A04FC94B}">
-              <ma14:wrappingTextBoxFlag xmlns:ma14="http://schemas.microsoft.com/office/mac/drawingml/2011/main" xmlns="" val="1"/>
+              <ma14:wrappingTextBoxFlag xmlns="" xmlns:ma14="http://schemas.microsoft.com/office/mac/drawingml/2011/main" val="1"/>
             </a:ext>
           </a:extLst>
         </p:spPr>
@@ -3215,7 +3282,7 @@
           </a:prstGeom>
           <a:extLst>
             <a:ext uri="{C572A759-6A51-4108-AA02-DFA0A04FC94B}">
-              <ma14:wrappingTextBoxFlag xmlns:ma14="http://schemas.microsoft.com/office/mac/drawingml/2011/main" xmlns="" val="1"/>
+              <ma14:wrappingTextBoxFlag xmlns="" xmlns:ma14="http://schemas.microsoft.com/office/mac/drawingml/2011/main" val="1"/>
             </a:ext>
           </a:extLst>
         </p:spPr>
@@ -3325,7 +3392,7 @@
           </a:ln>
           <a:extLst>
             <a:ext uri="{C572A759-6A51-4108-AA02-DFA0A04FC94B}">
-              <ma14:wrappingTextBoxFlag xmlns:ma14="http://schemas.microsoft.com/office/mac/drawingml/2011/main" xmlns="" val="1"/>
+              <ma14:wrappingTextBoxFlag xmlns="" xmlns:ma14="http://schemas.microsoft.com/office/mac/drawingml/2011/main" val="1"/>
             </a:ext>
           </a:extLst>
         </p:spPr>
@@ -5637,7 +5704,7 @@
           </a:ln>
           <a:extLst>
             <a:ext uri="{C572A759-6A51-4108-AA02-DFA0A04FC94B}">
-              <ma14:wrappingTextBoxFlag xmlns:ma14="http://schemas.microsoft.com/office/mac/drawingml/2011/main" xmlns="" val="1"/>
+              <ma14:wrappingTextBoxFlag xmlns="" xmlns:ma14="http://schemas.microsoft.com/office/mac/drawingml/2011/main" val="1"/>
             </a:ext>
           </a:extLst>
         </p:spPr>
@@ -5912,6 +5979,1354 @@
             <a:pPr hangingPunct="1"/>
             <a:r>
               <a:rPr lang="en-US" sz="3600" dirty="0"/>
+              <a:t>Diagram 2 – Transaction handlers</a:t>
+            </a:r>
+          </a:p>
+        </p:txBody>
+      </p:sp>
+      <p:sp>
+        <p:nvSpPr>
+          <p:cNvPr id="88" name="Rectangle 87">
+            <a:extLst>
+              <a:ext uri="{FF2B5EF4-FFF2-40B4-BE49-F238E27FC236}">
+                <a16:creationId xmlns:a16="http://schemas.microsoft.com/office/drawing/2014/main" id="{223A95D4-D0D7-9E46-B169-01BEA0CECCEF}"/>
+              </a:ext>
+            </a:extLst>
+          </p:cNvPr>
+          <p:cNvSpPr/>
+          <p:nvPr/>
+        </p:nvSpPr>
+        <p:spPr>
+          <a:xfrm>
+            <a:off x="5869351" y="2049881"/>
+            <a:ext cx="4893386" cy="3827533"/>
+          </a:xfrm>
+          <a:prstGeom prst="rect">
+            <a:avLst/>
+          </a:prstGeom>
+          <a:solidFill>
+            <a:srgbClr val="FFFFFF"/>
+          </a:solidFill>
+          <a:ln w="12700" cap="flat">
+            <a:solidFill>
+              <a:schemeClr val="tx1"/>
+            </a:solidFill>
+            <a:prstDash val="solid"/>
+            <a:miter lim="800000"/>
+          </a:ln>
+          <a:effectLst/>
+          <a:sp3d/>
+        </p:spPr>
+        <p:style>
+          <a:lnRef idx="0">
+            <a:scrgbClr r="0" g="0" b="0"/>
+          </a:lnRef>
+          <a:fillRef idx="0">
+            <a:scrgbClr r="0" g="0" b="0"/>
+          </a:fillRef>
+          <a:effectRef idx="0">
+            <a:scrgbClr r="0" g="0" b="0"/>
+          </a:effectRef>
+          <a:fontRef idx="none"/>
+        </p:style>
+        <p:txBody>
+          <a:bodyPr rot="0" spcFirstLastPara="1" vertOverflow="overflow" horzOverflow="overflow" vert="horz" wrap="square" lIns="144000" tIns="45719" rIns="45719" bIns="45719" numCol="1" spcCol="38100" rtlCol="0" fromWordArt="0" anchor="ctr" anchorCtr="0" forceAA="0" compatLnSpc="1">
+            <a:prstTxWarp prst="textNoShape">
+              <a:avLst/>
+            </a:prstTxWarp>
+            <a:noAutofit/>
+          </a:bodyPr>
+          <a:lstStyle/>
+          <a:p>
+            <a:r>
+              <a:rPr lang="en-US" sz="1400" dirty="0" err="1">
+                <a:latin typeface="Courier New" panose="02070309020205020404" pitchFamily="49" charset="0"/>
+                <a:cs typeface="Courier New" panose="02070309020205020404" pitchFamily="49" charset="0"/>
+              </a:rPr>
+              <a:t>CommercialPaperContract</a:t>
+            </a:r>
+            <a:r>
+              <a:rPr lang="en-US" sz="1400" dirty="0">
+                <a:latin typeface="Courier New" panose="02070309020205020404" pitchFamily="49" charset="0"/>
+                <a:cs typeface="Courier New" panose="02070309020205020404" pitchFamily="49" charset="0"/>
+              </a:rPr>
+              <a:t> extends Contract {</a:t>
+            </a:r>
+          </a:p>
+          <a:p>
+            <a:endParaRPr lang="en-US" sz="1400" dirty="0">
+              <a:latin typeface="Courier New" panose="02070309020205020404" pitchFamily="49" charset="0"/>
+              <a:cs typeface="Courier New" panose="02070309020205020404" pitchFamily="49" charset="0"/>
+            </a:endParaRPr>
+          </a:p>
+          <a:p>
+            <a:pPr lvl="1"/>
+            <a:r>
+              <a:rPr lang="en-US" sz="1400" dirty="0">
+                <a:latin typeface="Courier New" panose="02070309020205020404" pitchFamily="49" charset="0"/>
+                <a:cs typeface="Courier New" panose="02070309020205020404" pitchFamily="49" charset="0"/>
+              </a:rPr>
+              <a:t>issue(</a:t>
+            </a:r>
+            <a:r>
+              <a:rPr lang="en-US" sz="1400" dirty="0" err="1">
+                <a:latin typeface="Courier New" panose="02070309020205020404" pitchFamily="49" charset="0"/>
+                <a:cs typeface="Courier New" panose="02070309020205020404" pitchFamily="49" charset="0"/>
+              </a:rPr>
+              <a:t>ctx</a:t>
+            </a:r>
+            <a:r>
+              <a:rPr lang="en-US" sz="1400" dirty="0">
+                <a:latin typeface="Courier New" panose="02070309020205020404" pitchFamily="49" charset="0"/>
+                <a:cs typeface="Courier New" panose="02070309020205020404" pitchFamily="49" charset="0"/>
+              </a:rPr>
+              <a:t>, issuer, </a:t>
+            </a:r>
+            <a:r>
+              <a:rPr lang="en-US" sz="1400" dirty="0" err="1">
+                <a:latin typeface="Courier New" panose="02070309020205020404" pitchFamily="49" charset="0"/>
+                <a:cs typeface="Courier New" panose="02070309020205020404" pitchFamily="49" charset="0"/>
+              </a:rPr>
+              <a:t>paperNumber</a:t>
+            </a:r>
+            <a:r>
+              <a:rPr lang="en-US" sz="1400" dirty="0">
+                <a:latin typeface="Courier New" panose="02070309020205020404" pitchFamily="49" charset="0"/>
+                <a:cs typeface="Courier New" panose="02070309020205020404" pitchFamily="49" charset="0"/>
+              </a:rPr>
+              <a:t>, ...) { </a:t>
+            </a:r>
+          </a:p>
+          <a:p>
+            <a:pPr lvl="1"/>
+            <a:r>
+              <a:rPr lang="en-US" sz="1400" dirty="0">
+                <a:latin typeface="Courier New" panose="02070309020205020404" pitchFamily="49" charset="0"/>
+                <a:cs typeface="Courier New" panose="02070309020205020404" pitchFamily="49" charset="0"/>
+              </a:rPr>
+              <a:t> </a:t>
+            </a:r>
+          </a:p>
+          <a:p>
+            <a:pPr lvl="1"/>
+            <a:r>
+              <a:rPr lang="en-US" sz="1400" dirty="0">
+                <a:latin typeface="Courier New" panose="02070309020205020404" pitchFamily="49" charset="0"/>
+                <a:cs typeface="Courier New" panose="02070309020205020404" pitchFamily="49" charset="0"/>
+              </a:rPr>
+              <a:t>   return result;</a:t>
+            </a:r>
+          </a:p>
+          <a:p>
+            <a:pPr lvl="1"/>
+            <a:r>
+              <a:rPr lang="en-US" sz="1400" dirty="0">
+                <a:latin typeface="Courier New" panose="02070309020205020404" pitchFamily="49" charset="0"/>
+                <a:cs typeface="Courier New" panose="02070309020205020404" pitchFamily="49" charset="0"/>
+              </a:rPr>
+              <a:t>}</a:t>
+            </a:r>
+          </a:p>
+          <a:p>
+            <a:pPr lvl="1"/>
+            <a:endParaRPr lang="en-US" sz="1400" dirty="0">
+              <a:latin typeface="Courier New" panose="02070309020205020404" pitchFamily="49" charset="0"/>
+              <a:cs typeface="Courier New" panose="02070309020205020404" pitchFamily="49" charset="0"/>
+            </a:endParaRPr>
+          </a:p>
+          <a:p>
+            <a:pPr lvl="1"/>
+            <a:r>
+              <a:rPr lang="en-US" sz="1400" dirty="0">
+                <a:latin typeface="Courier New" panose="02070309020205020404" pitchFamily="49" charset="0"/>
+                <a:cs typeface="Courier New" panose="02070309020205020404" pitchFamily="49" charset="0"/>
+              </a:rPr>
+              <a:t>buy(</a:t>
+            </a:r>
+            <a:r>
+              <a:rPr lang="en-US" sz="1400" dirty="0" err="1">
+                <a:latin typeface="Courier New" panose="02070309020205020404" pitchFamily="49" charset="0"/>
+                <a:cs typeface="Courier New" panose="02070309020205020404" pitchFamily="49" charset="0"/>
+              </a:rPr>
+              <a:t>ctx</a:t>
+            </a:r>
+            <a:r>
+              <a:rPr lang="en-US" sz="1400" dirty="0">
+                <a:latin typeface="Courier New" panose="02070309020205020404" pitchFamily="49" charset="0"/>
+                <a:cs typeface="Courier New" panose="02070309020205020404" pitchFamily="49" charset="0"/>
+              </a:rPr>
+              <a:t>, issuer, </a:t>
+            </a:r>
+            <a:r>
+              <a:rPr lang="en-US" sz="1400" dirty="0" err="1">
+                <a:latin typeface="Courier New" panose="02070309020205020404" pitchFamily="49" charset="0"/>
+                <a:cs typeface="Courier New" panose="02070309020205020404" pitchFamily="49" charset="0"/>
+              </a:rPr>
+              <a:t>paperNumber</a:t>
+            </a:r>
+            <a:r>
+              <a:rPr lang="en-US" sz="1400" dirty="0">
+                <a:latin typeface="Courier New" panose="02070309020205020404" pitchFamily="49" charset="0"/>
+                <a:cs typeface="Courier New" panose="02070309020205020404" pitchFamily="49" charset="0"/>
+              </a:rPr>
+              <a:t>, ...) {</a:t>
+            </a:r>
+          </a:p>
+          <a:p>
+            <a:pPr lvl="1"/>
+            <a:endParaRPr lang="en-US" sz="1400" dirty="0">
+              <a:latin typeface="Courier New" panose="02070309020205020404" pitchFamily="49" charset="0"/>
+              <a:cs typeface="Courier New" panose="02070309020205020404" pitchFamily="49" charset="0"/>
+            </a:endParaRPr>
+          </a:p>
+          <a:p>
+            <a:pPr lvl="1"/>
+            <a:r>
+              <a:rPr lang="en-US" sz="1400" dirty="0">
+                <a:latin typeface="Courier New" panose="02070309020205020404" pitchFamily="49" charset="0"/>
+                <a:cs typeface="Courier New" panose="02070309020205020404" pitchFamily="49" charset="0"/>
+              </a:rPr>
+              <a:t>    ...</a:t>
+            </a:r>
+          </a:p>
+          <a:p>
+            <a:pPr lvl="1"/>
+            <a:r>
+              <a:rPr lang="en-US" sz="1400" dirty="0">
+                <a:latin typeface="Courier New" panose="02070309020205020404" pitchFamily="49" charset="0"/>
+                <a:cs typeface="Courier New" panose="02070309020205020404" pitchFamily="49" charset="0"/>
+              </a:rPr>
+              <a:t>}</a:t>
+            </a:r>
+          </a:p>
+          <a:p>
+            <a:pPr lvl="1"/>
+            <a:endParaRPr lang="en-US" sz="1400" dirty="0">
+              <a:latin typeface="Courier New" panose="02070309020205020404" pitchFamily="49" charset="0"/>
+              <a:cs typeface="Courier New" panose="02070309020205020404" pitchFamily="49" charset="0"/>
+            </a:endParaRPr>
+          </a:p>
+          <a:p>
+            <a:pPr lvl="1"/>
+            <a:r>
+              <a:rPr lang="en-US" sz="1400" dirty="0">
+                <a:latin typeface="Courier New" panose="02070309020205020404" pitchFamily="49" charset="0"/>
+                <a:cs typeface="Courier New" panose="02070309020205020404" pitchFamily="49" charset="0"/>
+              </a:rPr>
+              <a:t>redeem(</a:t>
+            </a:r>
+            <a:r>
+              <a:rPr lang="en-US" sz="1400" dirty="0" err="1">
+                <a:latin typeface="Courier New" panose="02070309020205020404" pitchFamily="49" charset="0"/>
+                <a:cs typeface="Courier New" panose="02070309020205020404" pitchFamily="49" charset="0"/>
+              </a:rPr>
+              <a:t>ctx</a:t>
+            </a:r>
+            <a:r>
+              <a:rPr lang="en-US" sz="1400" dirty="0">
+                <a:latin typeface="Courier New" panose="02070309020205020404" pitchFamily="49" charset="0"/>
+                <a:cs typeface="Courier New" panose="02070309020205020404" pitchFamily="49" charset="0"/>
+              </a:rPr>
+              <a:t>, issuer, </a:t>
+            </a:r>
+            <a:r>
+              <a:rPr lang="en-US" sz="1400" dirty="0" err="1">
+                <a:latin typeface="Courier New" panose="02070309020205020404" pitchFamily="49" charset="0"/>
+                <a:cs typeface="Courier New" panose="02070309020205020404" pitchFamily="49" charset="0"/>
+              </a:rPr>
+              <a:t>paperNumber</a:t>
+            </a:r>
+            <a:r>
+              <a:rPr lang="en-US" sz="1400" dirty="0">
+                <a:latin typeface="Courier New" panose="02070309020205020404" pitchFamily="49" charset="0"/>
+                <a:cs typeface="Courier New" panose="02070309020205020404" pitchFamily="49" charset="0"/>
+              </a:rPr>
+              <a:t>, ...) {</a:t>
+            </a:r>
+          </a:p>
+          <a:p>
+            <a:pPr lvl="1"/>
+            <a:endParaRPr lang="en-US" sz="1400" dirty="0">
+              <a:latin typeface="Courier New" panose="02070309020205020404" pitchFamily="49" charset="0"/>
+              <a:cs typeface="Courier New" panose="02070309020205020404" pitchFamily="49" charset="0"/>
+            </a:endParaRPr>
+          </a:p>
+          <a:p>
+            <a:pPr lvl="1"/>
+            <a:r>
+              <a:rPr lang="en-US" sz="1400" dirty="0">
+                <a:latin typeface="Courier New" panose="02070309020205020404" pitchFamily="49" charset="0"/>
+                <a:cs typeface="Courier New" panose="02070309020205020404" pitchFamily="49" charset="0"/>
+              </a:rPr>
+              <a:t>    ...</a:t>
+            </a:r>
+          </a:p>
+          <a:p>
+            <a:pPr lvl="1"/>
+            <a:r>
+              <a:rPr lang="en-US" sz="1400" dirty="0">
+                <a:latin typeface="Courier New" panose="02070309020205020404" pitchFamily="49" charset="0"/>
+                <a:cs typeface="Courier New" panose="02070309020205020404" pitchFamily="49" charset="0"/>
+              </a:rPr>
+              <a:t>}</a:t>
+            </a:r>
+          </a:p>
+          <a:p>
+            <a:r>
+              <a:rPr lang="en-US" sz="1400" dirty="0">
+                <a:latin typeface="Courier New" panose="02070309020205020404" pitchFamily="49" charset="0"/>
+                <a:cs typeface="Courier New" panose="02070309020205020404" pitchFamily="49" charset="0"/>
+              </a:rPr>
+              <a:t>}</a:t>
+            </a:r>
+          </a:p>
+        </p:txBody>
+      </p:sp>
+      <p:grpSp>
+        <p:nvGrpSpPr>
+          <p:cNvPr id="19" name="Group 18">
+            <a:extLst>
+              <a:ext uri="{FF2B5EF4-FFF2-40B4-BE49-F238E27FC236}">
+                <a16:creationId xmlns:a16="http://schemas.microsoft.com/office/drawing/2014/main" id="{04703A59-D1F3-F745-9A1F-9145189530E5}"/>
+              </a:ext>
+            </a:extLst>
+          </p:cNvPr>
+          <p:cNvGrpSpPr/>
+          <p:nvPr/>
+        </p:nvGrpSpPr>
+        <p:grpSpPr>
+          <a:xfrm>
+            <a:off x="5444460" y="2695242"/>
+            <a:ext cx="915155" cy="637329"/>
+            <a:chOff x="5533284" y="2695242"/>
+            <a:chExt cx="733927" cy="637329"/>
+          </a:xfrm>
+        </p:grpSpPr>
+        <p:cxnSp>
+          <p:nvCxnSpPr>
+            <p:cNvPr id="3" name="Straight Arrow Connector 2">
+              <a:extLst>
+                <a:ext uri="{FF2B5EF4-FFF2-40B4-BE49-F238E27FC236}">
+                  <a16:creationId xmlns:a16="http://schemas.microsoft.com/office/drawing/2014/main" id="{5487343C-2E20-2447-A17A-32EB088DD70B}"/>
+                </a:ext>
+              </a:extLst>
+            </p:cNvPr>
+            <p:cNvCxnSpPr>
+              <a:cxnSpLocks/>
+              <a:stCxn id="5" idx="1"/>
+            </p:cNvCxnSpPr>
+            <p:nvPr/>
+          </p:nvCxnSpPr>
+          <p:spPr>
+            <a:xfrm>
+              <a:off x="5533285" y="2695242"/>
+              <a:ext cx="733926" cy="0"/>
+            </a:xfrm>
+            <a:prstGeom prst="straightConnector1">
+              <a:avLst/>
+            </a:prstGeom>
+            <a:noFill/>
+            <a:ln w="12700" cap="flat">
+              <a:solidFill>
+                <a:schemeClr val="tx1"/>
+              </a:solidFill>
+              <a:prstDash val="solid"/>
+              <a:miter lim="800000"/>
+              <a:tailEnd type="triangle"/>
+            </a:ln>
+            <a:effectLst/>
+            <a:sp3d/>
+          </p:spPr>
+          <p:style>
+            <a:lnRef idx="0">
+              <a:scrgbClr r="0" g="0" b="0"/>
+            </a:lnRef>
+            <a:fillRef idx="0">
+              <a:scrgbClr r="0" g="0" b="0"/>
+            </a:fillRef>
+            <a:effectRef idx="0">
+              <a:scrgbClr r="0" g="0" b="0"/>
+            </a:effectRef>
+            <a:fontRef idx="none"/>
+          </p:style>
+        </p:cxnSp>
+        <p:cxnSp>
+          <p:nvCxnSpPr>
+            <p:cNvPr id="29" name="Straight Arrow Connector 28">
+              <a:extLst>
+                <a:ext uri="{FF2B5EF4-FFF2-40B4-BE49-F238E27FC236}">
+                  <a16:creationId xmlns:a16="http://schemas.microsoft.com/office/drawing/2014/main" id="{BF0A9AD3-9A84-8944-AB03-2BB687B23AA9}"/>
+                </a:ext>
+              </a:extLst>
+            </p:cNvPr>
+            <p:cNvCxnSpPr>
+              <a:cxnSpLocks/>
+              <a:stCxn id="32" idx="1"/>
+            </p:cNvCxnSpPr>
+            <p:nvPr/>
+          </p:nvCxnSpPr>
+          <p:spPr>
+            <a:xfrm>
+              <a:off x="5533284" y="3332571"/>
+              <a:ext cx="733926" cy="0"/>
+            </a:xfrm>
+            <a:prstGeom prst="straightConnector1">
+              <a:avLst/>
+            </a:prstGeom>
+            <a:noFill/>
+            <a:ln w="12700" cap="flat">
+              <a:solidFill>
+                <a:schemeClr val="tx1"/>
+              </a:solidFill>
+              <a:prstDash val="solid"/>
+              <a:miter lim="800000"/>
+              <a:headEnd type="triangle"/>
+              <a:tailEnd type="none"/>
+            </a:ln>
+            <a:effectLst/>
+            <a:sp3d/>
+          </p:spPr>
+          <p:style>
+            <a:lnRef idx="0">
+              <a:scrgbClr r="0" g="0" b="0"/>
+            </a:lnRef>
+            <a:fillRef idx="0">
+              <a:scrgbClr r="0" g="0" b="0"/>
+            </a:fillRef>
+            <a:effectRef idx="0">
+              <a:scrgbClr r="0" g="0" b="0"/>
+            </a:effectRef>
+            <a:fontRef idx="none"/>
+          </p:style>
+        </p:cxnSp>
+      </p:grpSp>
+      <p:sp>
+        <p:nvSpPr>
+          <p:cNvPr id="5" name="TextBox 4">
+            <a:extLst>
+              <a:ext uri="{FF2B5EF4-FFF2-40B4-BE49-F238E27FC236}">
+                <a16:creationId xmlns:a16="http://schemas.microsoft.com/office/drawing/2014/main" id="{2028D91D-6D71-C443-9B2D-9E5572588916}"/>
+              </a:ext>
+            </a:extLst>
+          </p:cNvPr>
+          <p:cNvSpPr txBox="1"/>
+          <p:nvPr/>
+        </p:nvSpPr>
+        <p:spPr>
+          <a:xfrm flipH="1">
+            <a:off x="2446643" y="2541354"/>
+            <a:ext cx="3071960" cy="307775"/>
+          </a:xfrm>
+          <a:prstGeom prst="rect">
+            <a:avLst/>
+          </a:prstGeom>
+          <a:solidFill>
+            <a:srgbClr val="FFFFFF"/>
+          </a:solidFill>
+          <a:ln w="12700" cap="flat">
+            <a:solidFill>
+              <a:schemeClr val="tx1"/>
+            </a:solidFill>
+            <a:prstDash val="solid"/>
+            <a:miter lim="800000"/>
+          </a:ln>
+          <a:effectLst/>
+          <a:sp3d/>
+        </p:spPr>
+        <p:style>
+          <a:lnRef idx="0">
+            <a:scrgbClr r="0" g="0" b="0"/>
+          </a:lnRef>
+          <a:fillRef idx="0">
+            <a:scrgbClr r="0" g="0" b="0"/>
+          </a:fillRef>
+          <a:effectRef idx="0">
+            <a:scrgbClr r="0" g="0" b="0"/>
+          </a:effectRef>
+          <a:fontRef idx="none"/>
+        </p:style>
+        <p:txBody>
+          <a:bodyPr rot="0" spcFirstLastPara="1" vertOverflow="overflow" horzOverflow="overflow" vert="horz" wrap="square" lIns="144000" tIns="45719" rIns="45719" bIns="45719" numCol="1" spcCol="38100" rtlCol="0" fromWordArt="0" anchor="ctr" anchorCtr="0" forceAA="0" compatLnSpc="1">
+            <a:prstTxWarp prst="textNoShape">
+              <a:avLst/>
+            </a:prstTxWarp>
+            <a:noAutofit/>
+          </a:bodyPr>
+          <a:lstStyle>
+            <a:defPPr marL="0" marR="0" indent="0" algn="l" defTabSz="914400" rtl="0" fontAlgn="auto" latinLnBrk="1" hangingPunct="0">
+              <a:lnSpc>
+                <a:spcPct val="100000"/>
+              </a:lnSpc>
+              <a:spcBef>
+                <a:spcPts val="0"/>
+              </a:spcBef>
+              <a:spcAft>
+                <a:spcPts val="0"/>
+              </a:spcAft>
+              <a:buClrTx/>
+              <a:buSzTx/>
+              <a:buFontTx/>
+              <a:buNone/>
+              <a:tabLst/>
+              <a:defRPr kumimoji="0" sz="1800" b="0" i="0" u="none" strike="noStrike" cap="none" spc="0" normalizeH="0" baseline="0">
+                <a:ln>
+                  <a:noFill/>
+                </a:ln>
+                <a:solidFill>
+                  <a:srgbClr val="000000"/>
+                </a:solidFill>
+                <a:effectLst/>
+                <a:uFillTx/>
+              </a:defRPr>
+            </a:defPPr>
+            <a:lvl1pPr>
+              <a:defRPr sz="1400">
+                <a:latin typeface="Courier New" panose="02070309020205020404" pitchFamily="49" charset="0"/>
+                <a:cs typeface="Courier New" panose="02070309020205020404" pitchFamily="49" charset="0"/>
+              </a:defRPr>
+            </a:lvl1pPr>
+            <a:lvl2pPr lvl="1">
+              <a:defRPr sz="1400">
+                <a:latin typeface="Courier New" panose="02070309020205020404" pitchFamily="49" charset="0"/>
+                <a:cs typeface="Courier New" panose="02070309020205020404" pitchFamily="49" charset="0"/>
+              </a:defRPr>
+            </a:lvl2pPr>
+          </a:lstStyle>
+          <a:p>
+            <a:r>
+              <a:rPr lang="en-US" dirty="0" err="1"/>
+              <a:t>beforeFunction</a:t>
+            </a:r>
+            <a:r>
+              <a:rPr lang="en-US" dirty="0"/>
+              <a:t>(</a:t>
+            </a:r>
+            <a:r>
+              <a:rPr lang="en-US" dirty="0" err="1"/>
+              <a:t>ctx</a:t>
+            </a:r>
+            <a:r>
+              <a:rPr lang="en-US" dirty="0"/>
+              <a:t>) </a:t>
+            </a:r>
+          </a:p>
+        </p:txBody>
+      </p:sp>
+      <p:sp>
+        <p:nvSpPr>
+          <p:cNvPr id="32" name="TextBox 31">
+            <a:extLst>
+              <a:ext uri="{FF2B5EF4-FFF2-40B4-BE49-F238E27FC236}">
+                <a16:creationId xmlns:a16="http://schemas.microsoft.com/office/drawing/2014/main" id="{83E37CED-3BE1-5941-B242-E7341C3464EF}"/>
+              </a:ext>
+            </a:extLst>
+          </p:cNvPr>
+          <p:cNvSpPr txBox="1"/>
+          <p:nvPr/>
+        </p:nvSpPr>
+        <p:spPr>
+          <a:xfrm flipH="1">
+            <a:off x="2446642" y="3178683"/>
+            <a:ext cx="3071960" cy="307775"/>
+          </a:xfrm>
+          <a:prstGeom prst="rect">
+            <a:avLst/>
+          </a:prstGeom>
+          <a:solidFill>
+            <a:srgbClr val="FFFFFF"/>
+          </a:solidFill>
+          <a:ln w="12700" cap="flat">
+            <a:solidFill>
+              <a:schemeClr val="tx1"/>
+            </a:solidFill>
+            <a:prstDash val="solid"/>
+            <a:miter lim="800000"/>
+          </a:ln>
+          <a:effectLst/>
+          <a:sp3d/>
+        </p:spPr>
+        <p:style>
+          <a:lnRef idx="0">
+            <a:scrgbClr r="0" g="0" b="0"/>
+          </a:lnRef>
+          <a:fillRef idx="0">
+            <a:scrgbClr r="0" g="0" b="0"/>
+          </a:fillRef>
+          <a:effectRef idx="0">
+            <a:scrgbClr r="0" g="0" b="0"/>
+          </a:effectRef>
+          <a:fontRef idx="none"/>
+        </p:style>
+        <p:txBody>
+          <a:bodyPr rot="0" spcFirstLastPara="1" vertOverflow="overflow" horzOverflow="overflow" vert="horz" wrap="square" lIns="144000" tIns="45719" rIns="45719" bIns="45719" numCol="1" spcCol="38100" rtlCol="0" fromWordArt="0" anchor="ctr" anchorCtr="0" forceAA="0" compatLnSpc="1">
+            <a:prstTxWarp prst="textNoShape">
+              <a:avLst/>
+            </a:prstTxWarp>
+            <a:noAutofit/>
+          </a:bodyPr>
+          <a:lstStyle>
+            <a:defPPr marL="0" marR="0" indent="0" algn="l" defTabSz="914400" rtl="0" fontAlgn="auto" latinLnBrk="1" hangingPunct="0">
+              <a:lnSpc>
+                <a:spcPct val="100000"/>
+              </a:lnSpc>
+              <a:spcBef>
+                <a:spcPts val="0"/>
+              </a:spcBef>
+              <a:spcAft>
+                <a:spcPts val="0"/>
+              </a:spcAft>
+              <a:buClrTx/>
+              <a:buSzTx/>
+              <a:buFontTx/>
+              <a:buNone/>
+              <a:tabLst/>
+              <a:defRPr kumimoji="0" sz="1800" b="0" i="0" u="none" strike="noStrike" cap="none" spc="0" normalizeH="0" baseline="0">
+                <a:ln>
+                  <a:noFill/>
+                </a:ln>
+                <a:solidFill>
+                  <a:srgbClr val="000000"/>
+                </a:solidFill>
+                <a:effectLst/>
+                <a:uFillTx/>
+              </a:defRPr>
+            </a:defPPr>
+            <a:lvl1pPr>
+              <a:defRPr sz="1400">
+                <a:latin typeface="Courier New" panose="02070309020205020404" pitchFamily="49" charset="0"/>
+                <a:cs typeface="Courier New" panose="02070309020205020404" pitchFamily="49" charset="0"/>
+              </a:defRPr>
+            </a:lvl1pPr>
+            <a:lvl2pPr lvl="1">
+              <a:defRPr sz="1400">
+                <a:latin typeface="Courier New" panose="02070309020205020404" pitchFamily="49" charset="0"/>
+                <a:cs typeface="Courier New" panose="02070309020205020404" pitchFamily="49" charset="0"/>
+              </a:defRPr>
+            </a:lvl2pPr>
+          </a:lstStyle>
+          <a:p>
+            <a:r>
+              <a:rPr lang="en-US" dirty="0" err="1"/>
+              <a:t>afterFunction</a:t>
+            </a:r>
+            <a:r>
+              <a:rPr lang="en-US" dirty="0"/>
+              <a:t>(</a:t>
+            </a:r>
+            <a:r>
+              <a:rPr lang="en-US" dirty="0" err="1"/>
+              <a:t>ctx, result</a:t>
+            </a:r>
+            <a:r>
+              <a:rPr lang="en-US" dirty="0"/>
+              <a:t>) </a:t>
+            </a:r>
+          </a:p>
+        </p:txBody>
+      </p:sp>
+      <p:sp>
+        <p:nvSpPr>
+          <p:cNvPr id="33" name="TextBox 32">
+            <a:extLst>
+              <a:ext uri="{FF2B5EF4-FFF2-40B4-BE49-F238E27FC236}">
+                <a16:creationId xmlns:a16="http://schemas.microsoft.com/office/drawing/2014/main" id="{1F193CC9-2C4D-1345-9760-270256B653B3}"/>
+              </a:ext>
+            </a:extLst>
+          </p:cNvPr>
+          <p:cNvSpPr txBox="1"/>
+          <p:nvPr/>
+        </p:nvSpPr>
+        <p:spPr>
+          <a:xfrm flipH="1">
+            <a:off x="2446642" y="5532539"/>
+            <a:ext cx="3071960" cy="307775"/>
+          </a:xfrm>
+          <a:prstGeom prst="rect">
+            <a:avLst/>
+          </a:prstGeom>
+          <a:solidFill>
+            <a:srgbClr val="FFFFFF"/>
+          </a:solidFill>
+          <a:ln w="12700" cap="flat">
+            <a:solidFill>
+              <a:schemeClr val="tx1"/>
+            </a:solidFill>
+            <a:prstDash val="solid"/>
+            <a:miter lim="800000"/>
+          </a:ln>
+          <a:effectLst/>
+          <a:sp3d/>
+        </p:spPr>
+        <p:style>
+          <a:lnRef idx="0">
+            <a:scrgbClr r="0" g="0" b="0"/>
+          </a:lnRef>
+          <a:fillRef idx="0">
+            <a:scrgbClr r="0" g="0" b="0"/>
+          </a:fillRef>
+          <a:effectRef idx="0">
+            <a:scrgbClr r="0" g="0" b="0"/>
+          </a:effectRef>
+          <a:fontRef idx="none"/>
+        </p:style>
+        <p:txBody>
+          <a:bodyPr rot="0" spcFirstLastPara="1" vertOverflow="overflow" horzOverflow="overflow" vert="horz" wrap="square" lIns="144000" tIns="45719" rIns="45719" bIns="45719" numCol="1" spcCol="38100" rtlCol="0" fromWordArt="0" anchor="ctr" anchorCtr="0" forceAA="0" compatLnSpc="1">
+            <a:prstTxWarp prst="textNoShape">
+              <a:avLst/>
+            </a:prstTxWarp>
+            <a:noAutofit/>
+          </a:bodyPr>
+          <a:lstStyle>
+            <a:defPPr marL="0" marR="0" indent="0" algn="l" defTabSz="914400" rtl="0" fontAlgn="auto" latinLnBrk="1" hangingPunct="0">
+              <a:lnSpc>
+                <a:spcPct val="100000"/>
+              </a:lnSpc>
+              <a:spcBef>
+                <a:spcPts val="0"/>
+              </a:spcBef>
+              <a:spcAft>
+                <a:spcPts val="0"/>
+              </a:spcAft>
+              <a:buClrTx/>
+              <a:buSzTx/>
+              <a:buFontTx/>
+              <a:buNone/>
+              <a:tabLst/>
+              <a:defRPr kumimoji="0" sz="1800" b="0" i="0" u="none" strike="noStrike" cap="none" spc="0" normalizeH="0" baseline="0">
+                <a:ln>
+                  <a:noFill/>
+                </a:ln>
+                <a:solidFill>
+                  <a:srgbClr val="000000"/>
+                </a:solidFill>
+                <a:effectLst/>
+                <a:uFillTx/>
+              </a:defRPr>
+            </a:defPPr>
+            <a:lvl1pPr>
+              <a:defRPr sz="1400">
+                <a:latin typeface="Courier New" panose="02070309020205020404" pitchFamily="49" charset="0"/>
+                <a:cs typeface="Courier New" panose="02070309020205020404" pitchFamily="49" charset="0"/>
+              </a:defRPr>
+            </a:lvl1pPr>
+            <a:lvl2pPr lvl="1">
+              <a:defRPr sz="1400">
+                <a:latin typeface="Courier New" panose="02070309020205020404" pitchFamily="49" charset="0"/>
+                <a:cs typeface="Courier New" panose="02070309020205020404" pitchFamily="49" charset="0"/>
+              </a:defRPr>
+            </a:lvl2pPr>
+          </a:lstStyle>
+          <a:p>
+            <a:r>
+              <a:rPr lang="en-US" dirty="0" err="1"/>
+              <a:t>unknownFunction</a:t>
+            </a:r>
+            <a:r>
+              <a:rPr lang="en-US" dirty="0"/>
+              <a:t>(</a:t>
+            </a:r>
+            <a:r>
+              <a:rPr lang="en-US" dirty="0" err="1"/>
+              <a:t>ctx</a:t>
+            </a:r>
+            <a:r>
+              <a:rPr lang="en-US" dirty="0"/>
+              <a:t>) </a:t>
+            </a:r>
+          </a:p>
+        </p:txBody>
+      </p:sp>
+      <p:cxnSp>
+        <p:nvCxnSpPr>
+          <p:cNvPr id="63" name="Straight Arrow Connector 62">
+            <a:extLst>
+              <a:ext uri="{FF2B5EF4-FFF2-40B4-BE49-F238E27FC236}">
+                <a16:creationId xmlns:a16="http://schemas.microsoft.com/office/drawing/2014/main" id="{CEDC5530-F0B0-3146-A2CF-65DBCE8CC7A0}"/>
+              </a:ext>
+            </a:extLst>
+          </p:cNvPr>
+          <p:cNvCxnSpPr>
+            <a:cxnSpLocks/>
+            <a:stCxn id="33" idx="1"/>
+          </p:cNvCxnSpPr>
+          <p:nvPr/>
+        </p:nvCxnSpPr>
+        <p:spPr>
+          <a:xfrm>
+            <a:off x="5518602" y="5686427"/>
+            <a:ext cx="345987" cy="0"/>
+          </a:xfrm>
+          <a:prstGeom prst="straightConnector1">
+            <a:avLst/>
+          </a:prstGeom>
+          <a:noFill/>
+          <a:ln w="12700" cap="flat">
+            <a:solidFill>
+              <a:schemeClr val="tx1"/>
+            </a:solidFill>
+            <a:prstDash val="solid"/>
+            <a:miter lim="800000"/>
+            <a:headEnd type="triangle"/>
+            <a:tailEnd type="none"/>
+          </a:ln>
+          <a:effectLst/>
+          <a:sp3d/>
+        </p:spPr>
+        <p:style>
+          <a:lnRef idx="0">
+            <a:scrgbClr r="0" g="0" b="0"/>
+          </a:lnRef>
+          <a:fillRef idx="0">
+            <a:scrgbClr r="0" g="0" b="0"/>
+          </a:fillRef>
+          <a:effectRef idx="0">
+            <a:scrgbClr r="0" g="0" b="0"/>
+          </a:effectRef>
+          <a:fontRef idx="none"/>
+        </p:style>
+      </p:cxnSp>
+      <p:grpSp>
+        <p:nvGrpSpPr>
+          <p:cNvPr id="18" name="Group 17">
+            <a:extLst>
+              <a:ext uri="{FF2B5EF4-FFF2-40B4-BE49-F238E27FC236}">
+                <a16:creationId xmlns:a16="http://schemas.microsoft.com/office/drawing/2014/main" id="{6EB9AA1B-EC21-0941-B4D3-585A25046AFD}"/>
+              </a:ext>
+            </a:extLst>
+          </p:cNvPr>
+          <p:cNvGrpSpPr/>
+          <p:nvPr/>
+        </p:nvGrpSpPr>
+        <p:grpSpPr>
+          <a:xfrm>
+            <a:off x="2095893" y="2695242"/>
+            <a:ext cx="350750" cy="2991185"/>
+            <a:chOff x="1835991" y="2695242"/>
+            <a:chExt cx="565298" cy="2991185"/>
+          </a:xfrm>
+        </p:grpSpPr>
+        <p:cxnSp>
+          <p:nvCxnSpPr>
+            <p:cNvPr id="56" name="Straight Arrow Connector 55">
+              <a:extLst>
+                <a:ext uri="{FF2B5EF4-FFF2-40B4-BE49-F238E27FC236}">
+                  <a16:creationId xmlns:a16="http://schemas.microsoft.com/office/drawing/2014/main" id="{1129EF10-82D5-7E49-8419-32B332509B04}"/>
+                </a:ext>
+              </a:extLst>
+            </p:cNvPr>
+            <p:cNvCxnSpPr>
+              <a:cxnSpLocks/>
+              <a:endCxn id="5" idx="3"/>
+            </p:cNvCxnSpPr>
+            <p:nvPr/>
+          </p:nvCxnSpPr>
+          <p:spPr>
+            <a:xfrm>
+              <a:off x="1835991" y="2695242"/>
+              <a:ext cx="565298" cy="0"/>
+            </a:xfrm>
+            <a:prstGeom prst="straightConnector1">
+              <a:avLst/>
+            </a:prstGeom>
+            <a:noFill/>
+            <a:ln w="12700" cap="flat">
+              <a:solidFill>
+                <a:schemeClr val="tx1"/>
+              </a:solidFill>
+              <a:prstDash val="solid"/>
+              <a:miter lim="800000"/>
+              <a:tailEnd type="triangle"/>
+            </a:ln>
+            <a:effectLst/>
+            <a:sp3d/>
+          </p:spPr>
+          <p:style>
+            <a:lnRef idx="0">
+              <a:scrgbClr r="0" g="0" b="0"/>
+            </a:lnRef>
+            <a:fillRef idx="0">
+              <a:scrgbClr r="0" g="0" b="0"/>
+            </a:fillRef>
+            <a:effectRef idx="0">
+              <a:scrgbClr r="0" g="0" b="0"/>
+            </a:effectRef>
+            <a:fontRef idx="none"/>
+          </p:style>
+        </p:cxnSp>
+        <p:cxnSp>
+          <p:nvCxnSpPr>
+            <p:cNvPr id="57" name="Straight Arrow Connector 56">
+              <a:extLst>
+                <a:ext uri="{FF2B5EF4-FFF2-40B4-BE49-F238E27FC236}">
+                  <a16:creationId xmlns:a16="http://schemas.microsoft.com/office/drawing/2014/main" id="{1092D832-3806-DD4F-888E-56A4B1615CF5}"/>
+                </a:ext>
+              </a:extLst>
+            </p:cNvPr>
+            <p:cNvCxnSpPr>
+              <a:cxnSpLocks/>
+              <a:endCxn id="32" idx="3"/>
+            </p:cNvCxnSpPr>
+            <p:nvPr/>
+          </p:nvCxnSpPr>
+          <p:spPr>
+            <a:xfrm>
+              <a:off x="1835991" y="3332571"/>
+              <a:ext cx="565297" cy="0"/>
+            </a:xfrm>
+            <a:prstGeom prst="straightConnector1">
+              <a:avLst/>
+            </a:prstGeom>
+            <a:noFill/>
+            <a:ln w="12700" cap="flat">
+              <a:solidFill>
+                <a:schemeClr val="tx1"/>
+              </a:solidFill>
+              <a:prstDash val="solid"/>
+              <a:miter lim="800000"/>
+              <a:headEnd type="triangle"/>
+              <a:tailEnd type="none"/>
+            </a:ln>
+            <a:effectLst/>
+            <a:sp3d/>
+          </p:spPr>
+          <p:style>
+            <a:lnRef idx="0">
+              <a:scrgbClr r="0" g="0" b="0"/>
+            </a:lnRef>
+            <a:fillRef idx="0">
+              <a:scrgbClr r="0" g="0" b="0"/>
+            </a:fillRef>
+            <a:effectRef idx="0">
+              <a:scrgbClr r="0" g="0" b="0"/>
+            </a:effectRef>
+            <a:fontRef idx="none"/>
+          </p:style>
+        </p:cxnSp>
+        <p:cxnSp>
+          <p:nvCxnSpPr>
+            <p:cNvPr id="66" name="Straight Arrow Connector 65">
+              <a:extLst>
+                <a:ext uri="{FF2B5EF4-FFF2-40B4-BE49-F238E27FC236}">
+                  <a16:creationId xmlns:a16="http://schemas.microsoft.com/office/drawing/2014/main" id="{83577554-4CCF-1D4C-A504-0E5E5EF70C32}"/>
+                </a:ext>
+              </a:extLst>
+            </p:cNvPr>
+            <p:cNvCxnSpPr>
+              <a:cxnSpLocks/>
+              <a:endCxn id="33" idx="3"/>
+            </p:cNvCxnSpPr>
+            <p:nvPr/>
+          </p:nvCxnSpPr>
+          <p:spPr>
+            <a:xfrm>
+              <a:off x="1835991" y="5686427"/>
+              <a:ext cx="565297" cy="0"/>
+            </a:xfrm>
+            <a:prstGeom prst="straightConnector1">
+              <a:avLst/>
+            </a:prstGeom>
+            <a:noFill/>
+            <a:ln w="12700" cap="flat">
+              <a:solidFill>
+                <a:schemeClr val="tx1"/>
+              </a:solidFill>
+              <a:prstDash val="solid"/>
+              <a:miter lim="800000"/>
+              <a:headEnd type="triangle"/>
+              <a:tailEnd type="none"/>
+            </a:ln>
+            <a:effectLst/>
+            <a:sp3d/>
+          </p:spPr>
+          <p:style>
+            <a:lnRef idx="0">
+              <a:scrgbClr r="0" g="0" b="0"/>
+            </a:lnRef>
+            <a:fillRef idx="0">
+              <a:scrgbClr r="0" g="0" b="0"/>
+            </a:fillRef>
+            <a:effectRef idx="0">
+              <a:scrgbClr r="0" g="0" b="0"/>
+            </a:effectRef>
+            <a:fontRef idx="none"/>
+          </p:style>
+        </p:cxnSp>
+      </p:grpSp>
+    </p:spTree>
+    <p:extLst>
+      <p:ext uri="{BB962C8B-B14F-4D97-AF65-F5344CB8AC3E}">
+        <p14:creationId xmlns:p14="http://schemas.microsoft.com/office/powerpoint/2010/main" val="1665966719"/>
+      </p:ext>
+    </p:extLst>
+  </p:cSld>
+  <p:clrMapOvr>
+    <a:masterClrMapping/>
+  </p:clrMapOvr>
+  <p:transition spd="med"/>
+</p:sld>
+</file>
+
+<file path=ppt/slides/slide5.xml><?xml version="1.0" encoding="utf-8"?>
+<p:sld xmlns:a="http://schemas.openxmlformats.org/drawingml/2006/main" xmlns:r="http://schemas.openxmlformats.org/officeDocument/2006/relationships" xmlns:p="http://schemas.openxmlformats.org/presentationml/2006/main">
+  <p:cSld>
+    <p:spTree>
+      <p:nvGrpSpPr>
+        <p:cNvPr id="1" name=""/>
+        <p:cNvGrpSpPr/>
+        <p:nvPr/>
+      </p:nvGrpSpPr>
+      <p:grpSpPr>
+        <a:xfrm>
+          <a:off x="0" y="0"/>
+          <a:ext cx="0" cy="0"/>
+          <a:chOff x="0" y="0"/>
+          <a:chExt cx="0" cy="0"/>
+        </a:xfrm>
+      </p:grpSpPr>
+      <p:sp>
+        <p:nvSpPr>
+          <p:cNvPr id="6" name="Rectangle 28">
+            <a:extLst>
+              <a:ext uri="{FF2B5EF4-FFF2-40B4-BE49-F238E27FC236}">
+                <a16:creationId xmlns:a16="http://schemas.microsoft.com/office/drawing/2014/main" id="{F83AD13B-686A-7441-AF80-1AAF66037A2E}"/>
+              </a:ext>
+            </a:extLst>
+          </p:cNvPr>
+          <p:cNvSpPr/>
+          <p:nvPr/>
+        </p:nvSpPr>
+        <p:spPr>
+          <a:xfrm>
+            <a:off x="1956378" y="1921239"/>
+            <a:ext cx="8943280" cy="4084819"/>
+          </a:xfrm>
+          <a:prstGeom prst="rect">
+            <a:avLst/>
+          </a:prstGeom>
+          <a:ln w="12700">
+            <a:solidFill>
+              <a:schemeClr val="tx1"/>
+            </a:solidFill>
+            <a:miter/>
+          </a:ln>
+        </p:spPr>
+        <p:txBody>
+          <a:bodyPr lIns="45719" rIns="45719" anchor="ctr"/>
+          <a:lstStyle/>
+          <a:p>
+            <a:pPr algn="ctr">
+              <a:defRPr>
+                <a:solidFill>
+                  <a:srgbClr val="FFFFFF"/>
+                </a:solidFill>
+              </a:defRPr>
+            </a:pPr>
+            <a:endParaRPr/>
+          </a:p>
+        </p:txBody>
+      </p:sp>
+      <p:sp>
+        <p:nvSpPr>
+          <p:cNvPr id="7" name="Title 4">
+            <a:extLst>
+              <a:ext uri="{FF2B5EF4-FFF2-40B4-BE49-F238E27FC236}">
+                <a16:creationId xmlns:a16="http://schemas.microsoft.com/office/drawing/2014/main" id="{5FBE3801-AF81-B14D-A087-3503F478758D}"/>
+              </a:ext>
+            </a:extLst>
+          </p:cNvPr>
+          <p:cNvSpPr txBox="1">
+            <a:spLocks/>
+          </p:cNvSpPr>
+          <p:nvPr/>
+        </p:nvSpPr>
+        <p:spPr>
+          <a:xfrm>
+            <a:off x="990600" y="517525"/>
+            <a:ext cx="10515600" cy="1325563"/>
+          </a:xfrm>
+          <a:prstGeom prst="rect">
+            <a:avLst/>
+          </a:prstGeom>
+          <a:ln w="12700">
+            <a:miter lim="400000"/>
+          </a:ln>
+          <a:extLst>
+            <a:ext uri="{C572A759-6A51-4108-AA02-DFA0A04FC94B}">
+              <ma14:wrappingTextBoxFlag xmlns="" xmlns:ma14="http://schemas.microsoft.com/office/mac/drawingml/2011/main" val="1"/>
+            </a:ext>
+          </a:extLst>
+        </p:spPr>
+        <p:txBody>
+          <a:bodyPr lIns="45719" rIns="45719" anchor="ctr">
+            <a:normAutofit/>
+          </a:bodyPr>
+          <a:lstStyle>
+            <a:lvl1pPr marL="0" marR="0" indent="0" algn="l" defTabSz="914400" rtl="0" latinLnBrk="0">
+              <a:lnSpc>
+                <a:spcPct val="90000"/>
+              </a:lnSpc>
+              <a:spcBef>
+                <a:spcPts val="0"/>
+              </a:spcBef>
+              <a:spcAft>
+                <a:spcPts val="0"/>
+              </a:spcAft>
+              <a:buClrTx/>
+              <a:buSzTx/>
+              <a:buFontTx/>
+              <a:buNone/>
+              <a:tabLst/>
+              <a:defRPr sz="4400" b="0" i="0" u="none" strike="noStrike" cap="none" spc="0" baseline="0">
+                <a:ln>
+                  <a:noFill/>
+                </a:ln>
+                <a:solidFill>
+                  <a:srgbClr val="000000"/>
+                </a:solidFill>
+                <a:uFillTx/>
+                <a:latin typeface="Calibri Light"/>
+                <a:ea typeface="Calibri Light"/>
+                <a:cs typeface="Calibri Light"/>
+                <a:sym typeface="Calibri Light"/>
+              </a:defRPr>
+            </a:lvl1pPr>
+            <a:lvl2pPr marL="0" marR="0" indent="0" algn="l" defTabSz="914400" rtl="0" latinLnBrk="0">
+              <a:lnSpc>
+                <a:spcPct val="90000"/>
+              </a:lnSpc>
+              <a:spcBef>
+                <a:spcPts val="0"/>
+              </a:spcBef>
+              <a:spcAft>
+                <a:spcPts val="0"/>
+              </a:spcAft>
+              <a:buClrTx/>
+              <a:buSzTx/>
+              <a:buFontTx/>
+              <a:buNone/>
+              <a:tabLst/>
+              <a:defRPr sz="4400" b="0" i="0" u="none" strike="noStrike" cap="none" spc="0" baseline="0">
+                <a:ln>
+                  <a:noFill/>
+                </a:ln>
+                <a:solidFill>
+                  <a:srgbClr val="000000"/>
+                </a:solidFill>
+                <a:uFillTx/>
+                <a:latin typeface="Calibri Light"/>
+                <a:ea typeface="Calibri Light"/>
+                <a:cs typeface="Calibri Light"/>
+                <a:sym typeface="Calibri Light"/>
+              </a:defRPr>
+            </a:lvl2pPr>
+            <a:lvl3pPr marL="0" marR="0" indent="0" algn="l" defTabSz="914400" rtl="0" latinLnBrk="0">
+              <a:lnSpc>
+                <a:spcPct val="90000"/>
+              </a:lnSpc>
+              <a:spcBef>
+                <a:spcPts val="0"/>
+              </a:spcBef>
+              <a:spcAft>
+                <a:spcPts val="0"/>
+              </a:spcAft>
+              <a:buClrTx/>
+              <a:buSzTx/>
+              <a:buFontTx/>
+              <a:buNone/>
+              <a:tabLst/>
+              <a:defRPr sz="4400" b="0" i="0" u="none" strike="noStrike" cap="none" spc="0" baseline="0">
+                <a:ln>
+                  <a:noFill/>
+                </a:ln>
+                <a:solidFill>
+                  <a:srgbClr val="000000"/>
+                </a:solidFill>
+                <a:uFillTx/>
+                <a:latin typeface="Calibri Light"/>
+                <a:ea typeface="Calibri Light"/>
+                <a:cs typeface="Calibri Light"/>
+                <a:sym typeface="Calibri Light"/>
+              </a:defRPr>
+            </a:lvl3pPr>
+            <a:lvl4pPr marL="0" marR="0" indent="0" algn="l" defTabSz="914400" rtl="0" latinLnBrk="0">
+              <a:lnSpc>
+                <a:spcPct val="90000"/>
+              </a:lnSpc>
+              <a:spcBef>
+                <a:spcPts val="0"/>
+              </a:spcBef>
+              <a:spcAft>
+                <a:spcPts val="0"/>
+              </a:spcAft>
+              <a:buClrTx/>
+              <a:buSzTx/>
+              <a:buFontTx/>
+              <a:buNone/>
+              <a:tabLst/>
+              <a:defRPr sz="4400" b="0" i="0" u="none" strike="noStrike" cap="none" spc="0" baseline="0">
+                <a:ln>
+                  <a:noFill/>
+                </a:ln>
+                <a:solidFill>
+                  <a:srgbClr val="000000"/>
+                </a:solidFill>
+                <a:uFillTx/>
+                <a:latin typeface="Calibri Light"/>
+                <a:ea typeface="Calibri Light"/>
+                <a:cs typeface="Calibri Light"/>
+                <a:sym typeface="Calibri Light"/>
+              </a:defRPr>
+            </a:lvl4pPr>
+            <a:lvl5pPr marL="0" marR="0" indent="0" algn="l" defTabSz="914400" rtl="0" latinLnBrk="0">
+              <a:lnSpc>
+                <a:spcPct val="90000"/>
+              </a:lnSpc>
+              <a:spcBef>
+                <a:spcPts val="0"/>
+              </a:spcBef>
+              <a:spcAft>
+                <a:spcPts val="0"/>
+              </a:spcAft>
+              <a:buClrTx/>
+              <a:buSzTx/>
+              <a:buFontTx/>
+              <a:buNone/>
+              <a:tabLst/>
+              <a:defRPr sz="4400" b="0" i="0" u="none" strike="noStrike" cap="none" spc="0" baseline="0">
+                <a:ln>
+                  <a:noFill/>
+                </a:ln>
+                <a:solidFill>
+                  <a:srgbClr val="000000"/>
+                </a:solidFill>
+                <a:uFillTx/>
+                <a:latin typeface="Calibri Light"/>
+                <a:ea typeface="Calibri Light"/>
+                <a:cs typeface="Calibri Light"/>
+                <a:sym typeface="Calibri Light"/>
+              </a:defRPr>
+            </a:lvl5pPr>
+            <a:lvl6pPr marL="0" marR="0" indent="0" algn="l" defTabSz="914400" rtl="0" latinLnBrk="0">
+              <a:lnSpc>
+                <a:spcPct val="90000"/>
+              </a:lnSpc>
+              <a:spcBef>
+                <a:spcPts val="0"/>
+              </a:spcBef>
+              <a:spcAft>
+                <a:spcPts val="0"/>
+              </a:spcAft>
+              <a:buClrTx/>
+              <a:buSzTx/>
+              <a:buFontTx/>
+              <a:buNone/>
+              <a:tabLst/>
+              <a:defRPr sz="4400" b="0" i="0" u="none" strike="noStrike" cap="none" spc="0" baseline="0">
+                <a:ln>
+                  <a:noFill/>
+                </a:ln>
+                <a:solidFill>
+                  <a:srgbClr val="000000"/>
+                </a:solidFill>
+                <a:uFillTx/>
+                <a:latin typeface="Calibri Light"/>
+                <a:ea typeface="Calibri Light"/>
+                <a:cs typeface="Calibri Light"/>
+                <a:sym typeface="Calibri Light"/>
+              </a:defRPr>
+            </a:lvl6pPr>
+            <a:lvl7pPr marL="0" marR="0" indent="0" algn="l" defTabSz="914400" rtl="0" latinLnBrk="0">
+              <a:lnSpc>
+                <a:spcPct val="90000"/>
+              </a:lnSpc>
+              <a:spcBef>
+                <a:spcPts val="0"/>
+              </a:spcBef>
+              <a:spcAft>
+                <a:spcPts val="0"/>
+              </a:spcAft>
+              <a:buClrTx/>
+              <a:buSzTx/>
+              <a:buFontTx/>
+              <a:buNone/>
+              <a:tabLst/>
+              <a:defRPr sz="4400" b="0" i="0" u="none" strike="noStrike" cap="none" spc="0" baseline="0">
+                <a:ln>
+                  <a:noFill/>
+                </a:ln>
+                <a:solidFill>
+                  <a:srgbClr val="000000"/>
+                </a:solidFill>
+                <a:uFillTx/>
+                <a:latin typeface="Calibri Light"/>
+                <a:ea typeface="Calibri Light"/>
+                <a:cs typeface="Calibri Light"/>
+                <a:sym typeface="Calibri Light"/>
+              </a:defRPr>
+            </a:lvl7pPr>
+            <a:lvl8pPr marL="0" marR="0" indent="0" algn="l" defTabSz="914400" rtl="0" latinLnBrk="0">
+              <a:lnSpc>
+                <a:spcPct val="90000"/>
+              </a:lnSpc>
+              <a:spcBef>
+                <a:spcPts val="0"/>
+              </a:spcBef>
+              <a:spcAft>
+                <a:spcPts val="0"/>
+              </a:spcAft>
+              <a:buClrTx/>
+              <a:buSzTx/>
+              <a:buFontTx/>
+              <a:buNone/>
+              <a:tabLst/>
+              <a:defRPr sz="4400" b="0" i="0" u="none" strike="noStrike" cap="none" spc="0" baseline="0">
+                <a:ln>
+                  <a:noFill/>
+                </a:ln>
+                <a:solidFill>
+                  <a:srgbClr val="000000"/>
+                </a:solidFill>
+                <a:uFillTx/>
+                <a:latin typeface="Calibri Light"/>
+                <a:ea typeface="Calibri Light"/>
+                <a:cs typeface="Calibri Light"/>
+                <a:sym typeface="Calibri Light"/>
+              </a:defRPr>
+            </a:lvl8pPr>
+            <a:lvl9pPr marL="0" marR="0" indent="0" algn="l" defTabSz="914400" rtl="0" latinLnBrk="0">
+              <a:lnSpc>
+                <a:spcPct val="90000"/>
+              </a:lnSpc>
+              <a:spcBef>
+                <a:spcPts val="0"/>
+              </a:spcBef>
+              <a:spcAft>
+                <a:spcPts val="0"/>
+              </a:spcAft>
+              <a:buClrTx/>
+              <a:buSzTx/>
+              <a:buFontTx/>
+              <a:buNone/>
+              <a:tabLst/>
+              <a:defRPr sz="4400" b="0" i="0" u="none" strike="noStrike" cap="none" spc="0" baseline="0">
+                <a:ln>
+                  <a:noFill/>
+                </a:ln>
+                <a:solidFill>
+                  <a:srgbClr val="000000"/>
+                </a:solidFill>
+                <a:uFillTx/>
+                <a:latin typeface="Calibri Light"/>
+                <a:ea typeface="Calibri Light"/>
+                <a:cs typeface="Calibri Light"/>
+                <a:sym typeface="Calibri Light"/>
+              </a:defRPr>
+            </a:lvl9pPr>
+          </a:lstStyle>
+          <a:p>
+            <a:pPr hangingPunct="1"/>
+            <a:r>
+              <a:rPr lang="en-US" sz="3600" dirty="0"/>
               <a:t>Diagram 3 – Application Structure</a:t>
             </a:r>
           </a:p>
@@ -7117,7 +8532,7 @@
 </p:sld>
 </file>
 
-<file path=ppt/slides/slide5.xml><?xml version="1.0" encoding="utf-8"?>
+<file path=ppt/slides/slide6.xml><?xml version="1.0" encoding="utf-8"?>
 <p:sld xmlns:a="http://schemas.openxmlformats.org/drawingml/2006/main" xmlns:r="http://schemas.openxmlformats.org/officeDocument/2006/relationships" xmlns:p="http://schemas.openxmlformats.org/presentationml/2006/main">
   <p:cSld>
     <p:spTree>

--- a/docs/source/developapps/diagrams.pptx
+++ b/docs/source/developapps/diagrams.pptx
@@ -5,12 +5,14 @@
     <p:sldMasterId id="2147483648" r:id="rId1"/>
   </p:sldMasterIdLst>
   <p:notesMasterIdLst>
-    <p:notesMasterId r:id="rId5"/>
+    <p:notesMasterId r:id="rId7"/>
   </p:notesMasterIdLst>
   <p:sldIdLst>
     <p:sldId id="256" r:id="rId2"/>
     <p:sldId id="257" r:id="rId3"/>
     <p:sldId id="411" r:id="rId4"/>
+    <p:sldId id="412" r:id="rId5"/>
+    <p:sldId id="413" r:id="rId6"/>
   </p:sldIdLst>
   <p:sldSz cx="12192000" cy="6858000"/>
   <p:notesSz cx="6858000" cy="9144000"/>
@@ -533,6 +535,72 @@
     <p:extLst>
       <p:ext uri="{BB962C8B-B14F-4D97-AF65-F5344CB8AC3E}">
         <p14:creationId xmlns:p14="http://schemas.microsoft.com/office/powerpoint/2010/main" val="2340446666"/>
+      </p:ext>
+    </p:extLst>
+  </p:cSld>
+  <p:clrMapOvr>
+    <a:masterClrMapping/>
+  </p:clrMapOvr>
+</p:notes>
+</file>
+
+<file path=ppt/notesSlides/notesSlide2.xml><?xml version="1.0" encoding="utf-8"?>
+<p:notes xmlns:a="http://schemas.openxmlformats.org/drawingml/2006/main" xmlns:r="http://schemas.openxmlformats.org/officeDocument/2006/relationships" xmlns:p="http://schemas.openxmlformats.org/presentationml/2006/main">
+  <p:cSld>
+    <p:spTree>
+      <p:nvGrpSpPr>
+        <p:cNvPr id="1" name=""/>
+        <p:cNvGrpSpPr/>
+        <p:nvPr/>
+      </p:nvGrpSpPr>
+      <p:grpSpPr>
+        <a:xfrm>
+          <a:off x="0" y="0"/>
+          <a:ext cx="0" cy="0"/>
+          <a:chOff x="0" y="0"/>
+          <a:chExt cx="0" cy="0"/>
+        </a:xfrm>
+      </p:grpSpPr>
+      <p:sp>
+        <p:nvSpPr>
+          <p:cNvPr id="2" name="Slide Image Placeholder 1"/>
+          <p:cNvSpPr>
+            <a:spLocks noGrp="1" noRot="1" noChangeAspect="1"/>
+          </p:cNvSpPr>
+          <p:nvPr>
+            <p:ph type="sldImg"/>
+          </p:nvPr>
+        </p:nvSpPr>
+        <p:spPr>
+          <a:xfrm>
+            <a:off x="381000" y="685800"/>
+            <a:ext cx="6096000" cy="3429000"/>
+          </a:xfrm>
+        </p:spPr>
+      </p:sp>
+      <p:sp>
+        <p:nvSpPr>
+          <p:cNvPr id="3" name="Notes Placeholder 2"/>
+          <p:cNvSpPr>
+            <a:spLocks noGrp="1"/>
+          </p:cNvSpPr>
+          <p:nvPr>
+            <p:ph type="body" idx="1"/>
+          </p:nvPr>
+        </p:nvSpPr>
+        <p:spPr/>
+        <p:txBody>
+          <a:bodyPr/>
+          <a:lstStyle/>
+          <a:p>
+            <a:endParaRPr lang="en-US" dirty="0"/>
+          </a:p>
+        </p:txBody>
+      </p:sp>
+    </p:spTree>
+    <p:extLst>
+      <p:ext uri="{BB962C8B-B14F-4D97-AF65-F5344CB8AC3E}">
+        <p14:creationId xmlns:p14="http://schemas.microsoft.com/office/powerpoint/2010/main" val="4038897272"/>
       </p:ext>
     </p:extLst>
   </p:cSld>
@@ -3532,15 +3600,7 @@
             <a:pPr hangingPunct="1"/>
             <a:r>
               <a:rPr lang="en-US" sz="3600" dirty="0"/>
-              <a:t>Diagram 1 – The </a:t>
-            </a:r>
-            <a:r>
-              <a:rPr lang="en-US" sz="3600" dirty="0" err="1"/>
-              <a:t>PaperNet</a:t>
-            </a:r>
-            <a:r>
-              <a:rPr lang="en-US" sz="3600" dirty="0"/>
-              <a:t> network</a:t>
+              <a:t>Diagram 1 – The PaperNet network</a:t>
             </a:r>
           </a:p>
         </p:txBody>
@@ -3601,10 +3661,9 @@
           <a:p>
             <a:pPr algn="ctr"/>
             <a:r>
-              <a:rPr lang="en-US" sz="1400" dirty="0" err="1"/>
+              <a:rPr lang="en-US" sz="1400" dirty="0"/>
               <a:t>MagnetoCorp</a:t>
             </a:r>
-            <a:endParaRPr lang="en-US" sz="1400" dirty="0"/>
           </a:p>
         </p:txBody>
       </p:sp>
@@ -3676,7 +3735,7 @@
               <a:tabLst/>
             </a:pPr>
             <a:r>
-              <a:rPr kumimoji="0" lang="en-US" sz="1400" b="0" i="0" u="none" strike="noStrike" cap="none" spc="0" normalizeH="0" baseline="0" dirty="0" err="1">
+              <a:rPr kumimoji="0" lang="en-US" sz="1400" b="0" i="0" u="none" strike="noStrike" cap="none" spc="0" normalizeH="0" baseline="0" dirty="0">
                 <a:ln>
                   <a:noFill/>
                 </a:ln>
@@ -3692,20 +3751,6 @@
               </a:rPr>
               <a:t>PaperNet</a:t>
             </a:r>
-            <a:endParaRPr kumimoji="0" lang="en-US" sz="1400" b="0" i="0" u="none" strike="noStrike" cap="none" spc="0" normalizeH="0" baseline="0" dirty="0">
-              <a:ln>
-                <a:noFill/>
-              </a:ln>
-              <a:solidFill>
-                <a:srgbClr val="000000"/>
-              </a:solidFill>
-              <a:effectLst/>
-              <a:uFillTx/>
-              <a:latin typeface="+mn-lt"/>
-              <a:ea typeface="+mn-ea"/>
-              <a:cs typeface="+mn-cs"/>
-              <a:sym typeface="Calibri"/>
-            </a:endParaRPr>
           </a:p>
         </p:txBody>
       </p:sp>
@@ -3765,10 +3810,9 @@
           <a:p>
             <a:pPr algn="ctr"/>
             <a:r>
-              <a:rPr lang="en-US" sz="1400" dirty="0" err="1"/>
+              <a:rPr lang="en-US" sz="1400" dirty="0"/>
               <a:t>BigFund</a:t>
             </a:r>
-            <a:endParaRPr lang="en-US" sz="1400" dirty="0"/>
           </a:p>
         </p:txBody>
       </p:sp>
@@ -3828,10 +3872,9 @@
           <a:p>
             <a:pPr algn="ctr"/>
             <a:r>
-              <a:rPr lang="en-US" sz="1400" dirty="0" err="1"/>
+              <a:rPr lang="en-US" sz="1400" dirty="0"/>
               <a:t>BrokerHouse</a:t>
             </a:r>
-            <a:endParaRPr lang="en-US" sz="1400" dirty="0"/>
           </a:p>
         </p:txBody>
       </p:sp>
@@ -3891,10 +3934,9 @@
           <a:p>
             <a:pPr algn="ctr"/>
             <a:r>
-              <a:rPr lang="en-US" sz="1400" dirty="0" err="1"/>
+              <a:rPr lang="en-US" sz="1400" dirty="0"/>
               <a:t>RateM</a:t>
             </a:r>
-            <a:endParaRPr lang="en-US" sz="1400" dirty="0"/>
           </a:p>
         </p:txBody>
       </p:sp>
@@ -3954,10 +3996,9 @@
           <a:p>
             <a:pPr algn="ctr"/>
             <a:r>
-              <a:rPr lang="en-US" sz="1400" dirty="0" err="1"/>
+              <a:rPr lang="en-US" sz="1400" dirty="0"/>
               <a:t>HedgeMatic</a:t>
             </a:r>
-            <a:endParaRPr lang="en-US" sz="1400" dirty="0"/>
           </a:p>
         </p:txBody>
       </p:sp>
@@ -4017,10 +4058,9 @@
           <a:p>
             <a:pPr algn="ctr"/>
             <a:r>
-              <a:rPr lang="en-US" sz="1400" dirty="0" err="1"/>
+              <a:rPr lang="en-US" sz="1400" dirty="0"/>
               <a:t>DigiBank</a:t>
             </a:r>
-            <a:endParaRPr lang="en-US" sz="1400" dirty="0"/>
           </a:p>
         </p:txBody>
       </p:sp>
@@ -4207,88 +4247,6 @@
           <a:fontRef idx="none"/>
         </p:style>
       </p:cxnSp>
-      <p:sp>
-        <p:nvSpPr>
-          <p:cNvPr id="92" name="TextBox 91">
-            <a:extLst>
-              <a:ext uri="{FF2B5EF4-FFF2-40B4-BE49-F238E27FC236}">
-                <a16:creationId xmlns:a16="http://schemas.microsoft.com/office/drawing/2014/main" id="{06520717-0C8B-F341-BDF0-7439B1A92B63}"/>
-              </a:ext>
-            </a:extLst>
-          </p:cNvPr>
-          <p:cNvSpPr txBox="1"/>
-          <p:nvPr/>
-        </p:nvSpPr>
-        <p:spPr>
-          <a:xfrm>
-            <a:off x="4376922" y="3742382"/>
-            <a:ext cx="529951" cy="253914"/>
-          </a:xfrm>
-          <a:prstGeom prst="rect">
-            <a:avLst/>
-          </a:prstGeom>
-          <a:noFill/>
-          <a:ln w="12700" cap="flat">
-            <a:noFill/>
-            <a:miter lim="400000"/>
-          </a:ln>
-          <a:effectLst/>
-          <a:sp3d/>
-        </p:spPr>
-        <p:style>
-          <a:lnRef idx="0">
-            <a:scrgbClr r="0" g="0" b="0"/>
-          </a:lnRef>
-          <a:fillRef idx="0">
-            <a:scrgbClr r="0" g="0" b="0"/>
-          </a:fillRef>
-          <a:effectRef idx="0">
-            <a:scrgbClr r="0" g="0" b="0"/>
-          </a:effectRef>
-          <a:fontRef idx="none"/>
-        </p:style>
-        <p:txBody>
-          <a:bodyPr rot="0" spcFirstLastPara="1" vertOverflow="overflow" horzOverflow="overflow" vert="horz" wrap="none" lIns="45719" tIns="45719" rIns="45719" bIns="45719" numCol="1" spcCol="38100" rtlCol="0" anchor="t">
-            <a:spAutoFit/>
-          </a:bodyPr>
-          <a:lstStyle/>
-          <a:p>
-            <a:pPr marL="0" marR="0" indent="0" algn="l" defTabSz="914400" rtl="0" fontAlgn="auto" latinLnBrk="0" hangingPunct="0">
-              <a:lnSpc>
-                <a:spcPct val="100000"/>
-              </a:lnSpc>
-              <a:spcBef>
-                <a:spcPts val="0"/>
-              </a:spcBef>
-              <a:spcAft>
-                <a:spcPts val="0"/>
-              </a:spcAft>
-              <a:buClrTx/>
-              <a:buSzTx/>
-              <a:buFontTx/>
-              <a:buNone/>
-              <a:tabLst/>
-            </a:pPr>
-            <a:r>
-              <a:rPr kumimoji="0" lang="en-US" sz="1050" b="0" i="0" u="none" strike="noStrike" cap="none" spc="0" normalizeH="0" baseline="0" dirty="0">
-                <a:ln>
-                  <a:noFill/>
-                </a:ln>
-                <a:solidFill>
-                  <a:srgbClr val="000000"/>
-                </a:solidFill>
-                <a:effectLst/>
-                <a:uFillTx/>
-                <a:latin typeface="+mn-lt"/>
-                <a:ea typeface="+mn-ea"/>
-                <a:cs typeface="+mn-cs"/>
-                <a:sym typeface="Calibri"/>
-              </a:rPr>
-              <a:t>Buy/sell</a:t>
-            </a:r>
-          </a:p>
-        </p:txBody>
-      </p:sp>
       <p:cxnSp>
         <p:nvCxnSpPr>
           <p:cNvPr id="31" name="Elbow Connector 30">
@@ -4733,88 +4691,6 @@
           <a:fontRef idx="none"/>
         </p:style>
       </p:cxnSp>
-      <p:sp>
-        <p:nvSpPr>
-          <p:cNvPr id="100" name="TextBox 99">
-            <a:extLst>
-              <a:ext uri="{FF2B5EF4-FFF2-40B4-BE49-F238E27FC236}">
-                <a16:creationId xmlns:a16="http://schemas.microsoft.com/office/drawing/2014/main" id="{973CA02D-D27D-314A-BD22-51C718E382C4}"/>
-              </a:ext>
-            </a:extLst>
-          </p:cNvPr>
-          <p:cNvSpPr txBox="1"/>
-          <p:nvPr/>
-        </p:nvSpPr>
-        <p:spPr>
-          <a:xfrm>
-            <a:off x="7608403" y="3742237"/>
-            <a:ext cx="529951" cy="253914"/>
-          </a:xfrm>
-          <a:prstGeom prst="rect">
-            <a:avLst/>
-          </a:prstGeom>
-          <a:noFill/>
-          <a:ln w="12700" cap="flat">
-            <a:noFill/>
-            <a:miter lim="400000"/>
-          </a:ln>
-          <a:effectLst/>
-          <a:sp3d/>
-        </p:spPr>
-        <p:style>
-          <a:lnRef idx="0">
-            <a:scrgbClr r="0" g="0" b="0"/>
-          </a:lnRef>
-          <a:fillRef idx="0">
-            <a:scrgbClr r="0" g="0" b="0"/>
-          </a:fillRef>
-          <a:effectRef idx="0">
-            <a:scrgbClr r="0" g="0" b="0"/>
-          </a:effectRef>
-          <a:fontRef idx="none"/>
-        </p:style>
-        <p:txBody>
-          <a:bodyPr rot="0" spcFirstLastPara="1" vertOverflow="overflow" horzOverflow="overflow" vert="horz" wrap="none" lIns="45719" tIns="45719" rIns="45719" bIns="45719" numCol="1" spcCol="38100" rtlCol="0" anchor="t">
-            <a:spAutoFit/>
-          </a:bodyPr>
-          <a:lstStyle/>
-          <a:p>
-            <a:pPr marL="0" marR="0" indent="0" algn="l" defTabSz="914400" rtl="0" fontAlgn="auto" latinLnBrk="0" hangingPunct="0">
-              <a:lnSpc>
-                <a:spcPct val="100000"/>
-              </a:lnSpc>
-              <a:spcBef>
-                <a:spcPts val="0"/>
-              </a:spcBef>
-              <a:spcAft>
-                <a:spcPts val="0"/>
-              </a:spcAft>
-              <a:buClrTx/>
-              <a:buSzTx/>
-              <a:buFontTx/>
-              <a:buNone/>
-              <a:tabLst/>
-            </a:pPr>
-            <a:r>
-              <a:rPr kumimoji="0" lang="en-US" sz="1050" b="0" i="0" u="none" strike="noStrike" cap="none" spc="0" normalizeH="0" baseline="0" dirty="0">
-                <a:ln>
-                  <a:noFill/>
-                </a:ln>
-                <a:solidFill>
-                  <a:srgbClr val="000000"/>
-                </a:solidFill>
-                <a:effectLst/>
-                <a:uFillTx/>
-                <a:latin typeface="+mn-lt"/>
-                <a:ea typeface="+mn-ea"/>
-                <a:cs typeface="+mn-cs"/>
-                <a:sym typeface="Calibri"/>
-              </a:rPr>
-              <a:t>Buy/sell</a:t>
-            </a:r>
-          </a:p>
-        </p:txBody>
-      </p:sp>
       <p:cxnSp>
         <p:nvCxnSpPr>
           <p:cNvPr id="101" name="Elbow Connector 100">
@@ -4868,88 +4744,6 @@
           <a:fontRef idx="none"/>
         </p:style>
       </p:cxnSp>
-      <p:sp>
-        <p:nvSpPr>
-          <p:cNvPr id="108" name="TextBox 107">
-            <a:extLst>
-              <a:ext uri="{FF2B5EF4-FFF2-40B4-BE49-F238E27FC236}">
-                <a16:creationId xmlns:a16="http://schemas.microsoft.com/office/drawing/2014/main" id="{FFD107E4-1CDF-2E45-9938-F4FFDDC1D182}"/>
-              </a:ext>
-            </a:extLst>
-          </p:cNvPr>
-          <p:cNvSpPr txBox="1"/>
-          <p:nvPr/>
-        </p:nvSpPr>
-        <p:spPr>
-          <a:xfrm>
-            <a:off x="4681992" y="4856879"/>
-            <a:ext cx="529951" cy="253914"/>
-          </a:xfrm>
-          <a:prstGeom prst="rect">
-            <a:avLst/>
-          </a:prstGeom>
-          <a:noFill/>
-          <a:ln w="12700" cap="flat">
-            <a:noFill/>
-            <a:miter lim="400000"/>
-          </a:ln>
-          <a:effectLst/>
-          <a:sp3d/>
-        </p:spPr>
-        <p:style>
-          <a:lnRef idx="0">
-            <a:scrgbClr r="0" g="0" b="0"/>
-          </a:lnRef>
-          <a:fillRef idx="0">
-            <a:scrgbClr r="0" g="0" b="0"/>
-          </a:fillRef>
-          <a:effectRef idx="0">
-            <a:scrgbClr r="0" g="0" b="0"/>
-          </a:effectRef>
-          <a:fontRef idx="none"/>
-        </p:style>
-        <p:txBody>
-          <a:bodyPr rot="0" spcFirstLastPara="1" vertOverflow="overflow" horzOverflow="overflow" vert="horz" wrap="none" lIns="45719" tIns="45719" rIns="45719" bIns="45719" numCol="1" spcCol="38100" rtlCol="0" anchor="t">
-            <a:spAutoFit/>
-          </a:bodyPr>
-          <a:lstStyle/>
-          <a:p>
-            <a:pPr marL="0" marR="0" indent="0" algn="l" defTabSz="914400" rtl="0" fontAlgn="auto" latinLnBrk="0" hangingPunct="0">
-              <a:lnSpc>
-                <a:spcPct val="100000"/>
-              </a:lnSpc>
-              <a:spcBef>
-                <a:spcPts val="0"/>
-              </a:spcBef>
-              <a:spcAft>
-                <a:spcPts val="0"/>
-              </a:spcAft>
-              <a:buClrTx/>
-              <a:buSzTx/>
-              <a:buFontTx/>
-              <a:buNone/>
-              <a:tabLst/>
-            </a:pPr>
-            <a:r>
-              <a:rPr kumimoji="0" lang="en-US" sz="1050" b="0" i="0" u="none" strike="noStrike" cap="none" spc="0" normalizeH="0" baseline="0" dirty="0">
-                <a:ln>
-                  <a:noFill/>
-                </a:ln>
-                <a:solidFill>
-                  <a:srgbClr val="000000"/>
-                </a:solidFill>
-                <a:effectLst/>
-                <a:uFillTx/>
-                <a:latin typeface="+mn-lt"/>
-                <a:ea typeface="+mn-ea"/>
-                <a:cs typeface="+mn-cs"/>
-                <a:sym typeface="Calibri"/>
-              </a:rPr>
-              <a:t>Buy/sell</a:t>
-            </a:r>
-          </a:p>
-        </p:txBody>
-      </p:sp>
       <p:cxnSp>
         <p:nvCxnSpPr>
           <p:cNvPr id="112" name="Elbow Connector 111">
@@ -5003,12 +4797,1600 @@
           <a:fontRef idx="none"/>
         </p:style>
       </p:cxnSp>
+      <p:grpSp>
+        <p:nvGrpSpPr>
+          <p:cNvPr id="2" name="Group 1">
+            <a:extLst>
+              <a:ext uri="{FF2B5EF4-FFF2-40B4-BE49-F238E27FC236}">
+                <a16:creationId xmlns:a16="http://schemas.microsoft.com/office/drawing/2014/main" id="{3DA577EB-D682-414F-A131-92B72B52B7EF}"/>
+              </a:ext>
+            </a:extLst>
+          </p:cNvPr>
+          <p:cNvGrpSpPr/>
+          <p:nvPr/>
+        </p:nvGrpSpPr>
+        <p:grpSpPr>
+          <a:xfrm>
+            <a:off x="4368906" y="3734361"/>
+            <a:ext cx="545981" cy="444349"/>
+            <a:chOff x="4368906" y="3742382"/>
+            <a:chExt cx="545981" cy="444349"/>
+          </a:xfrm>
+        </p:grpSpPr>
+        <p:sp>
+          <p:nvSpPr>
+            <p:cNvPr id="92" name="TextBox 91">
+              <a:extLst>
+                <a:ext uri="{FF2B5EF4-FFF2-40B4-BE49-F238E27FC236}">
+                  <a16:creationId xmlns:a16="http://schemas.microsoft.com/office/drawing/2014/main" id="{06520717-0C8B-F341-BDF0-7439B1A92B63}"/>
+                </a:ext>
+              </a:extLst>
+            </p:cNvPr>
+            <p:cNvSpPr txBox="1"/>
+            <p:nvPr/>
+          </p:nvSpPr>
+          <p:spPr>
+            <a:xfrm>
+              <a:off x="4376922" y="3742382"/>
+              <a:ext cx="529951" cy="253914"/>
+            </a:xfrm>
+            <a:prstGeom prst="rect">
+              <a:avLst/>
+            </a:prstGeom>
+            <a:noFill/>
+            <a:ln w="12700" cap="flat">
+              <a:noFill/>
+              <a:miter lim="400000"/>
+            </a:ln>
+            <a:effectLst/>
+            <a:sp3d/>
+          </p:spPr>
+          <p:style>
+            <a:lnRef idx="0">
+              <a:scrgbClr r="0" g="0" b="0"/>
+            </a:lnRef>
+            <a:fillRef idx="0">
+              <a:scrgbClr r="0" g="0" b="0"/>
+            </a:fillRef>
+            <a:effectRef idx="0">
+              <a:scrgbClr r="0" g="0" b="0"/>
+            </a:effectRef>
+            <a:fontRef idx="none"/>
+          </p:style>
+          <p:txBody>
+            <a:bodyPr rot="0" spcFirstLastPara="1" vertOverflow="overflow" horzOverflow="overflow" vert="horz" wrap="none" lIns="45719" tIns="45719" rIns="45719" bIns="45719" numCol="1" spcCol="38100" rtlCol="0" anchor="t">
+              <a:spAutoFit/>
+            </a:bodyPr>
+            <a:lstStyle/>
+            <a:p>
+              <a:pPr marL="0" marR="0" indent="0" algn="l" defTabSz="914400" rtl="0" fontAlgn="auto" latinLnBrk="0" hangingPunct="0">
+                <a:lnSpc>
+                  <a:spcPct val="100000"/>
+                </a:lnSpc>
+                <a:spcBef>
+                  <a:spcPts val="0"/>
+                </a:spcBef>
+                <a:spcAft>
+                  <a:spcPts val="0"/>
+                </a:spcAft>
+                <a:buClrTx/>
+                <a:buSzTx/>
+                <a:buFontTx/>
+                <a:buNone/>
+                <a:tabLst/>
+              </a:pPr>
+              <a:r>
+                <a:rPr kumimoji="0" lang="en-US" sz="1050" b="0" i="0" u="none" strike="noStrike" cap="none" spc="0" normalizeH="0" baseline="0" dirty="0">
+                  <a:ln>
+                    <a:noFill/>
+                  </a:ln>
+                  <a:solidFill>
+                    <a:srgbClr val="000000"/>
+                  </a:solidFill>
+                  <a:effectLst/>
+                  <a:uFillTx/>
+                  <a:latin typeface="+mn-lt"/>
+                  <a:ea typeface="+mn-ea"/>
+                  <a:cs typeface="+mn-cs"/>
+                  <a:sym typeface="Calibri"/>
+                </a:rPr>
+                <a:t>Buy/sell</a:t>
+              </a:r>
+            </a:p>
+          </p:txBody>
+        </p:sp>
+        <p:sp>
+          <p:nvSpPr>
+            <p:cNvPr id="27" name="TextBox 26">
+              <a:extLst>
+                <a:ext uri="{FF2B5EF4-FFF2-40B4-BE49-F238E27FC236}">
+                  <a16:creationId xmlns:a16="http://schemas.microsoft.com/office/drawing/2014/main" id="{7351FD87-6C6E-E449-BA0D-37D82BD0C9F5}"/>
+                </a:ext>
+              </a:extLst>
+            </p:cNvPr>
+            <p:cNvSpPr txBox="1"/>
+            <p:nvPr/>
+          </p:nvSpPr>
+          <p:spPr>
+            <a:xfrm>
+              <a:off x="4368906" y="3932817"/>
+              <a:ext cx="545981" cy="253914"/>
+            </a:xfrm>
+            <a:prstGeom prst="rect">
+              <a:avLst/>
+            </a:prstGeom>
+            <a:noFill/>
+            <a:ln w="12700" cap="flat">
+              <a:noFill/>
+              <a:miter lim="400000"/>
+            </a:ln>
+            <a:effectLst/>
+            <a:sp3d/>
+          </p:spPr>
+          <p:style>
+            <a:lnRef idx="0">
+              <a:scrgbClr r="0" g="0" b="0"/>
+            </a:lnRef>
+            <a:fillRef idx="0">
+              <a:scrgbClr r="0" g="0" b="0"/>
+            </a:fillRef>
+            <a:effectRef idx="0">
+              <a:scrgbClr r="0" g="0" b="0"/>
+            </a:effectRef>
+            <a:fontRef idx="none"/>
+          </p:style>
+          <p:txBody>
+            <a:bodyPr rot="0" spcFirstLastPara="1" vertOverflow="overflow" horzOverflow="overflow" vert="horz" wrap="none" lIns="45719" tIns="45719" rIns="45719" bIns="45719" numCol="1" spcCol="38100" rtlCol="0" anchor="t">
+              <a:spAutoFit/>
+            </a:bodyPr>
+            <a:lstStyle/>
+            <a:p>
+              <a:pPr marL="0" marR="0" indent="0" algn="l" defTabSz="914400" rtl="0" fontAlgn="auto" latinLnBrk="0" hangingPunct="0">
+                <a:lnSpc>
+                  <a:spcPct val="100000"/>
+                </a:lnSpc>
+                <a:spcBef>
+                  <a:spcPts val="0"/>
+                </a:spcBef>
+                <a:spcAft>
+                  <a:spcPts val="0"/>
+                </a:spcAft>
+                <a:buClrTx/>
+                <a:buSzTx/>
+                <a:buFontTx/>
+                <a:buNone/>
+                <a:tabLst/>
+              </a:pPr>
+              <a:r>
+                <a:rPr kumimoji="0" lang="en-US" sz="1050" b="0" i="0" u="none" strike="noStrike" cap="none" spc="0" normalizeH="0" baseline="0" dirty="0">
+                  <a:ln>
+                    <a:noFill/>
+                  </a:ln>
+                  <a:solidFill>
+                    <a:srgbClr val="000000"/>
+                  </a:solidFill>
+                  <a:effectLst/>
+                  <a:uFillTx/>
+                  <a:latin typeface="+mn-lt"/>
+                  <a:ea typeface="+mn-ea"/>
+                  <a:cs typeface="+mn-cs"/>
+                  <a:sym typeface="Calibri"/>
+                </a:rPr>
+                <a:t>Redeem</a:t>
+              </a:r>
+            </a:p>
+          </p:txBody>
+        </p:sp>
+      </p:grpSp>
+      <p:grpSp>
+        <p:nvGrpSpPr>
+          <p:cNvPr id="29" name="Group 28">
+            <a:extLst>
+              <a:ext uri="{FF2B5EF4-FFF2-40B4-BE49-F238E27FC236}">
+                <a16:creationId xmlns:a16="http://schemas.microsoft.com/office/drawing/2014/main" id="{E50B0973-2355-7A4B-B0EF-1DE3FA3F8058}"/>
+              </a:ext>
+            </a:extLst>
+          </p:cNvPr>
+          <p:cNvGrpSpPr/>
+          <p:nvPr/>
+        </p:nvGrpSpPr>
+        <p:grpSpPr>
+          <a:xfrm>
+            <a:off x="4709329" y="4836663"/>
+            <a:ext cx="545981" cy="444349"/>
+            <a:chOff x="4368906" y="3742382"/>
+            <a:chExt cx="545981" cy="444349"/>
+          </a:xfrm>
+        </p:grpSpPr>
+        <p:sp>
+          <p:nvSpPr>
+            <p:cNvPr id="30" name="TextBox 29">
+              <a:extLst>
+                <a:ext uri="{FF2B5EF4-FFF2-40B4-BE49-F238E27FC236}">
+                  <a16:creationId xmlns:a16="http://schemas.microsoft.com/office/drawing/2014/main" id="{901F6753-B21D-444A-B786-D7260B1A0A41}"/>
+                </a:ext>
+              </a:extLst>
+            </p:cNvPr>
+            <p:cNvSpPr txBox="1"/>
+            <p:nvPr/>
+          </p:nvSpPr>
+          <p:spPr>
+            <a:xfrm>
+              <a:off x="4376922" y="3742382"/>
+              <a:ext cx="529951" cy="253914"/>
+            </a:xfrm>
+            <a:prstGeom prst="rect">
+              <a:avLst/>
+            </a:prstGeom>
+            <a:noFill/>
+            <a:ln w="12700" cap="flat">
+              <a:noFill/>
+              <a:miter lim="400000"/>
+            </a:ln>
+            <a:effectLst/>
+            <a:sp3d/>
+          </p:spPr>
+          <p:style>
+            <a:lnRef idx="0">
+              <a:scrgbClr r="0" g="0" b="0"/>
+            </a:lnRef>
+            <a:fillRef idx="0">
+              <a:scrgbClr r="0" g="0" b="0"/>
+            </a:fillRef>
+            <a:effectRef idx="0">
+              <a:scrgbClr r="0" g="0" b="0"/>
+            </a:effectRef>
+            <a:fontRef idx="none"/>
+          </p:style>
+          <p:txBody>
+            <a:bodyPr rot="0" spcFirstLastPara="1" vertOverflow="overflow" horzOverflow="overflow" vert="horz" wrap="none" lIns="45719" tIns="45719" rIns="45719" bIns="45719" numCol="1" spcCol="38100" rtlCol="0" anchor="t">
+              <a:spAutoFit/>
+            </a:bodyPr>
+            <a:lstStyle/>
+            <a:p>
+              <a:pPr marL="0" marR="0" indent="0" algn="l" defTabSz="914400" rtl="0" fontAlgn="auto" latinLnBrk="0" hangingPunct="0">
+                <a:lnSpc>
+                  <a:spcPct val="100000"/>
+                </a:lnSpc>
+                <a:spcBef>
+                  <a:spcPts val="0"/>
+                </a:spcBef>
+                <a:spcAft>
+                  <a:spcPts val="0"/>
+                </a:spcAft>
+                <a:buClrTx/>
+                <a:buSzTx/>
+                <a:buFontTx/>
+                <a:buNone/>
+                <a:tabLst/>
+              </a:pPr>
+              <a:r>
+                <a:rPr kumimoji="0" lang="en-US" sz="1050" b="0" i="0" u="none" strike="noStrike" cap="none" spc="0" normalizeH="0" baseline="0" dirty="0">
+                  <a:ln>
+                    <a:noFill/>
+                  </a:ln>
+                  <a:solidFill>
+                    <a:srgbClr val="000000"/>
+                  </a:solidFill>
+                  <a:effectLst/>
+                  <a:uFillTx/>
+                  <a:latin typeface="+mn-lt"/>
+                  <a:ea typeface="+mn-ea"/>
+                  <a:cs typeface="+mn-cs"/>
+                  <a:sym typeface="Calibri"/>
+                </a:rPr>
+                <a:t>Buy/sell</a:t>
+              </a:r>
+            </a:p>
+          </p:txBody>
+        </p:sp>
+        <p:sp>
+          <p:nvSpPr>
+            <p:cNvPr id="32" name="TextBox 31">
+              <a:extLst>
+                <a:ext uri="{FF2B5EF4-FFF2-40B4-BE49-F238E27FC236}">
+                  <a16:creationId xmlns:a16="http://schemas.microsoft.com/office/drawing/2014/main" id="{9953F79A-2C27-FC47-B574-ED0575D6E2FE}"/>
+                </a:ext>
+              </a:extLst>
+            </p:cNvPr>
+            <p:cNvSpPr txBox="1"/>
+            <p:nvPr/>
+          </p:nvSpPr>
+          <p:spPr>
+            <a:xfrm>
+              <a:off x="4368906" y="3932817"/>
+              <a:ext cx="545981" cy="253914"/>
+            </a:xfrm>
+            <a:prstGeom prst="rect">
+              <a:avLst/>
+            </a:prstGeom>
+            <a:noFill/>
+            <a:ln w="12700" cap="flat">
+              <a:noFill/>
+              <a:miter lim="400000"/>
+            </a:ln>
+            <a:effectLst/>
+            <a:sp3d/>
+          </p:spPr>
+          <p:style>
+            <a:lnRef idx="0">
+              <a:scrgbClr r="0" g="0" b="0"/>
+            </a:lnRef>
+            <a:fillRef idx="0">
+              <a:scrgbClr r="0" g="0" b="0"/>
+            </a:fillRef>
+            <a:effectRef idx="0">
+              <a:scrgbClr r="0" g="0" b="0"/>
+            </a:effectRef>
+            <a:fontRef idx="none"/>
+          </p:style>
+          <p:txBody>
+            <a:bodyPr rot="0" spcFirstLastPara="1" vertOverflow="overflow" horzOverflow="overflow" vert="horz" wrap="none" lIns="45719" tIns="45719" rIns="45719" bIns="45719" numCol="1" spcCol="38100" rtlCol="0" anchor="t">
+              <a:spAutoFit/>
+            </a:bodyPr>
+            <a:lstStyle/>
+            <a:p>
+              <a:pPr marL="0" marR="0" indent="0" algn="l" defTabSz="914400" rtl="0" fontAlgn="auto" latinLnBrk="0" hangingPunct="0">
+                <a:lnSpc>
+                  <a:spcPct val="100000"/>
+                </a:lnSpc>
+                <a:spcBef>
+                  <a:spcPts val="0"/>
+                </a:spcBef>
+                <a:spcAft>
+                  <a:spcPts val="0"/>
+                </a:spcAft>
+                <a:buClrTx/>
+                <a:buSzTx/>
+                <a:buFontTx/>
+                <a:buNone/>
+                <a:tabLst/>
+              </a:pPr>
+              <a:r>
+                <a:rPr kumimoji="0" lang="en-US" sz="1050" b="0" i="0" u="none" strike="noStrike" cap="none" spc="0" normalizeH="0" baseline="0" dirty="0">
+                  <a:ln>
+                    <a:noFill/>
+                  </a:ln>
+                  <a:solidFill>
+                    <a:srgbClr val="000000"/>
+                  </a:solidFill>
+                  <a:effectLst/>
+                  <a:uFillTx/>
+                  <a:latin typeface="+mn-lt"/>
+                  <a:ea typeface="+mn-ea"/>
+                  <a:cs typeface="+mn-cs"/>
+                  <a:sym typeface="Calibri"/>
+                </a:rPr>
+                <a:t>Redeem</a:t>
+              </a:r>
+            </a:p>
+          </p:txBody>
+        </p:sp>
+      </p:grpSp>
+      <p:grpSp>
+        <p:nvGrpSpPr>
+          <p:cNvPr id="33" name="Group 32">
+            <a:extLst>
+              <a:ext uri="{FF2B5EF4-FFF2-40B4-BE49-F238E27FC236}">
+                <a16:creationId xmlns:a16="http://schemas.microsoft.com/office/drawing/2014/main" id="{1C777768-2146-F34A-848E-0FB5506E4CAD}"/>
+              </a:ext>
+            </a:extLst>
+          </p:cNvPr>
+          <p:cNvGrpSpPr/>
+          <p:nvPr/>
+        </p:nvGrpSpPr>
+        <p:grpSpPr>
+          <a:xfrm>
+            <a:off x="7646012" y="3733921"/>
+            <a:ext cx="545981" cy="444349"/>
+            <a:chOff x="4368906" y="3742382"/>
+            <a:chExt cx="545981" cy="444349"/>
+          </a:xfrm>
+        </p:grpSpPr>
+        <p:sp>
+          <p:nvSpPr>
+            <p:cNvPr id="34" name="TextBox 33">
+              <a:extLst>
+                <a:ext uri="{FF2B5EF4-FFF2-40B4-BE49-F238E27FC236}">
+                  <a16:creationId xmlns:a16="http://schemas.microsoft.com/office/drawing/2014/main" id="{542BC29A-D11B-DD42-B901-0C754F97D09B}"/>
+                </a:ext>
+              </a:extLst>
+            </p:cNvPr>
+            <p:cNvSpPr txBox="1"/>
+            <p:nvPr/>
+          </p:nvSpPr>
+          <p:spPr>
+            <a:xfrm>
+              <a:off x="4376922" y="3742382"/>
+              <a:ext cx="529951" cy="253914"/>
+            </a:xfrm>
+            <a:prstGeom prst="rect">
+              <a:avLst/>
+            </a:prstGeom>
+            <a:noFill/>
+            <a:ln w="12700" cap="flat">
+              <a:noFill/>
+              <a:miter lim="400000"/>
+            </a:ln>
+            <a:effectLst/>
+            <a:sp3d/>
+          </p:spPr>
+          <p:style>
+            <a:lnRef idx="0">
+              <a:scrgbClr r="0" g="0" b="0"/>
+            </a:lnRef>
+            <a:fillRef idx="0">
+              <a:scrgbClr r="0" g="0" b="0"/>
+            </a:fillRef>
+            <a:effectRef idx="0">
+              <a:scrgbClr r="0" g="0" b="0"/>
+            </a:effectRef>
+            <a:fontRef idx="none"/>
+          </p:style>
+          <p:txBody>
+            <a:bodyPr rot="0" spcFirstLastPara="1" vertOverflow="overflow" horzOverflow="overflow" vert="horz" wrap="none" lIns="45719" tIns="45719" rIns="45719" bIns="45719" numCol="1" spcCol="38100" rtlCol="0" anchor="t">
+              <a:spAutoFit/>
+            </a:bodyPr>
+            <a:lstStyle/>
+            <a:p>
+              <a:pPr marL="0" marR="0" indent="0" algn="l" defTabSz="914400" rtl="0" fontAlgn="auto" latinLnBrk="0" hangingPunct="0">
+                <a:lnSpc>
+                  <a:spcPct val="100000"/>
+                </a:lnSpc>
+                <a:spcBef>
+                  <a:spcPts val="0"/>
+                </a:spcBef>
+                <a:spcAft>
+                  <a:spcPts val="0"/>
+                </a:spcAft>
+                <a:buClrTx/>
+                <a:buSzTx/>
+                <a:buFontTx/>
+                <a:buNone/>
+                <a:tabLst/>
+              </a:pPr>
+              <a:r>
+                <a:rPr kumimoji="0" lang="en-US" sz="1050" b="0" i="0" u="none" strike="noStrike" cap="none" spc="0" normalizeH="0" baseline="0" dirty="0">
+                  <a:ln>
+                    <a:noFill/>
+                  </a:ln>
+                  <a:solidFill>
+                    <a:srgbClr val="000000"/>
+                  </a:solidFill>
+                  <a:effectLst/>
+                  <a:uFillTx/>
+                  <a:latin typeface="+mn-lt"/>
+                  <a:ea typeface="+mn-ea"/>
+                  <a:cs typeface="+mn-cs"/>
+                  <a:sym typeface="Calibri"/>
+                </a:rPr>
+                <a:t>Buy/sell</a:t>
+              </a:r>
+            </a:p>
+          </p:txBody>
+        </p:sp>
+        <p:sp>
+          <p:nvSpPr>
+            <p:cNvPr id="35" name="TextBox 34">
+              <a:extLst>
+                <a:ext uri="{FF2B5EF4-FFF2-40B4-BE49-F238E27FC236}">
+                  <a16:creationId xmlns:a16="http://schemas.microsoft.com/office/drawing/2014/main" id="{DF725849-D1AB-4342-89E8-C8B1418B6A6E}"/>
+                </a:ext>
+              </a:extLst>
+            </p:cNvPr>
+            <p:cNvSpPr txBox="1"/>
+            <p:nvPr/>
+          </p:nvSpPr>
+          <p:spPr>
+            <a:xfrm>
+              <a:off x="4368906" y="3932817"/>
+              <a:ext cx="545981" cy="253914"/>
+            </a:xfrm>
+            <a:prstGeom prst="rect">
+              <a:avLst/>
+            </a:prstGeom>
+            <a:noFill/>
+            <a:ln w="12700" cap="flat">
+              <a:noFill/>
+              <a:miter lim="400000"/>
+            </a:ln>
+            <a:effectLst/>
+            <a:sp3d/>
+          </p:spPr>
+          <p:style>
+            <a:lnRef idx="0">
+              <a:scrgbClr r="0" g="0" b="0"/>
+            </a:lnRef>
+            <a:fillRef idx="0">
+              <a:scrgbClr r="0" g="0" b="0"/>
+            </a:fillRef>
+            <a:effectRef idx="0">
+              <a:scrgbClr r="0" g="0" b="0"/>
+            </a:effectRef>
+            <a:fontRef idx="none"/>
+          </p:style>
+          <p:txBody>
+            <a:bodyPr rot="0" spcFirstLastPara="1" vertOverflow="overflow" horzOverflow="overflow" vert="horz" wrap="none" lIns="45719" tIns="45719" rIns="45719" bIns="45719" numCol="1" spcCol="38100" rtlCol="0" anchor="t">
+              <a:spAutoFit/>
+            </a:bodyPr>
+            <a:lstStyle/>
+            <a:p>
+              <a:pPr marL="0" marR="0" indent="0" algn="l" defTabSz="914400" rtl="0" fontAlgn="auto" latinLnBrk="0" hangingPunct="0">
+                <a:lnSpc>
+                  <a:spcPct val="100000"/>
+                </a:lnSpc>
+                <a:spcBef>
+                  <a:spcPts val="0"/>
+                </a:spcBef>
+                <a:spcAft>
+                  <a:spcPts val="0"/>
+                </a:spcAft>
+                <a:buClrTx/>
+                <a:buSzTx/>
+                <a:buFontTx/>
+                <a:buNone/>
+                <a:tabLst/>
+              </a:pPr>
+              <a:r>
+                <a:rPr kumimoji="0" lang="en-US" sz="1050" b="0" i="0" u="none" strike="noStrike" cap="none" spc="0" normalizeH="0" baseline="0" dirty="0">
+                  <a:ln>
+                    <a:noFill/>
+                  </a:ln>
+                  <a:solidFill>
+                    <a:srgbClr val="000000"/>
+                  </a:solidFill>
+                  <a:effectLst/>
+                  <a:uFillTx/>
+                  <a:latin typeface="+mn-lt"/>
+                  <a:ea typeface="+mn-ea"/>
+                  <a:cs typeface="+mn-cs"/>
+                  <a:sym typeface="Calibri"/>
+                </a:rPr>
+                <a:t>Redeem</a:t>
+              </a:r>
+            </a:p>
+          </p:txBody>
+        </p:sp>
+      </p:grpSp>
+      <p:grpSp>
+        <p:nvGrpSpPr>
+          <p:cNvPr id="36" name="Group 35">
+            <a:extLst>
+              <a:ext uri="{FF2B5EF4-FFF2-40B4-BE49-F238E27FC236}">
+                <a16:creationId xmlns:a16="http://schemas.microsoft.com/office/drawing/2014/main" id="{79573F02-59FD-8448-B70E-DBDC1FE48EF2}"/>
+              </a:ext>
+            </a:extLst>
+          </p:cNvPr>
+          <p:cNvGrpSpPr/>
+          <p:nvPr/>
+        </p:nvGrpSpPr>
+        <p:grpSpPr>
+          <a:xfrm>
+            <a:off x="7302018" y="2512876"/>
+            <a:ext cx="545981" cy="444349"/>
+            <a:chOff x="4368906" y="3742382"/>
+            <a:chExt cx="545981" cy="444349"/>
+          </a:xfrm>
+        </p:grpSpPr>
+        <p:sp>
+          <p:nvSpPr>
+            <p:cNvPr id="38" name="TextBox 37">
+              <a:extLst>
+                <a:ext uri="{FF2B5EF4-FFF2-40B4-BE49-F238E27FC236}">
+                  <a16:creationId xmlns:a16="http://schemas.microsoft.com/office/drawing/2014/main" id="{BF5B99B4-D2F0-7349-B84C-405FD468B0F1}"/>
+                </a:ext>
+              </a:extLst>
+            </p:cNvPr>
+            <p:cNvSpPr txBox="1"/>
+            <p:nvPr/>
+          </p:nvSpPr>
+          <p:spPr>
+            <a:xfrm>
+              <a:off x="4376922" y="3742382"/>
+              <a:ext cx="529951" cy="253914"/>
+            </a:xfrm>
+            <a:prstGeom prst="rect">
+              <a:avLst/>
+            </a:prstGeom>
+            <a:noFill/>
+            <a:ln w="12700" cap="flat">
+              <a:noFill/>
+              <a:miter lim="400000"/>
+            </a:ln>
+            <a:effectLst/>
+            <a:sp3d/>
+          </p:spPr>
+          <p:style>
+            <a:lnRef idx="0">
+              <a:scrgbClr r="0" g="0" b="0"/>
+            </a:lnRef>
+            <a:fillRef idx="0">
+              <a:scrgbClr r="0" g="0" b="0"/>
+            </a:fillRef>
+            <a:effectRef idx="0">
+              <a:scrgbClr r="0" g="0" b="0"/>
+            </a:effectRef>
+            <a:fontRef idx="none"/>
+          </p:style>
+          <p:txBody>
+            <a:bodyPr rot="0" spcFirstLastPara="1" vertOverflow="overflow" horzOverflow="overflow" vert="horz" wrap="none" lIns="45719" tIns="45719" rIns="45719" bIns="45719" numCol="1" spcCol="38100" rtlCol="0" anchor="t">
+              <a:spAutoFit/>
+            </a:bodyPr>
+            <a:lstStyle/>
+            <a:p>
+              <a:pPr marL="0" marR="0" indent="0" algn="l" defTabSz="914400" rtl="0" fontAlgn="auto" latinLnBrk="0" hangingPunct="0">
+                <a:lnSpc>
+                  <a:spcPct val="100000"/>
+                </a:lnSpc>
+                <a:spcBef>
+                  <a:spcPts val="0"/>
+                </a:spcBef>
+                <a:spcAft>
+                  <a:spcPts val="0"/>
+                </a:spcAft>
+                <a:buClrTx/>
+                <a:buSzTx/>
+                <a:buFontTx/>
+                <a:buNone/>
+                <a:tabLst/>
+              </a:pPr>
+              <a:r>
+                <a:rPr kumimoji="0" lang="en-US" sz="1050" b="0" i="0" u="none" strike="noStrike" cap="none" spc="0" normalizeH="0" baseline="0" dirty="0">
+                  <a:ln>
+                    <a:noFill/>
+                  </a:ln>
+                  <a:solidFill>
+                    <a:srgbClr val="000000"/>
+                  </a:solidFill>
+                  <a:effectLst/>
+                  <a:uFillTx/>
+                  <a:latin typeface="+mn-lt"/>
+                  <a:ea typeface="+mn-ea"/>
+                  <a:cs typeface="+mn-cs"/>
+                  <a:sym typeface="Calibri"/>
+                </a:rPr>
+                <a:t>Buy/sell</a:t>
+              </a:r>
+            </a:p>
+          </p:txBody>
+        </p:sp>
+        <p:sp>
+          <p:nvSpPr>
+            <p:cNvPr id="39" name="TextBox 38">
+              <a:extLst>
+                <a:ext uri="{FF2B5EF4-FFF2-40B4-BE49-F238E27FC236}">
+                  <a16:creationId xmlns:a16="http://schemas.microsoft.com/office/drawing/2014/main" id="{E63EBB3C-5FD6-6B4C-A28A-28EE1830CD87}"/>
+                </a:ext>
+              </a:extLst>
+            </p:cNvPr>
+            <p:cNvSpPr txBox="1"/>
+            <p:nvPr/>
+          </p:nvSpPr>
+          <p:spPr>
+            <a:xfrm>
+              <a:off x="4368906" y="3932817"/>
+              <a:ext cx="545981" cy="253914"/>
+            </a:xfrm>
+            <a:prstGeom prst="rect">
+              <a:avLst/>
+            </a:prstGeom>
+            <a:noFill/>
+            <a:ln w="12700" cap="flat">
+              <a:noFill/>
+              <a:miter lim="400000"/>
+            </a:ln>
+            <a:effectLst/>
+            <a:sp3d/>
+          </p:spPr>
+          <p:style>
+            <a:lnRef idx="0">
+              <a:scrgbClr r="0" g="0" b="0"/>
+            </a:lnRef>
+            <a:fillRef idx="0">
+              <a:scrgbClr r="0" g="0" b="0"/>
+            </a:fillRef>
+            <a:effectRef idx="0">
+              <a:scrgbClr r="0" g="0" b="0"/>
+            </a:effectRef>
+            <a:fontRef idx="none"/>
+          </p:style>
+          <p:txBody>
+            <a:bodyPr rot="0" spcFirstLastPara="1" vertOverflow="overflow" horzOverflow="overflow" vert="horz" wrap="none" lIns="45719" tIns="45719" rIns="45719" bIns="45719" numCol="1" spcCol="38100" rtlCol="0" anchor="t">
+              <a:spAutoFit/>
+            </a:bodyPr>
+            <a:lstStyle/>
+            <a:p>
+              <a:pPr marL="0" marR="0" indent="0" algn="l" defTabSz="914400" rtl="0" fontAlgn="auto" latinLnBrk="0" hangingPunct="0">
+                <a:lnSpc>
+                  <a:spcPct val="100000"/>
+                </a:lnSpc>
+                <a:spcBef>
+                  <a:spcPts val="0"/>
+                </a:spcBef>
+                <a:spcAft>
+                  <a:spcPts val="0"/>
+                </a:spcAft>
+                <a:buClrTx/>
+                <a:buSzTx/>
+                <a:buFontTx/>
+                <a:buNone/>
+                <a:tabLst/>
+              </a:pPr>
+              <a:r>
+                <a:rPr kumimoji="0" lang="en-US" sz="1050" b="0" i="0" u="none" strike="noStrike" cap="none" spc="0" normalizeH="0" baseline="0" dirty="0">
+                  <a:ln>
+                    <a:noFill/>
+                  </a:ln>
+                  <a:solidFill>
+                    <a:srgbClr val="000000"/>
+                  </a:solidFill>
+                  <a:effectLst/>
+                  <a:uFillTx/>
+                  <a:latin typeface="+mn-lt"/>
+                  <a:ea typeface="+mn-ea"/>
+                  <a:cs typeface="+mn-cs"/>
+                  <a:sym typeface="Calibri"/>
+                </a:rPr>
+                <a:t>Redeem</a:t>
+              </a:r>
+            </a:p>
+          </p:txBody>
+        </p:sp>
+      </p:grpSp>
+    </p:spTree>
+    <p:extLst>
+      <p:ext uri="{BB962C8B-B14F-4D97-AF65-F5344CB8AC3E}">
+        <p14:creationId xmlns:p14="http://schemas.microsoft.com/office/powerpoint/2010/main" val="2968954123"/>
+      </p:ext>
+    </p:extLst>
+  </p:cSld>
+  <p:clrMapOvr>
+    <a:masterClrMapping/>
+  </p:clrMapOvr>
+  <p:transition spd="med"/>
+</p:sld>
+</file>
+
+<file path=ppt/slides/slide4.xml><?xml version="1.0" encoding="utf-8"?>
+<p:sld xmlns:a="http://schemas.openxmlformats.org/drawingml/2006/main" xmlns:r="http://schemas.openxmlformats.org/officeDocument/2006/relationships" xmlns:p="http://schemas.openxmlformats.org/presentationml/2006/main">
+  <p:cSld>
+    <p:spTree>
+      <p:nvGrpSpPr>
+        <p:cNvPr id="1" name=""/>
+        <p:cNvGrpSpPr/>
+        <p:nvPr/>
+      </p:nvGrpSpPr>
+      <p:grpSpPr>
+        <a:xfrm>
+          <a:off x="0" y="0"/>
+          <a:ext cx="0" cy="0"/>
+          <a:chOff x="0" y="0"/>
+          <a:chExt cx="0" cy="0"/>
+        </a:xfrm>
+      </p:grpSpPr>
       <p:sp>
         <p:nvSpPr>
-          <p:cNvPr id="116" name="TextBox 115">
+          <p:cNvPr id="6" name="Rectangle 28">
             <a:extLst>
               <a:ext uri="{FF2B5EF4-FFF2-40B4-BE49-F238E27FC236}">
-                <a16:creationId xmlns:a16="http://schemas.microsoft.com/office/drawing/2014/main" id="{AC27B99B-3988-9D4A-BF45-5FF931466EAE}"/>
+                <a16:creationId xmlns:a16="http://schemas.microsoft.com/office/drawing/2014/main" id="{F83AD13B-686A-7441-AF80-1AAF66037A2E}"/>
+              </a:ext>
+            </a:extLst>
+          </p:cNvPr>
+          <p:cNvSpPr/>
+          <p:nvPr/>
+        </p:nvSpPr>
+        <p:spPr>
+          <a:xfrm>
+            <a:off x="1956378" y="1921239"/>
+            <a:ext cx="8943280" cy="4084819"/>
+          </a:xfrm>
+          <a:prstGeom prst="rect">
+            <a:avLst/>
+          </a:prstGeom>
+          <a:ln w="12700">
+            <a:solidFill>
+              <a:schemeClr val="tx1"/>
+            </a:solidFill>
+            <a:miter/>
+          </a:ln>
+        </p:spPr>
+        <p:txBody>
+          <a:bodyPr lIns="45719" rIns="45719" anchor="ctr"/>
+          <a:lstStyle/>
+          <a:p>
+            <a:pPr algn="ctr">
+              <a:defRPr>
+                <a:solidFill>
+                  <a:srgbClr val="FFFFFF"/>
+                </a:solidFill>
+              </a:defRPr>
+            </a:pPr>
+            <a:endParaRPr/>
+          </a:p>
+        </p:txBody>
+      </p:sp>
+      <p:sp>
+        <p:nvSpPr>
+          <p:cNvPr id="7" name="Title 4">
+            <a:extLst>
+              <a:ext uri="{FF2B5EF4-FFF2-40B4-BE49-F238E27FC236}">
+                <a16:creationId xmlns:a16="http://schemas.microsoft.com/office/drawing/2014/main" id="{5FBE3801-AF81-B14D-A087-3503F478758D}"/>
+              </a:ext>
+            </a:extLst>
+          </p:cNvPr>
+          <p:cNvSpPr txBox="1">
+            <a:spLocks/>
+          </p:cNvSpPr>
+          <p:nvPr/>
+        </p:nvSpPr>
+        <p:spPr>
+          <a:xfrm>
+            <a:off x="990600" y="517525"/>
+            <a:ext cx="10515600" cy="1325563"/>
+          </a:xfrm>
+          <a:prstGeom prst="rect">
+            <a:avLst/>
+          </a:prstGeom>
+          <a:ln w="12700">
+            <a:miter lim="400000"/>
+          </a:ln>
+          <a:extLst>
+            <a:ext uri="{C572A759-6A51-4108-AA02-DFA0A04FC94B}">
+              <ma14:wrappingTextBoxFlag xmlns:ma14="http://schemas.microsoft.com/office/mac/drawingml/2011/main" xmlns="" val="1"/>
+            </a:ext>
+          </a:extLst>
+        </p:spPr>
+        <p:txBody>
+          <a:bodyPr lIns="45719" rIns="45719" anchor="ctr">
+            <a:normAutofit/>
+          </a:bodyPr>
+          <a:lstStyle>
+            <a:lvl1pPr marL="0" marR="0" indent="0" algn="l" defTabSz="914400" rtl="0" latinLnBrk="0">
+              <a:lnSpc>
+                <a:spcPct val="90000"/>
+              </a:lnSpc>
+              <a:spcBef>
+                <a:spcPts val="0"/>
+              </a:spcBef>
+              <a:spcAft>
+                <a:spcPts val="0"/>
+              </a:spcAft>
+              <a:buClrTx/>
+              <a:buSzTx/>
+              <a:buFontTx/>
+              <a:buNone/>
+              <a:tabLst/>
+              <a:defRPr sz="4400" b="0" i="0" u="none" strike="noStrike" cap="none" spc="0" baseline="0">
+                <a:ln>
+                  <a:noFill/>
+                </a:ln>
+                <a:solidFill>
+                  <a:srgbClr val="000000"/>
+                </a:solidFill>
+                <a:uFillTx/>
+                <a:latin typeface="Calibri Light"/>
+                <a:ea typeface="Calibri Light"/>
+                <a:cs typeface="Calibri Light"/>
+                <a:sym typeface="Calibri Light"/>
+              </a:defRPr>
+            </a:lvl1pPr>
+            <a:lvl2pPr marL="0" marR="0" indent="0" algn="l" defTabSz="914400" rtl="0" latinLnBrk="0">
+              <a:lnSpc>
+                <a:spcPct val="90000"/>
+              </a:lnSpc>
+              <a:spcBef>
+                <a:spcPts val="0"/>
+              </a:spcBef>
+              <a:spcAft>
+                <a:spcPts val="0"/>
+              </a:spcAft>
+              <a:buClrTx/>
+              <a:buSzTx/>
+              <a:buFontTx/>
+              <a:buNone/>
+              <a:tabLst/>
+              <a:defRPr sz="4400" b="0" i="0" u="none" strike="noStrike" cap="none" spc="0" baseline="0">
+                <a:ln>
+                  <a:noFill/>
+                </a:ln>
+                <a:solidFill>
+                  <a:srgbClr val="000000"/>
+                </a:solidFill>
+                <a:uFillTx/>
+                <a:latin typeface="Calibri Light"/>
+                <a:ea typeface="Calibri Light"/>
+                <a:cs typeface="Calibri Light"/>
+                <a:sym typeface="Calibri Light"/>
+              </a:defRPr>
+            </a:lvl2pPr>
+            <a:lvl3pPr marL="0" marR="0" indent="0" algn="l" defTabSz="914400" rtl="0" latinLnBrk="0">
+              <a:lnSpc>
+                <a:spcPct val="90000"/>
+              </a:lnSpc>
+              <a:spcBef>
+                <a:spcPts val="0"/>
+              </a:spcBef>
+              <a:spcAft>
+                <a:spcPts val="0"/>
+              </a:spcAft>
+              <a:buClrTx/>
+              <a:buSzTx/>
+              <a:buFontTx/>
+              <a:buNone/>
+              <a:tabLst/>
+              <a:defRPr sz="4400" b="0" i="0" u="none" strike="noStrike" cap="none" spc="0" baseline="0">
+                <a:ln>
+                  <a:noFill/>
+                </a:ln>
+                <a:solidFill>
+                  <a:srgbClr val="000000"/>
+                </a:solidFill>
+                <a:uFillTx/>
+                <a:latin typeface="Calibri Light"/>
+                <a:ea typeface="Calibri Light"/>
+                <a:cs typeface="Calibri Light"/>
+                <a:sym typeface="Calibri Light"/>
+              </a:defRPr>
+            </a:lvl3pPr>
+            <a:lvl4pPr marL="0" marR="0" indent="0" algn="l" defTabSz="914400" rtl="0" latinLnBrk="0">
+              <a:lnSpc>
+                <a:spcPct val="90000"/>
+              </a:lnSpc>
+              <a:spcBef>
+                <a:spcPts val="0"/>
+              </a:spcBef>
+              <a:spcAft>
+                <a:spcPts val="0"/>
+              </a:spcAft>
+              <a:buClrTx/>
+              <a:buSzTx/>
+              <a:buFontTx/>
+              <a:buNone/>
+              <a:tabLst/>
+              <a:defRPr sz="4400" b="0" i="0" u="none" strike="noStrike" cap="none" spc="0" baseline="0">
+                <a:ln>
+                  <a:noFill/>
+                </a:ln>
+                <a:solidFill>
+                  <a:srgbClr val="000000"/>
+                </a:solidFill>
+                <a:uFillTx/>
+                <a:latin typeface="Calibri Light"/>
+                <a:ea typeface="Calibri Light"/>
+                <a:cs typeface="Calibri Light"/>
+                <a:sym typeface="Calibri Light"/>
+              </a:defRPr>
+            </a:lvl4pPr>
+            <a:lvl5pPr marL="0" marR="0" indent="0" algn="l" defTabSz="914400" rtl="0" latinLnBrk="0">
+              <a:lnSpc>
+                <a:spcPct val="90000"/>
+              </a:lnSpc>
+              <a:spcBef>
+                <a:spcPts val="0"/>
+              </a:spcBef>
+              <a:spcAft>
+                <a:spcPts val="0"/>
+              </a:spcAft>
+              <a:buClrTx/>
+              <a:buSzTx/>
+              <a:buFontTx/>
+              <a:buNone/>
+              <a:tabLst/>
+              <a:defRPr sz="4400" b="0" i="0" u="none" strike="noStrike" cap="none" spc="0" baseline="0">
+                <a:ln>
+                  <a:noFill/>
+                </a:ln>
+                <a:solidFill>
+                  <a:srgbClr val="000000"/>
+                </a:solidFill>
+                <a:uFillTx/>
+                <a:latin typeface="Calibri Light"/>
+                <a:ea typeface="Calibri Light"/>
+                <a:cs typeface="Calibri Light"/>
+                <a:sym typeface="Calibri Light"/>
+              </a:defRPr>
+            </a:lvl5pPr>
+            <a:lvl6pPr marL="0" marR="0" indent="0" algn="l" defTabSz="914400" rtl="0" latinLnBrk="0">
+              <a:lnSpc>
+                <a:spcPct val="90000"/>
+              </a:lnSpc>
+              <a:spcBef>
+                <a:spcPts val="0"/>
+              </a:spcBef>
+              <a:spcAft>
+                <a:spcPts val="0"/>
+              </a:spcAft>
+              <a:buClrTx/>
+              <a:buSzTx/>
+              <a:buFontTx/>
+              <a:buNone/>
+              <a:tabLst/>
+              <a:defRPr sz="4400" b="0" i="0" u="none" strike="noStrike" cap="none" spc="0" baseline="0">
+                <a:ln>
+                  <a:noFill/>
+                </a:ln>
+                <a:solidFill>
+                  <a:srgbClr val="000000"/>
+                </a:solidFill>
+                <a:uFillTx/>
+                <a:latin typeface="Calibri Light"/>
+                <a:ea typeface="Calibri Light"/>
+                <a:cs typeface="Calibri Light"/>
+                <a:sym typeface="Calibri Light"/>
+              </a:defRPr>
+            </a:lvl6pPr>
+            <a:lvl7pPr marL="0" marR="0" indent="0" algn="l" defTabSz="914400" rtl="0" latinLnBrk="0">
+              <a:lnSpc>
+                <a:spcPct val="90000"/>
+              </a:lnSpc>
+              <a:spcBef>
+                <a:spcPts val="0"/>
+              </a:spcBef>
+              <a:spcAft>
+                <a:spcPts val="0"/>
+              </a:spcAft>
+              <a:buClrTx/>
+              <a:buSzTx/>
+              <a:buFontTx/>
+              <a:buNone/>
+              <a:tabLst/>
+              <a:defRPr sz="4400" b="0" i="0" u="none" strike="noStrike" cap="none" spc="0" baseline="0">
+                <a:ln>
+                  <a:noFill/>
+                </a:ln>
+                <a:solidFill>
+                  <a:srgbClr val="000000"/>
+                </a:solidFill>
+                <a:uFillTx/>
+                <a:latin typeface="Calibri Light"/>
+                <a:ea typeface="Calibri Light"/>
+                <a:cs typeface="Calibri Light"/>
+                <a:sym typeface="Calibri Light"/>
+              </a:defRPr>
+            </a:lvl7pPr>
+            <a:lvl8pPr marL="0" marR="0" indent="0" algn="l" defTabSz="914400" rtl="0" latinLnBrk="0">
+              <a:lnSpc>
+                <a:spcPct val="90000"/>
+              </a:lnSpc>
+              <a:spcBef>
+                <a:spcPts val="0"/>
+              </a:spcBef>
+              <a:spcAft>
+                <a:spcPts val="0"/>
+              </a:spcAft>
+              <a:buClrTx/>
+              <a:buSzTx/>
+              <a:buFontTx/>
+              <a:buNone/>
+              <a:tabLst/>
+              <a:defRPr sz="4400" b="0" i="0" u="none" strike="noStrike" cap="none" spc="0" baseline="0">
+                <a:ln>
+                  <a:noFill/>
+                </a:ln>
+                <a:solidFill>
+                  <a:srgbClr val="000000"/>
+                </a:solidFill>
+                <a:uFillTx/>
+                <a:latin typeface="Calibri Light"/>
+                <a:ea typeface="Calibri Light"/>
+                <a:cs typeface="Calibri Light"/>
+                <a:sym typeface="Calibri Light"/>
+              </a:defRPr>
+            </a:lvl8pPr>
+            <a:lvl9pPr marL="0" marR="0" indent="0" algn="l" defTabSz="914400" rtl="0" latinLnBrk="0">
+              <a:lnSpc>
+                <a:spcPct val="90000"/>
+              </a:lnSpc>
+              <a:spcBef>
+                <a:spcPts val="0"/>
+              </a:spcBef>
+              <a:spcAft>
+                <a:spcPts val="0"/>
+              </a:spcAft>
+              <a:buClrTx/>
+              <a:buSzTx/>
+              <a:buFontTx/>
+              <a:buNone/>
+              <a:tabLst/>
+              <a:defRPr sz="4400" b="0" i="0" u="none" strike="noStrike" cap="none" spc="0" baseline="0">
+                <a:ln>
+                  <a:noFill/>
+                </a:ln>
+                <a:solidFill>
+                  <a:srgbClr val="000000"/>
+                </a:solidFill>
+                <a:uFillTx/>
+                <a:latin typeface="Calibri Light"/>
+                <a:ea typeface="Calibri Light"/>
+                <a:cs typeface="Calibri Light"/>
+                <a:sym typeface="Calibri Light"/>
+              </a:defRPr>
+            </a:lvl9pPr>
+          </a:lstStyle>
+          <a:p>
+            <a:pPr hangingPunct="1"/>
+            <a:r>
+              <a:rPr lang="en-US" sz="3600" dirty="0"/>
+              <a:t>Diagram 3 – Application Structure</a:t>
+            </a:r>
+          </a:p>
+        </p:txBody>
+      </p:sp>
+      <p:sp>
+        <p:nvSpPr>
+          <p:cNvPr id="4" name="Rectangle 3">
+            <a:extLst>
+              <a:ext uri="{FF2B5EF4-FFF2-40B4-BE49-F238E27FC236}">
+                <a16:creationId xmlns:a16="http://schemas.microsoft.com/office/drawing/2014/main" id="{CEC139C3-9E58-904D-9ADA-212A2089254C}"/>
+              </a:ext>
+            </a:extLst>
+          </p:cNvPr>
+          <p:cNvSpPr/>
+          <p:nvPr/>
+        </p:nvSpPr>
+        <p:spPr>
+          <a:xfrm>
+            <a:off x="2062971" y="2406183"/>
+            <a:ext cx="3723743" cy="3376996"/>
+          </a:xfrm>
+          <a:prstGeom prst="rect">
+            <a:avLst/>
+          </a:prstGeom>
+          <a:solidFill>
+            <a:srgbClr val="FFFFFF"/>
+          </a:solidFill>
+          <a:ln w="12700" cap="flat">
+            <a:solidFill>
+              <a:schemeClr val="tx1"/>
+            </a:solidFill>
+            <a:prstDash val="solid"/>
+            <a:miter lim="800000"/>
+          </a:ln>
+          <a:effectLst/>
+          <a:sp3d/>
+        </p:spPr>
+        <p:style>
+          <a:lnRef idx="0">
+            <a:scrgbClr r="0" g="0" b="0"/>
+          </a:lnRef>
+          <a:fillRef idx="0">
+            <a:scrgbClr r="0" g="0" b="0"/>
+          </a:fillRef>
+          <a:effectRef idx="0">
+            <a:scrgbClr r="0" g="0" b="0"/>
+          </a:effectRef>
+          <a:fontRef idx="none"/>
+        </p:style>
+        <p:txBody>
+          <a:bodyPr rot="0" spcFirstLastPara="1" vertOverflow="overflow" horzOverflow="overflow" vert="horz" wrap="square" lIns="108000" tIns="45719" rIns="45719" bIns="45719" numCol="1" spcCol="38100" rtlCol="0" fromWordArt="0" anchor="ctr" anchorCtr="0" forceAA="0" compatLnSpc="1">
+            <a:prstTxWarp prst="textNoShape">
+              <a:avLst/>
+            </a:prstTxWarp>
+            <a:noAutofit/>
+          </a:bodyPr>
+          <a:lstStyle/>
+          <a:p>
+            <a:r>
+              <a:rPr lang="en-US" sz="1400">
+                <a:latin typeface="Courier New" panose="02070309020205020404" pitchFamily="49" charset="0"/>
+                <a:cs typeface="Courier New" panose="02070309020205020404" pitchFamily="49" charset="0"/>
+              </a:rPr>
+              <a:t>Select identity from wallet</a:t>
+            </a:r>
+            <a:endParaRPr lang="en-US" sz="1400" dirty="0">
+              <a:latin typeface="Courier New" panose="02070309020205020404" pitchFamily="49" charset="0"/>
+              <a:cs typeface="Courier New" panose="02070309020205020404" pitchFamily="49" charset="0"/>
+            </a:endParaRPr>
+          </a:p>
+          <a:p>
+            <a:endParaRPr lang="en-US" sz="1400" dirty="0">
+              <a:latin typeface="Courier New" panose="02070309020205020404" pitchFamily="49" charset="0"/>
+              <a:cs typeface="Courier New" panose="02070309020205020404" pitchFamily="49" charset="0"/>
+            </a:endParaRPr>
+          </a:p>
+          <a:p>
+            <a:r>
+              <a:rPr lang="en-US" sz="1400">
+                <a:latin typeface="Courier New" panose="02070309020205020404" pitchFamily="49" charset="0"/>
+                <a:cs typeface="Courier New" panose="02070309020205020404" pitchFamily="49" charset="0"/>
+              </a:rPr>
+              <a:t>Connect to network gateway</a:t>
+            </a:r>
+            <a:endParaRPr lang="en-US" sz="1400" dirty="0">
+              <a:latin typeface="Courier New" panose="02070309020205020404" pitchFamily="49" charset="0"/>
+              <a:cs typeface="Courier New" panose="02070309020205020404" pitchFamily="49" charset="0"/>
+            </a:endParaRPr>
+          </a:p>
+          <a:p>
+            <a:endParaRPr lang="en-US" sz="1400">
+              <a:latin typeface="Courier New" panose="02070309020205020404" pitchFamily="49" charset="0"/>
+              <a:cs typeface="Courier New" panose="02070309020205020404" pitchFamily="49" charset="0"/>
+            </a:endParaRPr>
+          </a:p>
+          <a:p>
+            <a:r>
+              <a:rPr lang="en-US" sz="1400">
+                <a:latin typeface="Courier New" panose="02070309020205020404" pitchFamily="49" charset="0"/>
+                <a:cs typeface="Courier New" panose="02070309020205020404" pitchFamily="49" charset="0"/>
+              </a:rPr>
+              <a:t>Access PaperNet network</a:t>
+            </a:r>
+          </a:p>
+          <a:p>
+            <a:endParaRPr lang="en-US" sz="1400">
+              <a:latin typeface="Courier New" panose="02070309020205020404" pitchFamily="49" charset="0"/>
+              <a:cs typeface="Courier New" panose="02070309020205020404" pitchFamily="49" charset="0"/>
+            </a:endParaRPr>
+          </a:p>
+          <a:p>
+            <a:r>
+              <a:rPr lang="en-US" sz="1400">
+                <a:latin typeface="Courier New" panose="02070309020205020404" pitchFamily="49" charset="0"/>
+                <a:cs typeface="Courier New" panose="02070309020205020404" pitchFamily="49" charset="0"/>
+              </a:rPr>
+              <a:t>Construct </a:t>
+            </a:r>
+            <a:r>
+              <a:rPr lang="en-US" sz="1400" b="1">
+                <a:latin typeface="Courier New" panose="02070309020205020404" pitchFamily="49" charset="0"/>
+                <a:cs typeface="Courier New" panose="02070309020205020404" pitchFamily="49" charset="0"/>
+              </a:rPr>
+              <a:t>issue </a:t>
+            </a:r>
+            <a:r>
+              <a:rPr lang="en-US" sz="1400">
+                <a:latin typeface="Courier New" panose="02070309020205020404" pitchFamily="49" charset="0"/>
+                <a:cs typeface="Courier New" panose="02070309020205020404" pitchFamily="49" charset="0"/>
+              </a:rPr>
+              <a:t>request</a:t>
+            </a:r>
+          </a:p>
+          <a:p>
+            <a:endParaRPr lang="en-US" sz="1400" dirty="0">
+              <a:latin typeface="Courier New" panose="02070309020205020404" pitchFamily="49" charset="0"/>
+              <a:cs typeface="Courier New" panose="02070309020205020404" pitchFamily="49" charset="0"/>
+            </a:endParaRPr>
+          </a:p>
+          <a:p>
+            <a:r>
+              <a:rPr lang="en-US" sz="1400">
+                <a:latin typeface="Courier New" panose="02070309020205020404" pitchFamily="49" charset="0"/>
+                <a:cs typeface="Courier New" panose="02070309020205020404" pitchFamily="49" charset="0"/>
+              </a:rPr>
+              <a:t>Submit </a:t>
+            </a:r>
+            <a:r>
+              <a:rPr lang="en-US" sz="1400" b="1">
+                <a:latin typeface="Courier New" panose="02070309020205020404" pitchFamily="49" charset="0"/>
+                <a:cs typeface="Courier New" panose="02070309020205020404" pitchFamily="49" charset="0"/>
+              </a:rPr>
+              <a:t>issue</a:t>
+            </a:r>
+            <a:r>
+              <a:rPr lang="en-US" sz="1400">
+                <a:latin typeface="Courier New" panose="02070309020205020404" pitchFamily="49" charset="0"/>
+                <a:cs typeface="Courier New" panose="02070309020205020404" pitchFamily="49" charset="0"/>
+              </a:rPr>
+              <a:t> transaction</a:t>
+            </a:r>
+            <a:endParaRPr lang="en-US" sz="1400" dirty="0">
+              <a:latin typeface="Courier New" panose="02070309020205020404" pitchFamily="49" charset="0"/>
+              <a:cs typeface="Courier New" panose="02070309020205020404" pitchFamily="49" charset="0"/>
+            </a:endParaRPr>
+          </a:p>
+          <a:p>
+            <a:endParaRPr lang="en-US" sz="1400" dirty="0">
+              <a:latin typeface="Courier New" panose="02070309020205020404" pitchFamily="49" charset="0"/>
+              <a:cs typeface="Courier New" panose="02070309020205020404" pitchFamily="49" charset="0"/>
+            </a:endParaRPr>
+          </a:p>
+          <a:p>
+            <a:r>
+              <a:rPr lang="en-US" sz="1400">
+                <a:latin typeface="Courier New" panose="02070309020205020404" pitchFamily="49" charset="0"/>
+                <a:cs typeface="Courier New" panose="02070309020205020404" pitchFamily="49" charset="0"/>
+              </a:rPr>
+              <a:t>Process </a:t>
+            </a:r>
+            <a:r>
+              <a:rPr lang="en-US" sz="1400" b="1">
+                <a:latin typeface="Courier New" panose="02070309020205020404" pitchFamily="49" charset="0"/>
+                <a:cs typeface="Courier New" panose="02070309020205020404" pitchFamily="49" charset="0"/>
+              </a:rPr>
+              <a:t>issue</a:t>
+            </a:r>
+            <a:r>
+              <a:rPr lang="en-US" sz="1400">
+                <a:latin typeface="Courier New" panose="02070309020205020404" pitchFamily="49" charset="0"/>
+                <a:cs typeface="Courier New" panose="02070309020205020404" pitchFamily="49" charset="0"/>
+              </a:rPr>
+              <a:t> response</a:t>
+            </a:r>
+            <a:endParaRPr lang="en-US" sz="1400" dirty="0">
+              <a:latin typeface="Courier New" panose="02070309020205020404" pitchFamily="49" charset="0"/>
+              <a:cs typeface="Courier New" panose="02070309020205020404" pitchFamily="49" charset="0"/>
+            </a:endParaRPr>
+          </a:p>
+        </p:txBody>
+      </p:sp>
+      <p:sp>
+        <p:nvSpPr>
+          <p:cNvPr id="40" name="Rectangle 39">
+            <a:extLst>
+              <a:ext uri="{FF2B5EF4-FFF2-40B4-BE49-F238E27FC236}">
+                <a16:creationId xmlns:a16="http://schemas.microsoft.com/office/drawing/2014/main" id="{9C8BBD91-0294-9F4A-A922-E7AC8F79E698}"/>
+              </a:ext>
+            </a:extLst>
+          </p:cNvPr>
+          <p:cNvSpPr/>
+          <p:nvPr/>
+        </p:nvSpPr>
+        <p:spPr>
+          <a:xfrm>
+            <a:off x="6232924" y="2406181"/>
+            <a:ext cx="4563979" cy="3376998"/>
+          </a:xfrm>
+          <a:prstGeom prst="rect">
+            <a:avLst/>
+          </a:prstGeom>
+          <a:solidFill>
+            <a:srgbClr val="FFFFFF"/>
+          </a:solidFill>
+          <a:ln w="12700" cap="flat">
+            <a:solidFill>
+              <a:schemeClr val="tx1"/>
+            </a:solidFill>
+            <a:prstDash val="solid"/>
+            <a:miter lim="800000"/>
+          </a:ln>
+          <a:effectLst/>
+          <a:sp3d/>
+        </p:spPr>
+        <p:style>
+          <a:lnRef idx="0">
+            <a:scrgbClr r="0" g="0" b="0"/>
+          </a:lnRef>
+          <a:fillRef idx="0">
+            <a:scrgbClr r="0" g="0" b="0"/>
+          </a:fillRef>
+          <a:effectRef idx="0">
+            <a:scrgbClr r="0" g="0" b="0"/>
+          </a:effectRef>
+          <a:fontRef idx="none"/>
+        </p:style>
+        <p:txBody>
+          <a:bodyPr rot="0" spcFirstLastPara="1" vertOverflow="overflow" horzOverflow="overflow" vert="horz" wrap="square" lIns="108000" tIns="45719" rIns="45719" bIns="45719" numCol="1" spcCol="38100" rtlCol="0" fromWordArt="0" anchor="ctr" anchorCtr="0" forceAA="0" compatLnSpc="1">
+            <a:prstTxWarp prst="textNoShape">
+              <a:avLst/>
+            </a:prstTxWarp>
+            <a:noAutofit/>
+          </a:bodyPr>
+          <a:lstStyle/>
+          <a:p>
+            <a:r>
+              <a:rPr lang="en-US" sz="1400" dirty="0">
+                <a:latin typeface="Courier New" panose="02070309020205020404" pitchFamily="49" charset="0"/>
+                <a:cs typeface="Courier New" panose="02070309020205020404" pitchFamily="49" charset="0"/>
+              </a:rPr>
+              <a:t>CommercialPaperContract {</a:t>
+            </a:r>
+          </a:p>
+          <a:p>
+            <a:endParaRPr lang="en-US" sz="1400" dirty="0">
+              <a:latin typeface="Courier New" panose="02070309020205020404" pitchFamily="49" charset="0"/>
+              <a:cs typeface="Courier New" panose="02070309020205020404" pitchFamily="49" charset="0"/>
+            </a:endParaRPr>
+          </a:p>
+          <a:p>
+            <a:pPr marL="446088" lvl="8" indent="-263525"/>
+            <a:r>
+              <a:rPr lang="en-US" sz="1400" b="1" dirty="0">
+                <a:latin typeface="Courier New" panose="02070309020205020404" pitchFamily="49" charset="0"/>
+                <a:cs typeface="Courier New" panose="02070309020205020404" pitchFamily="49" charset="0"/>
+              </a:rPr>
+              <a:t>issue</a:t>
+            </a:r>
+            <a:r>
+              <a:rPr lang="en-US" sz="1400" dirty="0">
+                <a:latin typeface="Courier New" panose="02070309020205020404" pitchFamily="49" charset="0"/>
+                <a:cs typeface="Courier New" panose="02070309020205020404" pitchFamily="49" charset="0"/>
+              </a:rPr>
+              <a:t>(</a:t>
+            </a:r>
+            <a:r>
+              <a:rPr lang="en-US" sz="1400" dirty="0" err="1">
+                <a:latin typeface="Courier New" panose="02070309020205020404" pitchFamily="49" charset="0"/>
+                <a:cs typeface="Courier New" panose="02070309020205020404" pitchFamily="49" charset="0"/>
+              </a:rPr>
+              <a:t>ctx</a:t>
+            </a:r>
+            <a:r>
+              <a:rPr lang="en-US" sz="1400" dirty="0">
+                <a:latin typeface="Courier New" panose="02070309020205020404" pitchFamily="49" charset="0"/>
+                <a:cs typeface="Courier New" panose="02070309020205020404" pitchFamily="49" charset="0"/>
+              </a:rPr>
+              <a:t>, issuer, </a:t>
+            </a:r>
+            <a:r>
+              <a:rPr lang="en-US" sz="1400" dirty="0" err="1">
+                <a:latin typeface="Courier New" panose="02070309020205020404" pitchFamily="49" charset="0"/>
+                <a:cs typeface="Courier New" panose="02070309020205020404" pitchFamily="49" charset="0"/>
+              </a:rPr>
+              <a:t>paperNumber</a:t>
+            </a:r>
+            <a:r>
+              <a:rPr lang="en-US" sz="1400" dirty="0">
+                <a:latin typeface="Courier New" panose="02070309020205020404" pitchFamily="49" charset="0"/>
+                <a:cs typeface="Courier New" panose="02070309020205020404" pitchFamily="49" charset="0"/>
+              </a:rPr>
+              <a:t>...) {</a:t>
+            </a:r>
+          </a:p>
+          <a:p>
+            <a:pPr marL="446088" lvl="8" indent="-263525"/>
+            <a:endParaRPr lang="en-US" sz="1400" dirty="0">
+              <a:latin typeface="Courier New" panose="02070309020205020404" pitchFamily="49" charset="0"/>
+              <a:cs typeface="Courier New" panose="02070309020205020404" pitchFamily="49" charset="0"/>
+            </a:endParaRPr>
+          </a:p>
+          <a:p>
+            <a:pPr marL="446088" lvl="8" indent="-263525"/>
+            <a:r>
+              <a:rPr lang="en-US" sz="1400" dirty="0">
+                <a:latin typeface="Courier New" panose="02070309020205020404" pitchFamily="49" charset="0"/>
+                <a:cs typeface="Courier New" panose="02070309020205020404" pitchFamily="49" charset="0"/>
+              </a:rPr>
+              <a:t>}</a:t>
+            </a:r>
+          </a:p>
+          <a:p>
+            <a:pPr marL="446088" lvl="5" indent="-263525"/>
+            <a:endParaRPr lang="en-US" sz="1400" dirty="0">
+              <a:latin typeface="Courier New" panose="02070309020205020404" pitchFamily="49" charset="0"/>
+              <a:cs typeface="Courier New" panose="02070309020205020404" pitchFamily="49" charset="0"/>
+            </a:endParaRPr>
+          </a:p>
+          <a:p>
+            <a:pPr marL="446088" lvl="5" indent="-263525"/>
+            <a:r>
+              <a:rPr lang="en-US" sz="1400" dirty="0">
+                <a:latin typeface="Courier New" panose="02070309020205020404" pitchFamily="49" charset="0"/>
+                <a:cs typeface="Courier New" panose="02070309020205020404" pitchFamily="49" charset="0"/>
+              </a:rPr>
+              <a:t>buy(</a:t>
+            </a:r>
+            <a:r>
+              <a:rPr lang="en-US" sz="1400" dirty="0" err="1">
+                <a:latin typeface="Courier New" panose="02070309020205020404" pitchFamily="49" charset="0"/>
+                <a:cs typeface="Courier New" panose="02070309020205020404" pitchFamily="49" charset="0"/>
+              </a:rPr>
+              <a:t>ctx</a:t>
+            </a:r>
+            <a:r>
+              <a:rPr lang="en-US" sz="1400" dirty="0">
+                <a:latin typeface="Courier New" panose="02070309020205020404" pitchFamily="49" charset="0"/>
+                <a:cs typeface="Courier New" panose="02070309020205020404" pitchFamily="49" charset="0"/>
+              </a:rPr>
+              <a:t>, issuer, </a:t>
+            </a:r>
+            <a:r>
+              <a:rPr lang="en-US" sz="1400" dirty="0" err="1">
+                <a:latin typeface="Courier New" panose="02070309020205020404" pitchFamily="49" charset="0"/>
+                <a:cs typeface="Courier New" panose="02070309020205020404" pitchFamily="49" charset="0"/>
+              </a:rPr>
+              <a:t>paperNumber</a:t>
+            </a:r>
+            <a:r>
+              <a:rPr lang="en-US" sz="1400" dirty="0">
+                <a:latin typeface="Courier New" panose="02070309020205020404" pitchFamily="49" charset="0"/>
+                <a:cs typeface="Courier New" panose="02070309020205020404" pitchFamily="49" charset="0"/>
+              </a:rPr>
+              <a:t>...) {</a:t>
+            </a:r>
+          </a:p>
+          <a:p>
+            <a:pPr marL="446088" lvl="5" indent="-263525"/>
+            <a:endParaRPr lang="en-US" sz="1400" dirty="0">
+              <a:latin typeface="Courier New" panose="02070309020205020404" pitchFamily="49" charset="0"/>
+              <a:cs typeface="Courier New" panose="02070309020205020404" pitchFamily="49" charset="0"/>
+            </a:endParaRPr>
+          </a:p>
+          <a:p>
+            <a:pPr marL="446088" lvl="5" indent="-263525"/>
+            <a:r>
+              <a:rPr lang="en-US" sz="1400" dirty="0">
+                <a:latin typeface="Courier New" panose="02070309020205020404" pitchFamily="49" charset="0"/>
+                <a:cs typeface="Courier New" panose="02070309020205020404" pitchFamily="49" charset="0"/>
+              </a:rPr>
+              <a:t>}</a:t>
+            </a:r>
+          </a:p>
+          <a:p>
+            <a:pPr marL="446088" lvl="5" indent="-263525"/>
+            <a:endParaRPr lang="en-US" sz="1400" dirty="0">
+              <a:latin typeface="Courier New" panose="02070309020205020404" pitchFamily="49" charset="0"/>
+              <a:cs typeface="Courier New" panose="02070309020205020404" pitchFamily="49" charset="0"/>
+            </a:endParaRPr>
+          </a:p>
+          <a:p>
+            <a:pPr marL="446088" lvl="5" indent="-263525"/>
+            <a:r>
+              <a:rPr lang="en-US" sz="1400" dirty="0">
+                <a:latin typeface="Courier New" panose="02070309020205020404" pitchFamily="49" charset="0"/>
+                <a:cs typeface="Courier New" panose="02070309020205020404" pitchFamily="49" charset="0"/>
+              </a:rPr>
+              <a:t>redeem(</a:t>
+            </a:r>
+            <a:r>
+              <a:rPr lang="en-US" sz="1400" dirty="0" err="1">
+                <a:latin typeface="Courier New" panose="02070309020205020404" pitchFamily="49" charset="0"/>
+                <a:cs typeface="Courier New" panose="02070309020205020404" pitchFamily="49" charset="0"/>
+              </a:rPr>
+              <a:t>ctx</a:t>
+            </a:r>
+            <a:r>
+              <a:rPr lang="en-US" sz="1400" dirty="0">
+                <a:latin typeface="Courier New" panose="02070309020205020404" pitchFamily="49" charset="0"/>
+                <a:cs typeface="Courier New" panose="02070309020205020404" pitchFamily="49" charset="0"/>
+              </a:rPr>
+              <a:t>, issuer, </a:t>
+            </a:r>
+            <a:r>
+              <a:rPr lang="en-US" sz="1400" dirty="0" err="1">
+                <a:latin typeface="Courier New" panose="02070309020205020404" pitchFamily="49" charset="0"/>
+                <a:cs typeface="Courier New" panose="02070309020205020404" pitchFamily="49" charset="0"/>
+              </a:rPr>
+              <a:t>paperNumber</a:t>
+            </a:r>
+            <a:r>
+              <a:rPr lang="en-US" sz="1400" dirty="0">
+                <a:latin typeface="Courier New" panose="02070309020205020404" pitchFamily="49" charset="0"/>
+                <a:cs typeface="Courier New" panose="02070309020205020404" pitchFamily="49" charset="0"/>
+              </a:rPr>
+              <a:t>...) {</a:t>
+            </a:r>
+          </a:p>
+          <a:p>
+            <a:pPr marL="446088" lvl="5" indent="-263525"/>
+            <a:endParaRPr lang="en-US" sz="1400" dirty="0">
+              <a:latin typeface="Courier New" panose="02070309020205020404" pitchFamily="49" charset="0"/>
+              <a:cs typeface="Courier New" panose="02070309020205020404" pitchFamily="49" charset="0"/>
+            </a:endParaRPr>
+          </a:p>
+          <a:p>
+            <a:pPr marL="446088" lvl="5" indent="-263525"/>
+            <a:r>
+              <a:rPr lang="en-US" sz="1400" dirty="0">
+                <a:latin typeface="Courier New" panose="02070309020205020404" pitchFamily="49" charset="0"/>
+                <a:cs typeface="Courier New" panose="02070309020205020404" pitchFamily="49" charset="0"/>
+              </a:rPr>
+              <a:t>}</a:t>
+            </a:r>
+          </a:p>
+          <a:p>
+            <a:endParaRPr lang="en-US" sz="1400" dirty="0">
+              <a:latin typeface="Courier New" panose="02070309020205020404" pitchFamily="49" charset="0"/>
+              <a:cs typeface="Courier New" panose="02070309020205020404" pitchFamily="49" charset="0"/>
+            </a:endParaRPr>
+          </a:p>
+          <a:p>
+            <a:r>
+              <a:rPr lang="en-US" sz="1400" dirty="0">
+                <a:latin typeface="Courier New" panose="02070309020205020404" pitchFamily="49" charset="0"/>
+                <a:cs typeface="Courier New" panose="02070309020205020404" pitchFamily="49" charset="0"/>
+              </a:rPr>
+              <a:t>}</a:t>
+            </a:r>
+          </a:p>
+        </p:txBody>
+      </p:sp>
+      <p:sp>
+        <p:nvSpPr>
+          <p:cNvPr id="3" name="TextBox 2">
+            <a:extLst>
+              <a:ext uri="{FF2B5EF4-FFF2-40B4-BE49-F238E27FC236}">
+                <a16:creationId xmlns:a16="http://schemas.microsoft.com/office/drawing/2014/main" id="{34FE2358-5624-1A47-AC0C-4F3504898D45}"/>
               </a:ext>
             </a:extLst>
           </p:cNvPr>
@@ -5017,8 +6399,8 @@
         </p:nvSpPr>
         <p:spPr>
           <a:xfrm>
-            <a:off x="7324950" y="2517182"/>
-            <a:ext cx="529951" cy="253914"/>
+            <a:off x="2062972" y="2098406"/>
+            <a:ext cx="1273745" cy="307775"/>
           </a:xfrm>
           <a:prstGeom prst="rect">
             <a:avLst/>
@@ -5066,7 +6448,1625 @@
               <a:tabLst/>
             </a:pPr>
             <a:r>
-              <a:rPr kumimoji="0" lang="en-US" sz="1050" b="0" i="0" u="none" strike="noStrike" cap="none" spc="0" normalizeH="0" baseline="0" dirty="0">
+              <a:rPr kumimoji="0" lang="en-US" sz="1400" b="0" i="0" u="none" strike="noStrike" cap="none" spc="0" normalizeH="0" baseline="0" dirty="0">
+                <a:ln>
+                  <a:noFill/>
+                </a:ln>
+                <a:solidFill>
+                  <a:srgbClr val="000000"/>
+                </a:solidFill>
+                <a:effectLst/>
+                <a:uFillTx/>
+                <a:latin typeface="Courier New" panose="02070309020205020404" pitchFamily="49" charset="0"/>
+                <a:cs typeface="Courier New" panose="02070309020205020404" pitchFamily="49" charset="0"/>
+                <a:sym typeface="Calibri"/>
+              </a:rPr>
+              <a:t>Application</a:t>
+            </a:r>
+          </a:p>
+        </p:txBody>
+      </p:sp>
+      <p:sp>
+        <p:nvSpPr>
+          <p:cNvPr id="42" name="TextBox 41">
+            <a:extLst>
+              <a:ext uri="{FF2B5EF4-FFF2-40B4-BE49-F238E27FC236}">
+                <a16:creationId xmlns:a16="http://schemas.microsoft.com/office/drawing/2014/main" id="{082D351F-8819-664B-922A-5F3CC88EA626}"/>
+              </a:ext>
+            </a:extLst>
+          </p:cNvPr>
+          <p:cNvSpPr txBox="1"/>
+          <p:nvPr/>
+        </p:nvSpPr>
+        <p:spPr>
+          <a:xfrm>
+            <a:off x="6232924" y="2098407"/>
+            <a:ext cx="1595948" cy="307775"/>
+          </a:xfrm>
+          <a:prstGeom prst="rect">
+            <a:avLst/>
+          </a:prstGeom>
+          <a:noFill/>
+          <a:ln w="12700" cap="flat">
+            <a:noFill/>
+            <a:miter lim="400000"/>
+          </a:ln>
+          <a:effectLst/>
+          <a:sp3d/>
+        </p:spPr>
+        <p:style>
+          <a:lnRef idx="0">
+            <a:scrgbClr r="0" g="0" b="0"/>
+          </a:lnRef>
+          <a:fillRef idx="0">
+            <a:scrgbClr r="0" g="0" b="0"/>
+          </a:fillRef>
+          <a:effectRef idx="0">
+            <a:scrgbClr r="0" g="0" b="0"/>
+          </a:effectRef>
+          <a:fontRef idx="none"/>
+        </p:style>
+        <p:txBody>
+          <a:bodyPr rot="0" spcFirstLastPara="1" vertOverflow="overflow" horzOverflow="overflow" vert="horz" wrap="none" lIns="45719" tIns="45719" rIns="45719" bIns="45719" numCol="1" spcCol="38100" rtlCol="0" anchor="t">
+            <a:spAutoFit/>
+          </a:bodyPr>
+          <a:lstStyle/>
+          <a:p>
+            <a:pPr marL="0" marR="0" indent="0" defTabSz="914400" rtl="0" fontAlgn="auto" latinLnBrk="0" hangingPunct="0">
+              <a:lnSpc>
+                <a:spcPct val="100000"/>
+              </a:lnSpc>
+              <a:spcBef>
+                <a:spcPts val="0"/>
+              </a:spcBef>
+              <a:spcAft>
+                <a:spcPts val="0"/>
+              </a:spcAft>
+              <a:buClrTx/>
+              <a:buSzTx/>
+              <a:buFontTx/>
+              <a:buNone/>
+              <a:tabLst/>
+            </a:pPr>
+            <a:r>
+              <a:rPr kumimoji="0" lang="en-US" sz="1400" b="0" i="0" u="none" strike="noStrike" cap="none" spc="0" normalizeH="0" baseline="0">
+                <a:ln>
+                  <a:noFill/>
+                </a:ln>
+                <a:solidFill>
+                  <a:srgbClr val="000000"/>
+                </a:solidFill>
+                <a:effectLst/>
+                <a:uFillTx/>
+                <a:latin typeface="Courier New" panose="02070309020205020404" pitchFamily="49" charset="0"/>
+                <a:cs typeface="Courier New" panose="02070309020205020404" pitchFamily="49" charset="0"/>
+                <a:sym typeface="Calibri"/>
+              </a:rPr>
+              <a:t>Smart Contract</a:t>
+            </a:r>
+            <a:endParaRPr kumimoji="0" lang="en-US" sz="1400" b="0" i="0" u="none" strike="noStrike" cap="none" spc="0" normalizeH="0" baseline="0" dirty="0">
+              <a:ln>
+                <a:noFill/>
+              </a:ln>
+              <a:solidFill>
+                <a:srgbClr val="000000"/>
+              </a:solidFill>
+              <a:effectLst/>
+              <a:uFillTx/>
+              <a:latin typeface="Courier New" panose="02070309020205020404" pitchFamily="49" charset="0"/>
+              <a:cs typeface="Courier New" panose="02070309020205020404" pitchFamily="49" charset="0"/>
+              <a:sym typeface="Calibri"/>
+            </a:endParaRPr>
+          </a:p>
+        </p:txBody>
+      </p:sp>
+      <p:cxnSp>
+        <p:nvCxnSpPr>
+          <p:cNvPr id="9" name="Elbow Connector 8">
+            <a:extLst>
+              <a:ext uri="{FF2B5EF4-FFF2-40B4-BE49-F238E27FC236}">
+                <a16:creationId xmlns:a16="http://schemas.microsoft.com/office/drawing/2014/main" id="{A83A5B0E-F6F6-9C42-8403-3EFCAF32DE85}"/>
+              </a:ext>
+            </a:extLst>
+          </p:cNvPr>
+          <p:cNvCxnSpPr>
+            <a:cxnSpLocks/>
+          </p:cNvCxnSpPr>
+          <p:nvPr/>
+        </p:nvCxnSpPr>
+        <p:spPr>
+          <a:xfrm rot="5400000" flipH="1" flipV="1">
+            <a:off x="5343702" y="3622996"/>
+            <a:ext cx="1671157" cy="498801"/>
+          </a:xfrm>
+          <a:prstGeom prst="bentConnector3">
+            <a:avLst>
+              <a:gd name="adj1" fmla="val 99845"/>
+            </a:avLst>
+          </a:prstGeom>
+          <a:noFill/>
+          <a:ln w="12700" cap="flat">
+            <a:solidFill>
+              <a:schemeClr val="tx1"/>
+            </a:solidFill>
+            <a:prstDash val="dash"/>
+            <a:miter lim="800000"/>
+            <a:tailEnd type="triangle"/>
+          </a:ln>
+          <a:effectLst/>
+          <a:sp3d/>
+        </p:spPr>
+        <p:style>
+          <a:lnRef idx="0">
+            <a:scrgbClr r="0" g="0" b="0"/>
+          </a:lnRef>
+          <a:fillRef idx="0">
+            <a:scrgbClr r="0" g="0" b="0"/>
+          </a:fillRef>
+          <a:effectRef idx="0">
+            <a:scrgbClr r="0" g="0" b="0"/>
+          </a:effectRef>
+          <a:fontRef idx="none"/>
+        </p:style>
+      </p:cxnSp>
+      <p:cxnSp>
+        <p:nvCxnSpPr>
+          <p:cNvPr id="25" name="Straight Connector 24">
+            <a:extLst>
+              <a:ext uri="{FF2B5EF4-FFF2-40B4-BE49-F238E27FC236}">
+                <a16:creationId xmlns:a16="http://schemas.microsoft.com/office/drawing/2014/main" id="{252B7A7D-5BE7-E140-87A3-E38F64BD0F0E}"/>
+              </a:ext>
+            </a:extLst>
+          </p:cNvPr>
+          <p:cNvCxnSpPr>
+            <a:cxnSpLocks/>
+          </p:cNvCxnSpPr>
+          <p:nvPr/>
+        </p:nvCxnSpPr>
+        <p:spPr>
+          <a:xfrm>
+            <a:off x="4868282" y="4740058"/>
+            <a:ext cx="1061598" cy="0"/>
+          </a:xfrm>
+          <a:prstGeom prst="line">
+            <a:avLst/>
+          </a:prstGeom>
+          <a:noFill/>
+          <a:ln w="12700" cap="flat">
+            <a:solidFill>
+              <a:schemeClr val="tx1"/>
+            </a:solidFill>
+            <a:prstDash val="dash"/>
+            <a:miter lim="800000"/>
+          </a:ln>
+          <a:effectLst/>
+          <a:sp3d/>
+        </p:spPr>
+        <p:style>
+          <a:lnRef idx="0">
+            <a:scrgbClr r="0" g="0" b="0"/>
+          </a:lnRef>
+          <a:fillRef idx="0">
+            <a:scrgbClr r="0" g="0" b="0"/>
+          </a:fillRef>
+          <a:effectRef idx="0">
+            <a:scrgbClr r="0" g="0" b="0"/>
+          </a:effectRef>
+          <a:fontRef idx="none"/>
+        </p:style>
+      </p:cxnSp>
+      <p:cxnSp>
+        <p:nvCxnSpPr>
+          <p:cNvPr id="60" name="Elbow Connector 59">
+            <a:extLst>
+              <a:ext uri="{FF2B5EF4-FFF2-40B4-BE49-F238E27FC236}">
+                <a16:creationId xmlns:a16="http://schemas.microsoft.com/office/drawing/2014/main" id="{4F17EFE0-373E-674E-BE1C-6D3DE4B2244A}"/>
+              </a:ext>
+            </a:extLst>
+          </p:cNvPr>
+          <p:cNvCxnSpPr>
+            <a:cxnSpLocks/>
+            <a:endCxn id="57" idx="2"/>
+          </p:cNvCxnSpPr>
+          <p:nvPr/>
+        </p:nvCxnSpPr>
+        <p:spPr>
+          <a:xfrm rot="5400000" flipH="1" flipV="1">
+            <a:off x="5375955" y="4178899"/>
+            <a:ext cx="1703595" cy="275989"/>
+          </a:xfrm>
+          <a:prstGeom prst="bentConnector2">
+            <a:avLst/>
+          </a:prstGeom>
+          <a:noFill/>
+          <a:ln w="12700" cap="flat">
+            <a:solidFill>
+              <a:schemeClr val="tx1"/>
+            </a:solidFill>
+            <a:prstDash val="dash"/>
+            <a:miter lim="800000"/>
+            <a:headEnd type="none"/>
+            <a:tailEnd type="none"/>
+          </a:ln>
+          <a:effectLst/>
+          <a:sp3d/>
+        </p:spPr>
+        <p:style>
+          <a:lnRef idx="0">
+            <a:scrgbClr r="0" g="0" b="0"/>
+          </a:lnRef>
+          <a:fillRef idx="0">
+            <a:scrgbClr r="0" g="0" b="0"/>
+          </a:fillRef>
+          <a:effectRef idx="0">
+            <a:scrgbClr r="0" g="0" b="0"/>
+          </a:effectRef>
+          <a:fontRef idx="none"/>
+        </p:style>
+      </p:cxnSp>
+      <p:cxnSp>
+        <p:nvCxnSpPr>
+          <p:cNvPr id="64" name="Straight Connector 63">
+            <a:extLst>
+              <a:ext uri="{FF2B5EF4-FFF2-40B4-BE49-F238E27FC236}">
+                <a16:creationId xmlns:a16="http://schemas.microsoft.com/office/drawing/2014/main" id="{0B13CFF1-40F4-CE47-984F-DFFA27B28ADA}"/>
+              </a:ext>
+            </a:extLst>
+          </p:cNvPr>
+          <p:cNvCxnSpPr>
+            <a:cxnSpLocks/>
+          </p:cNvCxnSpPr>
+          <p:nvPr/>
+        </p:nvCxnSpPr>
+        <p:spPr>
+          <a:xfrm flipV="1">
+            <a:off x="4808887" y="5168694"/>
+            <a:ext cx="1280871" cy="1"/>
+          </a:xfrm>
+          <a:prstGeom prst="line">
+            <a:avLst/>
+          </a:prstGeom>
+          <a:noFill/>
+          <a:ln w="12700" cap="flat">
+            <a:solidFill>
+              <a:schemeClr val="tx1"/>
+            </a:solidFill>
+            <a:prstDash val="dash"/>
+            <a:miter lim="800000"/>
+            <a:headEnd type="triangle"/>
+            <a:tailEnd type="none"/>
+          </a:ln>
+          <a:effectLst/>
+          <a:sp3d/>
+        </p:spPr>
+        <p:style>
+          <a:lnRef idx="0">
+            <a:scrgbClr r="0" g="0" b="0"/>
+          </a:lnRef>
+          <a:fillRef idx="0">
+            <a:scrgbClr r="0" g="0" b="0"/>
+          </a:fillRef>
+          <a:effectRef idx="0">
+            <a:scrgbClr r="0" g="0" b="0"/>
+          </a:effectRef>
+          <a:fontRef idx="none"/>
+        </p:style>
+      </p:cxnSp>
+      <p:sp>
+        <p:nvSpPr>
+          <p:cNvPr id="57" name="Oval 56">
+            <a:extLst>
+              <a:ext uri="{FF2B5EF4-FFF2-40B4-BE49-F238E27FC236}">
+                <a16:creationId xmlns:a16="http://schemas.microsoft.com/office/drawing/2014/main" id="{ECA4D455-D09D-7244-BB14-33132B123CC9}"/>
+              </a:ext>
+            </a:extLst>
+          </p:cNvPr>
+          <p:cNvSpPr/>
+          <p:nvPr/>
+        </p:nvSpPr>
+        <p:spPr>
+          <a:xfrm>
+            <a:off x="6365747" y="3433011"/>
+            <a:ext cx="64168" cy="64168"/>
+          </a:xfrm>
+          <a:prstGeom prst="ellipse">
+            <a:avLst/>
+          </a:prstGeom>
+          <a:solidFill>
+            <a:schemeClr val="tx1"/>
+          </a:solidFill>
+          <a:ln w="12700" cap="flat">
+            <a:solidFill>
+              <a:schemeClr val="tx1"/>
+            </a:solidFill>
+            <a:prstDash val="solid"/>
+            <a:miter lim="800000"/>
+          </a:ln>
+          <a:effectLst/>
+          <a:sp3d/>
+        </p:spPr>
+        <p:style>
+          <a:lnRef idx="0">
+            <a:scrgbClr r="0" g="0" b="0"/>
+          </a:lnRef>
+          <a:fillRef idx="0">
+            <a:scrgbClr r="0" g="0" b="0"/>
+          </a:fillRef>
+          <a:effectRef idx="0">
+            <a:scrgbClr r="0" g="0" b="0"/>
+          </a:effectRef>
+          <a:fontRef idx="none"/>
+        </p:style>
+        <p:txBody>
+          <a:bodyPr rot="0" spcFirstLastPara="1" vertOverflow="overflow" horzOverflow="overflow" vert="horz" wrap="square" lIns="45719" tIns="45719" rIns="45719" bIns="45719" numCol="1" spcCol="38100" rtlCol="0" anchor="ctr">
+            <a:spAutoFit/>
+          </a:bodyPr>
+          <a:lstStyle/>
+          <a:p>
+            <a:pPr marL="0" marR="0" indent="0" algn="l" defTabSz="914400" rtl="0" fontAlgn="auto" latinLnBrk="0" hangingPunct="0">
+              <a:lnSpc>
+                <a:spcPct val="100000"/>
+              </a:lnSpc>
+              <a:spcBef>
+                <a:spcPts val="0"/>
+              </a:spcBef>
+              <a:spcAft>
+                <a:spcPts val="0"/>
+              </a:spcAft>
+              <a:buClrTx/>
+              <a:buSzTx/>
+              <a:buFontTx/>
+              <a:buNone/>
+              <a:tabLst/>
+            </a:pPr>
+            <a:endParaRPr kumimoji="0" lang="en-US" sz="1800" b="0" i="0" u="none" strike="noStrike" cap="none" spc="0" normalizeH="0" baseline="0">
+              <a:ln>
+                <a:noFill/>
+              </a:ln>
+              <a:solidFill>
+                <a:srgbClr val="000000"/>
+              </a:solidFill>
+              <a:effectLst/>
+              <a:uFillTx/>
+              <a:latin typeface="+mn-lt"/>
+              <a:ea typeface="+mn-ea"/>
+              <a:cs typeface="+mn-cs"/>
+              <a:sym typeface="Calibri"/>
+            </a:endParaRPr>
+          </a:p>
+        </p:txBody>
+      </p:sp>
+      <p:sp>
+        <p:nvSpPr>
+          <p:cNvPr id="73" name="Oval 72">
+            <a:extLst>
+              <a:ext uri="{FF2B5EF4-FFF2-40B4-BE49-F238E27FC236}">
+                <a16:creationId xmlns:a16="http://schemas.microsoft.com/office/drawing/2014/main" id="{DD6C0881-3CF2-C04C-91DC-33B9110B6817}"/>
+              </a:ext>
+            </a:extLst>
+          </p:cNvPr>
+          <p:cNvSpPr/>
+          <p:nvPr/>
+        </p:nvSpPr>
+        <p:spPr>
+          <a:xfrm>
+            <a:off x="4808887" y="4707974"/>
+            <a:ext cx="64168" cy="64168"/>
+          </a:xfrm>
+          <a:prstGeom prst="ellipse">
+            <a:avLst/>
+          </a:prstGeom>
+          <a:solidFill>
+            <a:schemeClr val="tx1"/>
+          </a:solidFill>
+          <a:ln w="12700" cap="flat">
+            <a:solidFill>
+              <a:schemeClr val="tx1"/>
+            </a:solidFill>
+            <a:prstDash val="solid"/>
+            <a:miter lim="800000"/>
+          </a:ln>
+          <a:effectLst/>
+          <a:sp3d/>
+        </p:spPr>
+        <p:style>
+          <a:lnRef idx="0">
+            <a:scrgbClr r="0" g="0" b="0"/>
+          </a:lnRef>
+          <a:fillRef idx="0">
+            <a:scrgbClr r="0" g="0" b="0"/>
+          </a:fillRef>
+          <a:effectRef idx="0">
+            <a:scrgbClr r="0" g="0" b="0"/>
+          </a:effectRef>
+          <a:fontRef idx="none"/>
+        </p:style>
+        <p:txBody>
+          <a:bodyPr rot="0" spcFirstLastPara="1" vertOverflow="overflow" horzOverflow="overflow" vert="horz" wrap="square" lIns="45719" tIns="45719" rIns="45719" bIns="45719" numCol="1" spcCol="38100" rtlCol="0" anchor="ctr">
+            <a:spAutoFit/>
+          </a:bodyPr>
+          <a:lstStyle/>
+          <a:p>
+            <a:pPr marL="0" marR="0" indent="0" algn="l" defTabSz="914400" rtl="0" fontAlgn="auto" latinLnBrk="0" hangingPunct="0">
+              <a:lnSpc>
+                <a:spcPct val="100000"/>
+              </a:lnSpc>
+              <a:spcBef>
+                <a:spcPts val="0"/>
+              </a:spcBef>
+              <a:spcAft>
+                <a:spcPts val="0"/>
+              </a:spcAft>
+              <a:buClrTx/>
+              <a:buSzTx/>
+              <a:buFontTx/>
+              <a:buNone/>
+              <a:tabLst/>
+            </a:pPr>
+            <a:endParaRPr kumimoji="0" lang="en-US" sz="1800" b="0" i="0" u="none" strike="noStrike" cap="none" spc="0" normalizeH="0" baseline="0">
+              <a:ln>
+                <a:noFill/>
+              </a:ln>
+              <a:solidFill>
+                <a:srgbClr val="000000"/>
+              </a:solidFill>
+              <a:effectLst/>
+              <a:uFillTx/>
+              <a:latin typeface="+mn-lt"/>
+              <a:ea typeface="+mn-ea"/>
+              <a:cs typeface="+mn-cs"/>
+              <a:sym typeface="Calibri"/>
+            </a:endParaRPr>
+          </a:p>
+        </p:txBody>
+      </p:sp>
+      <p:sp>
+        <p:nvSpPr>
+          <p:cNvPr id="2" name="Rectangle 1">
+            <a:extLst>
+              <a:ext uri="{FF2B5EF4-FFF2-40B4-BE49-F238E27FC236}">
+                <a16:creationId xmlns:a16="http://schemas.microsoft.com/office/drawing/2014/main" id="{9FC76C76-BE0F-0E4D-A78F-8E51A81539B0}"/>
+              </a:ext>
+            </a:extLst>
+          </p:cNvPr>
+          <p:cNvSpPr/>
+          <p:nvPr/>
+        </p:nvSpPr>
+        <p:spPr>
+          <a:xfrm>
+            <a:off x="5620170" y="2406182"/>
+            <a:ext cx="164906" cy="3376997"/>
+          </a:xfrm>
+          <a:prstGeom prst="rect">
+            <a:avLst/>
+          </a:prstGeom>
+          <a:pattFill prst="ltDnDiag">
+            <a:fgClr>
+              <a:schemeClr val="tx1"/>
+            </a:fgClr>
+            <a:bgClr>
+              <a:schemeClr val="bg1"/>
+            </a:bgClr>
+          </a:pattFill>
+          <a:ln w="12700" cap="flat">
+            <a:solidFill>
+              <a:schemeClr val="tx1"/>
+            </a:solidFill>
+            <a:prstDash val="solid"/>
+            <a:miter lim="800000"/>
+          </a:ln>
+          <a:effectLst/>
+          <a:sp3d/>
+        </p:spPr>
+        <p:style>
+          <a:lnRef idx="0">
+            <a:scrgbClr r="0" g="0" b="0"/>
+          </a:lnRef>
+          <a:fillRef idx="0">
+            <a:scrgbClr r="0" g="0" b="0"/>
+          </a:fillRef>
+          <a:effectRef idx="0">
+            <a:scrgbClr r="0" g="0" b="0"/>
+          </a:effectRef>
+          <a:fontRef idx="none"/>
+        </p:style>
+        <p:txBody>
+          <a:bodyPr rot="0" spcFirstLastPara="1" vertOverflow="overflow" horzOverflow="overflow" vert="horz" wrap="square" lIns="45719" tIns="45719" rIns="45719" bIns="45719" numCol="1" spcCol="38100" rtlCol="0" anchor="ctr">
+            <a:spAutoFit/>
+          </a:bodyPr>
+          <a:lstStyle/>
+          <a:p>
+            <a:pPr marL="0" marR="0" indent="0" algn="l" defTabSz="914400" rtl="0" fontAlgn="auto" latinLnBrk="0" hangingPunct="0">
+              <a:lnSpc>
+                <a:spcPct val="100000"/>
+              </a:lnSpc>
+              <a:spcBef>
+                <a:spcPts val="0"/>
+              </a:spcBef>
+              <a:spcAft>
+                <a:spcPts val="0"/>
+              </a:spcAft>
+              <a:buClrTx/>
+              <a:buSzTx/>
+              <a:buFontTx/>
+              <a:buNone/>
+              <a:tabLst/>
+            </a:pPr>
+            <a:endParaRPr kumimoji="0" lang="en-US" sz="1800" b="0" i="0" u="none" strike="noStrike" cap="none" spc="0" normalizeH="0" baseline="0">
+              <a:ln>
+                <a:noFill/>
+              </a:ln>
+              <a:solidFill>
+                <a:srgbClr val="000000"/>
+              </a:solidFill>
+              <a:effectLst/>
+              <a:uFillTx/>
+              <a:latin typeface="+mn-lt"/>
+              <a:ea typeface="+mn-ea"/>
+              <a:cs typeface="+mn-cs"/>
+              <a:sym typeface="Calibri"/>
+            </a:endParaRPr>
+          </a:p>
+        </p:txBody>
+      </p:sp>
+      <p:sp>
+        <p:nvSpPr>
+          <p:cNvPr id="15" name="TextBox 14">
+            <a:extLst>
+              <a:ext uri="{FF2B5EF4-FFF2-40B4-BE49-F238E27FC236}">
+                <a16:creationId xmlns:a16="http://schemas.microsoft.com/office/drawing/2014/main" id="{5E8A4190-998A-BE4A-AD75-A5DC9D8C0548}"/>
+              </a:ext>
+            </a:extLst>
+          </p:cNvPr>
+          <p:cNvSpPr txBox="1"/>
+          <p:nvPr/>
+        </p:nvSpPr>
+        <p:spPr>
+          <a:xfrm>
+            <a:off x="5393965" y="2098406"/>
+            <a:ext cx="414535" cy="307775"/>
+          </a:xfrm>
+          <a:prstGeom prst="rect">
+            <a:avLst/>
+          </a:prstGeom>
+          <a:noFill/>
+          <a:ln w="12700" cap="flat">
+            <a:noFill/>
+            <a:miter lim="400000"/>
+          </a:ln>
+          <a:effectLst/>
+          <a:sp3d/>
+        </p:spPr>
+        <p:style>
+          <a:lnRef idx="0">
+            <a:scrgbClr r="0" g="0" b="0"/>
+          </a:lnRef>
+          <a:fillRef idx="0">
+            <a:scrgbClr r="0" g="0" b="0"/>
+          </a:fillRef>
+          <a:effectRef idx="0">
+            <a:scrgbClr r="0" g="0" b="0"/>
+          </a:effectRef>
+          <a:fontRef idx="none"/>
+        </p:style>
+        <p:txBody>
+          <a:bodyPr rot="0" spcFirstLastPara="1" vertOverflow="overflow" horzOverflow="overflow" vert="horz" wrap="none" lIns="45719" tIns="45719" rIns="45719" bIns="45719" numCol="1" spcCol="38100" rtlCol="0" anchor="t">
+            <a:spAutoFit/>
+          </a:bodyPr>
+          <a:lstStyle/>
+          <a:p>
+            <a:pPr marL="0" marR="0" indent="0" algn="ctr" defTabSz="914400" rtl="0" fontAlgn="auto" latinLnBrk="0" hangingPunct="0">
+              <a:lnSpc>
+                <a:spcPct val="100000"/>
+              </a:lnSpc>
+              <a:spcBef>
+                <a:spcPts val="0"/>
+              </a:spcBef>
+              <a:spcAft>
+                <a:spcPts val="0"/>
+              </a:spcAft>
+              <a:buClrTx/>
+              <a:buSzTx/>
+              <a:buFontTx/>
+              <a:buNone/>
+              <a:tabLst/>
+            </a:pPr>
+            <a:r>
+              <a:rPr kumimoji="0" lang="en-US" sz="1400" b="0" i="0" u="none" strike="noStrike" cap="none" spc="0" normalizeH="0" baseline="0">
+                <a:ln>
+                  <a:noFill/>
+                </a:ln>
+                <a:solidFill>
+                  <a:srgbClr val="000000"/>
+                </a:solidFill>
+                <a:effectLst/>
+                <a:uFillTx/>
+                <a:latin typeface="Courier New" panose="02070309020205020404" pitchFamily="49" charset="0"/>
+                <a:cs typeface="Courier New" panose="02070309020205020404" pitchFamily="49" charset="0"/>
+                <a:sym typeface="Calibri"/>
+              </a:rPr>
+              <a:t>SDK</a:t>
+            </a:r>
+            <a:endParaRPr kumimoji="0" lang="en-US" sz="1400" b="0" i="0" u="none" strike="noStrike" cap="none" spc="0" normalizeH="0" baseline="0" dirty="0">
+              <a:ln>
+                <a:noFill/>
+              </a:ln>
+              <a:solidFill>
+                <a:srgbClr val="000000"/>
+              </a:solidFill>
+              <a:effectLst/>
+              <a:uFillTx/>
+              <a:latin typeface="Courier New" panose="02070309020205020404" pitchFamily="49" charset="0"/>
+              <a:cs typeface="Courier New" panose="02070309020205020404" pitchFamily="49" charset="0"/>
+              <a:sym typeface="Calibri"/>
+            </a:endParaRPr>
+          </a:p>
+        </p:txBody>
+      </p:sp>
+    </p:spTree>
+    <p:extLst>
+      <p:ext uri="{BB962C8B-B14F-4D97-AF65-F5344CB8AC3E}">
+        <p14:creationId xmlns:p14="http://schemas.microsoft.com/office/powerpoint/2010/main" val="946263327"/>
+      </p:ext>
+    </p:extLst>
+  </p:cSld>
+  <p:clrMapOvr>
+    <a:masterClrMapping/>
+  </p:clrMapOvr>
+  <p:transition spd="med"/>
+</p:sld>
+</file>
+
+<file path=ppt/slides/slide5.xml><?xml version="1.0" encoding="utf-8"?>
+<p:sld xmlns:a="http://schemas.openxmlformats.org/drawingml/2006/main" xmlns:r="http://schemas.openxmlformats.org/officeDocument/2006/relationships" xmlns:p="http://schemas.openxmlformats.org/presentationml/2006/main">
+  <p:cSld>
+    <p:spTree>
+      <p:nvGrpSpPr>
+        <p:cNvPr id="1" name=""/>
+        <p:cNvGrpSpPr/>
+        <p:nvPr/>
+      </p:nvGrpSpPr>
+      <p:grpSpPr>
+        <a:xfrm>
+          <a:off x="0" y="0"/>
+          <a:ext cx="0" cy="0"/>
+          <a:chOff x="0" y="0"/>
+          <a:chExt cx="0" cy="0"/>
+        </a:xfrm>
+      </p:grpSpPr>
+      <p:sp>
+        <p:nvSpPr>
+          <p:cNvPr id="2" name="Title 1">
+            <a:extLst>
+              <a:ext uri="{FF2B5EF4-FFF2-40B4-BE49-F238E27FC236}">
+                <a16:creationId xmlns:a16="http://schemas.microsoft.com/office/drawing/2014/main" id="{B7D5D817-B226-6443-8C29-A029CFE04230}"/>
+              </a:ext>
+            </a:extLst>
+          </p:cNvPr>
+          <p:cNvSpPr>
+            <a:spLocks noGrp="1"/>
+          </p:cNvSpPr>
+          <p:nvPr>
+            <p:ph type="title"/>
+          </p:nvPr>
+        </p:nvSpPr>
+        <p:spPr/>
+        <p:txBody>
+          <a:bodyPr/>
+          <a:lstStyle/>
+          <a:p>
+            <a:endParaRPr lang="en-US"/>
+          </a:p>
+        </p:txBody>
+      </p:sp>
+      <p:sp>
+        <p:nvSpPr>
+          <p:cNvPr id="3" name="Text Placeholder 2">
+            <a:extLst>
+              <a:ext uri="{FF2B5EF4-FFF2-40B4-BE49-F238E27FC236}">
+                <a16:creationId xmlns:a16="http://schemas.microsoft.com/office/drawing/2014/main" id="{D37E43E3-1EA5-CA45-BA82-379ED9EBF46D}"/>
+              </a:ext>
+            </a:extLst>
+          </p:cNvPr>
+          <p:cNvSpPr>
+            <a:spLocks noGrp="1"/>
+          </p:cNvSpPr>
+          <p:nvPr>
+            <p:ph type="body" idx="1"/>
+          </p:nvPr>
+        </p:nvSpPr>
+        <p:spPr/>
+        <p:txBody>
+          <a:bodyPr/>
+          <a:lstStyle/>
+          <a:p>
+            <a:endParaRPr lang="en-US"/>
+          </a:p>
+        </p:txBody>
+      </p:sp>
+      <p:grpSp>
+        <p:nvGrpSpPr>
+          <p:cNvPr id="21" name="Group 20">
+            <a:extLst>
+              <a:ext uri="{FF2B5EF4-FFF2-40B4-BE49-F238E27FC236}">
+                <a16:creationId xmlns:a16="http://schemas.microsoft.com/office/drawing/2014/main" id="{8F460694-B6CD-0142-A470-AAE29D1C4254}"/>
+              </a:ext>
+            </a:extLst>
+          </p:cNvPr>
+          <p:cNvGrpSpPr/>
+          <p:nvPr/>
+        </p:nvGrpSpPr>
+        <p:grpSpPr>
+          <a:xfrm>
+            <a:off x="838200" y="2401247"/>
+            <a:ext cx="4652483" cy="3384836"/>
+            <a:chOff x="2434974" y="2514263"/>
+            <a:chExt cx="4652483" cy="3384836"/>
+          </a:xfrm>
+        </p:grpSpPr>
+        <p:sp>
+          <p:nvSpPr>
+            <p:cNvPr id="4" name="Rectangle 3">
+              <a:extLst>
+                <a:ext uri="{FF2B5EF4-FFF2-40B4-BE49-F238E27FC236}">
+                  <a16:creationId xmlns:a16="http://schemas.microsoft.com/office/drawing/2014/main" id="{759EC70D-C543-CB4C-B2E9-759E58B34673}"/>
+                </a:ext>
+              </a:extLst>
+            </p:cNvPr>
+            <p:cNvSpPr/>
+            <p:nvPr/>
+          </p:nvSpPr>
+          <p:spPr>
+            <a:xfrm>
+              <a:off x="2434974" y="3555128"/>
+              <a:ext cx="1479479" cy="369330"/>
+            </a:xfrm>
+            <a:prstGeom prst="rect">
+              <a:avLst/>
+            </a:prstGeom>
+            <a:solidFill>
+              <a:srgbClr val="FFFFFF"/>
+            </a:solidFill>
+            <a:ln w="12700" cap="flat">
+              <a:solidFill>
+                <a:schemeClr val="accent1"/>
+              </a:solidFill>
+              <a:prstDash val="solid"/>
+              <a:miter lim="800000"/>
+            </a:ln>
+            <a:effectLst/>
+            <a:sp3d/>
+          </p:spPr>
+          <p:style>
+            <a:lnRef idx="0">
+              <a:scrgbClr r="0" g="0" b="0"/>
+            </a:lnRef>
+            <a:fillRef idx="0">
+              <a:scrgbClr r="0" g="0" b="0"/>
+            </a:fillRef>
+            <a:effectRef idx="0">
+              <a:scrgbClr r="0" g="0" b="0"/>
+            </a:effectRef>
+            <a:fontRef idx="none"/>
+          </p:style>
+          <p:txBody>
+            <a:bodyPr rot="0" spcFirstLastPara="1" vertOverflow="overflow" horzOverflow="overflow" vert="horz" wrap="square" lIns="45719" tIns="45719" rIns="45719" bIns="45719" numCol="1" spcCol="38100" rtlCol="0" anchor="ctr">
+              <a:spAutoFit/>
+            </a:bodyPr>
+            <a:lstStyle/>
+            <a:p>
+              <a:pPr marL="0" marR="0" indent="0" algn="l" defTabSz="914400" rtl="0" fontAlgn="auto" latinLnBrk="0" hangingPunct="0">
+                <a:lnSpc>
+                  <a:spcPct val="100000"/>
+                </a:lnSpc>
+                <a:spcBef>
+                  <a:spcPts val="0"/>
+                </a:spcBef>
+                <a:spcAft>
+                  <a:spcPts val="0"/>
+                </a:spcAft>
+                <a:buClrTx/>
+                <a:buSzTx/>
+                <a:buFontTx/>
+                <a:buNone/>
+                <a:tabLst/>
+              </a:pPr>
+              <a:r>
+                <a:rPr kumimoji="0" lang="en-US" sz="1800" b="0" i="0" u="none" strike="noStrike" cap="none" spc="0" normalizeH="0" baseline="0">
+                  <a:ln>
+                    <a:noFill/>
+                  </a:ln>
+                  <a:solidFill>
+                    <a:srgbClr val="000000"/>
+                  </a:solidFill>
+                  <a:effectLst/>
+                  <a:uFillTx/>
+                  <a:latin typeface="+mn-lt"/>
+                  <a:ea typeface="+mn-ea"/>
+                  <a:cs typeface="+mn-cs"/>
+                  <a:sym typeface="Calibri"/>
+                </a:rPr>
+                <a:t>App – Org1</a:t>
+              </a:r>
+            </a:p>
+          </p:txBody>
+        </p:sp>
+        <p:sp>
+          <p:nvSpPr>
+            <p:cNvPr id="5" name="Rectangle 4">
+              <a:extLst>
+                <a:ext uri="{FF2B5EF4-FFF2-40B4-BE49-F238E27FC236}">
+                  <a16:creationId xmlns:a16="http://schemas.microsoft.com/office/drawing/2014/main" id="{99C5687F-A459-6C4A-8354-1867BBECE148}"/>
+                </a:ext>
+              </a:extLst>
+            </p:cNvPr>
+            <p:cNvSpPr/>
+            <p:nvPr/>
+          </p:nvSpPr>
+          <p:spPr>
+            <a:xfrm>
+              <a:off x="5957299" y="2514263"/>
+              <a:ext cx="1130158" cy="369330"/>
+            </a:xfrm>
+            <a:prstGeom prst="rect">
+              <a:avLst/>
+            </a:prstGeom>
+            <a:solidFill>
+              <a:srgbClr val="FFFFFF"/>
+            </a:solidFill>
+            <a:ln w="12700" cap="flat">
+              <a:solidFill>
+                <a:schemeClr val="accent1"/>
+              </a:solidFill>
+              <a:prstDash val="solid"/>
+              <a:miter lim="800000"/>
+            </a:ln>
+            <a:effectLst/>
+            <a:sp3d/>
+          </p:spPr>
+          <p:style>
+            <a:lnRef idx="0">
+              <a:scrgbClr r="0" g="0" b="0"/>
+            </a:lnRef>
+            <a:fillRef idx="0">
+              <a:scrgbClr r="0" g="0" b="0"/>
+            </a:fillRef>
+            <a:effectRef idx="0">
+              <a:scrgbClr r="0" g="0" b="0"/>
+            </a:effectRef>
+            <a:fontRef idx="none"/>
+          </p:style>
+          <p:txBody>
+            <a:bodyPr rot="0" spcFirstLastPara="1" vertOverflow="overflow" horzOverflow="overflow" vert="horz" wrap="square" lIns="45719" tIns="45719" rIns="45719" bIns="45719" numCol="1" spcCol="38100" rtlCol="0" anchor="ctr">
+              <a:spAutoFit/>
+            </a:bodyPr>
+            <a:lstStyle/>
+            <a:p>
+              <a:pPr marL="0" marR="0" indent="0" algn="l" defTabSz="914400" rtl="0" fontAlgn="auto" latinLnBrk="0" hangingPunct="0">
+                <a:lnSpc>
+                  <a:spcPct val="100000"/>
+                </a:lnSpc>
+                <a:spcBef>
+                  <a:spcPts val="0"/>
+                </a:spcBef>
+                <a:spcAft>
+                  <a:spcPts val="0"/>
+                </a:spcAft>
+                <a:buClrTx/>
+                <a:buSzTx/>
+                <a:buFontTx/>
+                <a:buNone/>
+                <a:tabLst/>
+              </a:pPr>
+              <a:r>
+                <a:rPr kumimoji="0" lang="en-US" sz="1800" b="0" i="0" u="none" strike="noStrike" cap="none" spc="0" normalizeH="0" baseline="0">
+                  <a:ln>
+                    <a:noFill/>
+                  </a:ln>
+                  <a:solidFill>
+                    <a:srgbClr val="000000"/>
+                  </a:solidFill>
+                  <a:effectLst/>
+                  <a:uFillTx/>
+                  <a:latin typeface="+mn-lt"/>
+                  <a:ea typeface="+mn-ea"/>
+                  <a:cs typeface="+mn-cs"/>
+                  <a:sym typeface="Calibri"/>
+                </a:rPr>
+                <a:t>P1 – Org1</a:t>
+              </a:r>
+            </a:p>
+          </p:txBody>
+        </p:sp>
+        <p:sp>
+          <p:nvSpPr>
+            <p:cNvPr id="6" name="Rectangle 5">
+              <a:extLst>
+                <a:ext uri="{FF2B5EF4-FFF2-40B4-BE49-F238E27FC236}">
+                  <a16:creationId xmlns:a16="http://schemas.microsoft.com/office/drawing/2014/main" id="{C4ACBD77-01A5-A848-8FED-66242C0B883F}"/>
+                </a:ext>
+              </a:extLst>
+            </p:cNvPr>
+            <p:cNvSpPr/>
+            <p:nvPr/>
+          </p:nvSpPr>
+          <p:spPr>
+            <a:xfrm>
+              <a:off x="5957299" y="3370463"/>
+              <a:ext cx="1130158" cy="369330"/>
+            </a:xfrm>
+            <a:prstGeom prst="rect">
+              <a:avLst/>
+            </a:prstGeom>
+            <a:solidFill>
+              <a:srgbClr val="FFFFFF"/>
+            </a:solidFill>
+            <a:ln w="12700" cap="flat">
+              <a:solidFill>
+                <a:schemeClr val="accent1"/>
+              </a:solidFill>
+              <a:prstDash val="solid"/>
+              <a:miter lim="800000"/>
+            </a:ln>
+            <a:effectLst/>
+            <a:sp3d/>
+          </p:spPr>
+          <p:style>
+            <a:lnRef idx="0">
+              <a:scrgbClr r="0" g="0" b="0"/>
+            </a:lnRef>
+            <a:fillRef idx="0">
+              <a:scrgbClr r="0" g="0" b="0"/>
+            </a:fillRef>
+            <a:effectRef idx="0">
+              <a:scrgbClr r="0" g="0" b="0"/>
+            </a:effectRef>
+            <a:fontRef idx="none"/>
+          </p:style>
+          <p:txBody>
+            <a:bodyPr rot="0" spcFirstLastPara="1" vertOverflow="overflow" horzOverflow="overflow" vert="horz" wrap="square" lIns="45719" tIns="45719" rIns="45719" bIns="45719" numCol="1" spcCol="38100" rtlCol="0" anchor="ctr">
+              <a:spAutoFit/>
+            </a:bodyPr>
+            <a:lstStyle/>
+            <a:p>
+              <a:pPr marL="0" marR="0" indent="0" algn="l" defTabSz="914400" rtl="0" fontAlgn="auto" latinLnBrk="0" hangingPunct="0">
+                <a:lnSpc>
+                  <a:spcPct val="100000"/>
+                </a:lnSpc>
+                <a:spcBef>
+                  <a:spcPts val="0"/>
+                </a:spcBef>
+                <a:spcAft>
+                  <a:spcPts val="0"/>
+                </a:spcAft>
+                <a:buClrTx/>
+                <a:buSzTx/>
+                <a:buFontTx/>
+                <a:buNone/>
+                <a:tabLst/>
+              </a:pPr>
+              <a:r>
+                <a:rPr kumimoji="0" lang="en-US" sz="1800" b="0" i="0" u="none" strike="noStrike" cap="none" spc="0" normalizeH="0" baseline="0">
+                  <a:ln>
+                    <a:noFill/>
+                  </a:ln>
+                  <a:solidFill>
+                    <a:srgbClr val="000000"/>
+                  </a:solidFill>
+                  <a:effectLst/>
+                  <a:uFillTx/>
+                  <a:latin typeface="+mn-lt"/>
+                  <a:ea typeface="+mn-ea"/>
+                  <a:cs typeface="+mn-cs"/>
+                  <a:sym typeface="Calibri"/>
+                </a:rPr>
+                <a:t>P2 – Org2</a:t>
+              </a:r>
+            </a:p>
+          </p:txBody>
+        </p:sp>
+        <p:sp>
+          <p:nvSpPr>
+            <p:cNvPr id="7" name="Rectangle 6">
+              <a:extLst>
+                <a:ext uri="{FF2B5EF4-FFF2-40B4-BE49-F238E27FC236}">
+                  <a16:creationId xmlns:a16="http://schemas.microsoft.com/office/drawing/2014/main" id="{F8B7C3A7-DAEE-0744-AF4A-37B94A432AC8}"/>
+                </a:ext>
+              </a:extLst>
+            </p:cNvPr>
+            <p:cNvSpPr/>
+            <p:nvPr/>
+          </p:nvSpPr>
+          <p:spPr>
+            <a:xfrm>
+              <a:off x="5957299" y="4226663"/>
+              <a:ext cx="1130158" cy="369330"/>
+            </a:xfrm>
+            <a:prstGeom prst="rect">
+              <a:avLst/>
+            </a:prstGeom>
+            <a:solidFill>
+              <a:srgbClr val="FFFFFF"/>
+            </a:solidFill>
+            <a:ln w="12700" cap="flat">
+              <a:solidFill>
+                <a:schemeClr val="accent1"/>
+              </a:solidFill>
+              <a:prstDash val="solid"/>
+              <a:miter lim="800000"/>
+            </a:ln>
+            <a:effectLst/>
+            <a:sp3d/>
+          </p:spPr>
+          <p:style>
+            <a:lnRef idx="0">
+              <a:scrgbClr r="0" g="0" b="0"/>
+            </a:lnRef>
+            <a:fillRef idx="0">
+              <a:scrgbClr r="0" g="0" b="0"/>
+            </a:fillRef>
+            <a:effectRef idx="0">
+              <a:scrgbClr r="0" g="0" b="0"/>
+            </a:effectRef>
+            <a:fontRef idx="none"/>
+          </p:style>
+          <p:txBody>
+            <a:bodyPr rot="0" spcFirstLastPara="1" vertOverflow="overflow" horzOverflow="overflow" vert="horz" wrap="square" lIns="45719" tIns="45719" rIns="45719" bIns="45719" numCol="1" spcCol="38100" rtlCol="0" anchor="ctr">
+              <a:spAutoFit/>
+            </a:bodyPr>
+            <a:lstStyle/>
+            <a:p>
+              <a:pPr marL="0" marR="0" indent="0" algn="l" defTabSz="914400" rtl="0" fontAlgn="auto" latinLnBrk="0" hangingPunct="0">
+                <a:lnSpc>
+                  <a:spcPct val="100000"/>
+                </a:lnSpc>
+                <a:spcBef>
+                  <a:spcPts val="0"/>
+                </a:spcBef>
+                <a:spcAft>
+                  <a:spcPts val="0"/>
+                </a:spcAft>
+                <a:buClrTx/>
+                <a:buSzTx/>
+                <a:buFontTx/>
+                <a:buNone/>
+                <a:tabLst/>
+              </a:pPr>
+              <a:r>
+                <a:rPr kumimoji="0" lang="en-US" sz="1800" b="0" i="0" u="none" strike="noStrike" cap="none" spc="0" normalizeH="0" baseline="0">
+                  <a:ln>
+                    <a:noFill/>
+                  </a:ln>
+                  <a:solidFill>
+                    <a:srgbClr val="000000"/>
+                  </a:solidFill>
+                  <a:effectLst/>
+                  <a:uFillTx/>
+                  <a:latin typeface="+mn-lt"/>
+                  <a:ea typeface="+mn-ea"/>
+                  <a:cs typeface="+mn-cs"/>
+                  <a:sym typeface="Calibri"/>
+                </a:rPr>
+                <a:t>P3 – Org3</a:t>
+              </a:r>
+            </a:p>
+          </p:txBody>
+        </p:sp>
+        <p:sp>
+          <p:nvSpPr>
+            <p:cNvPr id="8" name="Rectangle 7">
+              <a:extLst>
+                <a:ext uri="{FF2B5EF4-FFF2-40B4-BE49-F238E27FC236}">
+                  <a16:creationId xmlns:a16="http://schemas.microsoft.com/office/drawing/2014/main" id="{C42A06F4-81C6-0844-B20C-12CE00A9A2B3}"/>
+                </a:ext>
+              </a:extLst>
+            </p:cNvPr>
+            <p:cNvSpPr/>
+            <p:nvPr/>
+          </p:nvSpPr>
+          <p:spPr>
+            <a:xfrm>
+              <a:off x="5957299" y="5529769"/>
+              <a:ext cx="1130158" cy="369330"/>
+            </a:xfrm>
+            <a:prstGeom prst="rect">
+              <a:avLst/>
+            </a:prstGeom>
+            <a:solidFill>
+              <a:srgbClr val="FFFFFF"/>
+            </a:solidFill>
+            <a:ln w="12700" cap="flat">
+              <a:solidFill>
+                <a:schemeClr val="accent1"/>
+              </a:solidFill>
+              <a:prstDash val="solid"/>
+              <a:miter lim="800000"/>
+            </a:ln>
+            <a:effectLst/>
+            <a:sp3d/>
+          </p:spPr>
+          <p:style>
+            <a:lnRef idx="0">
+              <a:scrgbClr r="0" g="0" b="0"/>
+            </a:lnRef>
+            <a:fillRef idx="0">
+              <a:scrgbClr r="0" g="0" b="0"/>
+            </a:fillRef>
+            <a:effectRef idx="0">
+              <a:scrgbClr r="0" g="0" b="0"/>
+            </a:effectRef>
+            <a:fontRef idx="none"/>
+          </p:style>
+          <p:txBody>
+            <a:bodyPr rot="0" spcFirstLastPara="1" vertOverflow="overflow" horzOverflow="overflow" vert="horz" wrap="square" lIns="45719" tIns="45719" rIns="45719" bIns="45719" numCol="1" spcCol="38100" rtlCol="0" anchor="ctr">
+              <a:spAutoFit/>
+            </a:bodyPr>
+            <a:lstStyle/>
+            <a:p>
+              <a:pPr marL="0" marR="0" indent="0" algn="l" defTabSz="914400" rtl="0" fontAlgn="auto" latinLnBrk="0" hangingPunct="0">
+                <a:lnSpc>
+                  <a:spcPct val="100000"/>
+                </a:lnSpc>
+                <a:spcBef>
+                  <a:spcPts val="0"/>
+                </a:spcBef>
+                <a:spcAft>
+                  <a:spcPts val="0"/>
+                </a:spcAft>
+                <a:buClrTx/>
+                <a:buSzTx/>
+                <a:buFontTx/>
+                <a:buNone/>
+                <a:tabLst/>
+              </a:pPr>
+              <a:r>
+                <a:rPr kumimoji="0" lang="en-US" sz="1800" b="0" i="0" u="none" strike="noStrike" cap="none" spc="0" normalizeH="0" baseline="0">
+                  <a:ln>
+                    <a:noFill/>
+                  </a:ln>
+                  <a:solidFill>
+                    <a:srgbClr val="000000"/>
+                  </a:solidFill>
+                  <a:effectLst/>
+                  <a:uFillTx/>
+                  <a:latin typeface="+mn-lt"/>
+                  <a:ea typeface="+mn-ea"/>
+                  <a:cs typeface="+mn-cs"/>
+                  <a:sym typeface="Calibri"/>
+                </a:rPr>
+                <a:t>O1 – Org4</a:t>
+              </a:r>
+            </a:p>
+          </p:txBody>
+        </p:sp>
+        <p:sp>
+          <p:nvSpPr>
+            <p:cNvPr id="9" name="Rectangle 8">
+              <a:extLst>
+                <a:ext uri="{FF2B5EF4-FFF2-40B4-BE49-F238E27FC236}">
+                  <a16:creationId xmlns:a16="http://schemas.microsoft.com/office/drawing/2014/main" id="{3A71688F-DCB4-6448-A890-4A58985BEABC}"/>
+                </a:ext>
+              </a:extLst>
+            </p:cNvPr>
+            <p:cNvSpPr/>
+            <p:nvPr/>
+          </p:nvSpPr>
+          <p:spPr>
+            <a:xfrm>
+              <a:off x="3914453" y="3555128"/>
+              <a:ext cx="287677" cy="369330"/>
+            </a:xfrm>
+            <a:prstGeom prst="rect">
+              <a:avLst/>
+            </a:prstGeom>
+            <a:solidFill>
+              <a:schemeClr val="tx1"/>
+            </a:solidFill>
+            <a:ln w="12700" cap="flat">
+              <a:solidFill>
+                <a:schemeClr val="accent1"/>
+              </a:solidFill>
+              <a:prstDash val="solid"/>
+              <a:miter lim="800000"/>
+            </a:ln>
+            <a:effectLst/>
+            <a:sp3d/>
+          </p:spPr>
+          <p:style>
+            <a:lnRef idx="0">
+              <a:scrgbClr r="0" g="0" b="0"/>
+            </a:lnRef>
+            <a:fillRef idx="0">
+              <a:scrgbClr r="0" g="0" b="0"/>
+            </a:fillRef>
+            <a:effectRef idx="0">
+              <a:scrgbClr r="0" g="0" b="0"/>
+            </a:effectRef>
+            <a:fontRef idx="none"/>
+          </p:style>
+          <p:txBody>
+            <a:bodyPr rot="0" spcFirstLastPara="1" vertOverflow="overflow" horzOverflow="overflow" vert="horz" wrap="square" lIns="45719" tIns="45719" rIns="45719" bIns="45719" numCol="1" spcCol="38100" rtlCol="0" anchor="ctr">
+              <a:spAutoFit/>
+            </a:bodyPr>
+            <a:lstStyle/>
+            <a:p>
+              <a:pPr marL="0" marR="0" indent="0" algn="l" defTabSz="914400" rtl="0" fontAlgn="auto" latinLnBrk="0" hangingPunct="0">
+                <a:lnSpc>
+                  <a:spcPct val="100000"/>
+                </a:lnSpc>
+                <a:spcBef>
+                  <a:spcPts val="0"/>
+                </a:spcBef>
+                <a:spcAft>
+                  <a:spcPts val="0"/>
+                </a:spcAft>
+                <a:buClrTx/>
+                <a:buSzTx/>
+                <a:buFontTx/>
+                <a:buNone/>
+                <a:tabLst/>
+              </a:pPr>
+              <a:endParaRPr kumimoji="0" lang="en-US" sz="1800" b="0" i="0" u="none" strike="noStrike" cap="none" spc="0" normalizeH="0" baseline="0">
+                <a:ln>
+                  <a:noFill/>
+                </a:ln>
+                <a:solidFill>
+                  <a:srgbClr val="000000"/>
+                </a:solidFill>
+                <a:effectLst/>
+                <a:uFillTx/>
+                <a:latin typeface="+mn-lt"/>
+                <a:ea typeface="+mn-ea"/>
+                <a:cs typeface="+mn-cs"/>
+                <a:sym typeface="Calibri"/>
+              </a:endParaRPr>
+            </a:p>
+          </p:txBody>
+        </p:sp>
+        <p:sp>
+          <p:nvSpPr>
+            <p:cNvPr id="10" name="TextBox 9">
+              <a:extLst>
+                <a:ext uri="{FF2B5EF4-FFF2-40B4-BE49-F238E27FC236}">
+                  <a16:creationId xmlns:a16="http://schemas.microsoft.com/office/drawing/2014/main" id="{CBF264AC-2A93-BC4A-AB3E-4337219D98C5}"/>
+                </a:ext>
+              </a:extLst>
+            </p:cNvPr>
+            <p:cNvSpPr txBox="1"/>
+            <p:nvPr/>
+          </p:nvSpPr>
+          <p:spPr>
+            <a:xfrm>
+              <a:off x="3827781" y="3185798"/>
+              <a:ext cx="461022" cy="369330"/>
+            </a:xfrm>
+            <a:prstGeom prst="rect">
+              <a:avLst/>
+            </a:prstGeom>
+            <a:noFill/>
+            <a:ln w="12700" cap="flat">
+              <a:noFill/>
+              <a:miter lim="400000"/>
+            </a:ln>
+            <a:effectLst/>
+            <a:sp3d/>
+          </p:spPr>
+          <p:style>
+            <a:lnRef idx="0">
+              <a:scrgbClr r="0" g="0" b="0"/>
+            </a:lnRef>
+            <a:fillRef idx="0">
+              <a:scrgbClr r="0" g="0" b="0"/>
+            </a:fillRef>
+            <a:effectRef idx="0">
+              <a:scrgbClr r="0" g="0" b="0"/>
+            </a:effectRef>
+            <a:fontRef idx="none"/>
+          </p:style>
+          <p:txBody>
+            <a:bodyPr rot="0" spcFirstLastPara="1" vertOverflow="overflow" horzOverflow="overflow" vert="horz" wrap="none" lIns="45719" tIns="45719" rIns="45719" bIns="45719" numCol="1" spcCol="38100" rtlCol="0" anchor="t">
+              <a:spAutoFit/>
+            </a:bodyPr>
+            <a:lstStyle/>
+            <a:p>
+              <a:pPr marL="0" marR="0" indent="0" algn="l" defTabSz="914400" rtl="0" fontAlgn="auto" latinLnBrk="0" hangingPunct="0">
+                <a:lnSpc>
+                  <a:spcPct val="100000"/>
+                </a:lnSpc>
+                <a:spcBef>
+                  <a:spcPts val="0"/>
+                </a:spcBef>
+                <a:spcAft>
+                  <a:spcPts val="0"/>
+                </a:spcAft>
+                <a:buClrTx/>
+                <a:buSzTx/>
+                <a:buFontTx/>
+                <a:buNone/>
+                <a:tabLst/>
+              </a:pPr>
+              <a:r>
+                <a:rPr kumimoji="0" lang="en-US" sz="1800" b="0" i="0" u="none" strike="noStrike" cap="none" spc="0" normalizeH="0" baseline="0">
+                  <a:ln>
+                    <a:noFill/>
+                  </a:ln>
+                  <a:solidFill>
+                    <a:srgbClr val="000000"/>
+                  </a:solidFill>
+                  <a:effectLst/>
+                  <a:uFillTx/>
+                  <a:latin typeface="+mn-lt"/>
+                  <a:ea typeface="+mn-ea"/>
+                  <a:cs typeface="+mn-cs"/>
+                  <a:sym typeface="Calibri"/>
+                </a:rPr>
+                <a:t>SDK</a:t>
+              </a:r>
+            </a:p>
+          </p:txBody>
+        </p:sp>
+        <p:cxnSp>
+          <p:nvCxnSpPr>
+            <p:cNvPr id="12" name="Straight Arrow Connector 11">
+              <a:extLst>
+                <a:ext uri="{FF2B5EF4-FFF2-40B4-BE49-F238E27FC236}">
+                  <a16:creationId xmlns:a16="http://schemas.microsoft.com/office/drawing/2014/main" id="{611D1685-E924-C44A-BB4F-E3D177F9A263}"/>
+                </a:ext>
+              </a:extLst>
+            </p:cNvPr>
+            <p:cNvCxnSpPr>
+              <a:endCxn id="5" idx="1"/>
+            </p:cNvCxnSpPr>
+            <p:nvPr/>
+          </p:nvCxnSpPr>
+          <p:spPr>
+            <a:xfrm flipV="1">
+              <a:off x="4202130" y="2698928"/>
+              <a:ext cx="1755169" cy="1040865"/>
+            </a:xfrm>
+            <a:prstGeom prst="straightConnector1">
+              <a:avLst/>
+            </a:prstGeom>
+            <a:noFill/>
+            <a:ln w="12700" cap="flat">
+              <a:solidFill>
+                <a:schemeClr val="accent1"/>
+              </a:solidFill>
+              <a:prstDash val="solid"/>
+              <a:miter lim="800000"/>
+              <a:tailEnd type="triangle"/>
+            </a:ln>
+            <a:effectLst/>
+            <a:sp3d/>
+          </p:spPr>
+          <p:style>
+            <a:lnRef idx="0">
+              <a:scrgbClr r="0" g="0" b="0"/>
+            </a:lnRef>
+            <a:fillRef idx="0">
+              <a:scrgbClr r="0" g="0" b="0"/>
+            </a:fillRef>
+            <a:effectRef idx="0">
+              <a:scrgbClr r="0" g="0" b="0"/>
+            </a:effectRef>
+            <a:fontRef idx="none"/>
+          </p:style>
+        </p:cxnSp>
+        <p:cxnSp>
+          <p:nvCxnSpPr>
+            <p:cNvPr id="13" name="Straight Arrow Connector 12">
+              <a:extLst>
+                <a:ext uri="{FF2B5EF4-FFF2-40B4-BE49-F238E27FC236}">
+                  <a16:creationId xmlns:a16="http://schemas.microsoft.com/office/drawing/2014/main" id="{CEE9D72F-5C99-6B4E-9444-13386C16475E}"/>
+                </a:ext>
+              </a:extLst>
+            </p:cNvPr>
+            <p:cNvCxnSpPr>
+              <a:cxnSpLocks/>
+              <a:stCxn id="9" idx="3"/>
+              <a:endCxn id="6" idx="1"/>
+            </p:cNvCxnSpPr>
+            <p:nvPr/>
+          </p:nvCxnSpPr>
+          <p:spPr>
+            <a:xfrm flipV="1">
+              <a:off x="4202130" y="3555128"/>
+              <a:ext cx="1755169" cy="184665"/>
+            </a:xfrm>
+            <a:prstGeom prst="straightConnector1">
+              <a:avLst/>
+            </a:prstGeom>
+            <a:noFill/>
+            <a:ln w="12700" cap="flat">
+              <a:solidFill>
+                <a:schemeClr val="accent1"/>
+              </a:solidFill>
+              <a:prstDash val="solid"/>
+              <a:miter lim="800000"/>
+              <a:tailEnd type="triangle"/>
+            </a:ln>
+            <a:effectLst/>
+            <a:sp3d/>
+          </p:spPr>
+          <p:style>
+            <a:lnRef idx="0">
+              <a:scrgbClr r="0" g="0" b="0"/>
+            </a:lnRef>
+            <a:fillRef idx="0">
+              <a:scrgbClr r="0" g="0" b="0"/>
+            </a:fillRef>
+            <a:effectRef idx="0">
+              <a:scrgbClr r="0" g="0" b="0"/>
+            </a:effectRef>
+            <a:fontRef idx="none"/>
+          </p:style>
+        </p:cxnSp>
+        <p:cxnSp>
+          <p:nvCxnSpPr>
+            <p:cNvPr id="16" name="Straight Arrow Connector 15">
+              <a:extLst>
+                <a:ext uri="{FF2B5EF4-FFF2-40B4-BE49-F238E27FC236}">
+                  <a16:creationId xmlns:a16="http://schemas.microsoft.com/office/drawing/2014/main" id="{B33C2BBD-771F-AC49-B3FC-F49E7134AF40}"/>
+                </a:ext>
+              </a:extLst>
+            </p:cNvPr>
+            <p:cNvCxnSpPr>
+              <a:cxnSpLocks/>
+              <a:stCxn id="9" idx="3"/>
+            </p:cNvCxnSpPr>
+            <p:nvPr/>
+          </p:nvCxnSpPr>
+          <p:spPr>
+            <a:xfrm>
+              <a:off x="4202130" y="3739793"/>
+              <a:ext cx="1755169" cy="671536"/>
+            </a:xfrm>
+            <a:prstGeom prst="straightConnector1">
+              <a:avLst/>
+            </a:prstGeom>
+            <a:noFill/>
+            <a:ln w="12700" cap="flat">
+              <a:solidFill>
+                <a:schemeClr val="accent1"/>
+              </a:solidFill>
+              <a:prstDash val="solid"/>
+              <a:miter lim="800000"/>
+              <a:tailEnd type="triangle"/>
+            </a:ln>
+            <a:effectLst/>
+            <a:sp3d/>
+          </p:spPr>
+          <p:style>
+            <a:lnRef idx="0">
+              <a:scrgbClr r="0" g="0" b="0"/>
+            </a:lnRef>
+            <a:fillRef idx="0">
+              <a:scrgbClr r="0" g="0" b="0"/>
+            </a:fillRef>
+            <a:effectRef idx="0">
+              <a:scrgbClr r="0" g="0" b="0"/>
+            </a:effectRef>
+            <a:fontRef idx="none"/>
+          </p:style>
+        </p:cxnSp>
+        <p:cxnSp>
+          <p:nvCxnSpPr>
+            <p:cNvPr id="18" name="Straight Arrow Connector 17">
+              <a:extLst>
+                <a:ext uri="{FF2B5EF4-FFF2-40B4-BE49-F238E27FC236}">
+                  <a16:creationId xmlns:a16="http://schemas.microsoft.com/office/drawing/2014/main" id="{43FC33E3-F24E-E24F-839A-B8EFDCA424E0}"/>
+                </a:ext>
+              </a:extLst>
+            </p:cNvPr>
+            <p:cNvCxnSpPr>
+              <a:cxnSpLocks/>
+              <a:endCxn id="8" idx="1"/>
+            </p:cNvCxnSpPr>
+            <p:nvPr/>
+          </p:nvCxnSpPr>
+          <p:spPr>
+            <a:xfrm>
+              <a:off x="4202130" y="3756896"/>
+              <a:ext cx="1755169" cy="1957538"/>
+            </a:xfrm>
+            <a:prstGeom prst="straightConnector1">
+              <a:avLst/>
+            </a:prstGeom>
+            <a:noFill/>
+            <a:ln w="12700" cap="flat">
+              <a:solidFill>
+                <a:schemeClr val="accent1"/>
+              </a:solidFill>
+              <a:prstDash val="solid"/>
+              <a:miter lim="800000"/>
+              <a:tailEnd type="triangle"/>
+            </a:ln>
+            <a:effectLst/>
+            <a:sp3d/>
+          </p:spPr>
+          <p:style>
+            <a:lnRef idx="0">
+              <a:scrgbClr r="0" g="0" b="0"/>
+            </a:lnRef>
+            <a:fillRef idx="0">
+              <a:scrgbClr r="0" g="0" b="0"/>
+            </a:fillRef>
+            <a:effectRef idx="0">
+              <a:scrgbClr r="0" g="0" b="0"/>
+            </a:effectRef>
+            <a:fontRef idx="none"/>
+          </p:style>
+        </p:cxnSp>
+      </p:grpSp>
+      <p:sp>
+        <p:nvSpPr>
+          <p:cNvPr id="23" name="Rectangle 22">
+            <a:extLst>
+              <a:ext uri="{FF2B5EF4-FFF2-40B4-BE49-F238E27FC236}">
+                <a16:creationId xmlns:a16="http://schemas.microsoft.com/office/drawing/2014/main" id="{0D79BF6D-C6EF-134A-8D0B-B64306F0E577}"/>
+              </a:ext>
+            </a:extLst>
+          </p:cNvPr>
+          <p:cNvSpPr/>
+          <p:nvPr/>
+        </p:nvSpPr>
+        <p:spPr>
+          <a:xfrm>
+            <a:off x="5922196" y="3442112"/>
+            <a:ext cx="1479479" cy="369330"/>
+          </a:xfrm>
+          <a:prstGeom prst="rect">
+            <a:avLst/>
+          </a:prstGeom>
+          <a:solidFill>
+            <a:srgbClr val="FFFFFF"/>
+          </a:solidFill>
+          <a:ln w="12700" cap="flat">
+            <a:solidFill>
+              <a:schemeClr val="accent1"/>
+            </a:solidFill>
+            <a:prstDash val="solid"/>
+            <a:miter lim="800000"/>
+          </a:ln>
+          <a:effectLst/>
+          <a:sp3d/>
+        </p:spPr>
+        <p:style>
+          <a:lnRef idx="0">
+            <a:scrgbClr r="0" g="0" b="0"/>
+          </a:lnRef>
+          <a:fillRef idx="0">
+            <a:scrgbClr r="0" g="0" b="0"/>
+          </a:fillRef>
+          <a:effectRef idx="0">
+            <a:scrgbClr r="0" g="0" b="0"/>
+          </a:effectRef>
+          <a:fontRef idx="none"/>
+        </p:style>
+        <p:txBody>
+          <a:bodyPr rot="0" spcFirstLastPara="1" vertOverflow="overflow" horzOverflow="overflow" vert="horz" wrap="square" lIns="45719" tIns="45719" rIns="45719" bIns="45719" numCol="1" spcCol="38100" rtlCol="0" anchor="ctr">
+            <a:spAutoFit/>
+          </a:bodyPr>
+          <a:lstStyle/>
+          <a:p>
+            <a:pPr marL="0" marR="0" indent="0" algn="l" defTabSz="914400" rtl="0" fontAlgn="auto" latinLnBrk="0" hangingPunct="0">
+              <a:lnSpc>
+                <a:spcPct val="100000"/>
+              </a:lnSpc>
+              <a:spcBef>
+                <a:spcPts val="0"/>
+              </a:spcBef>
+              <a:spcAft>
+                <a:spcPts val="0"/>
+              </a:spcAft>
+              <a:buClrTx/>
+              <a:buSzTx/>
+              <a:buFontTx/>
+              <a:buNone/>
+              <a:tabLst/>
+            </a:pPr>
+            <a:r>
+              <a:rPr kumimoji="0" lang="en-US" sz="1800" b="0" i="0" u="none" strike="noStrike" cap="none" spc="0" normalizeH="0" baseline="0">
                 <a:ln>
                   <a:noFill/>
                 </a:ln>
@@ -5080,15 +8080,1382 @@
                 <a:cs typeface="+mn-cs"/>
                 <a:sym typeface="Calibri"/>
               </a:rPr>
-              <a:t>Buy/sell</a:t>
+              <a:t>App – Org1</a:t>
             </a:r>
           </a:p>
         </p:txBody>
       </p:sp>
+      <p:sp>
+        <p:nvSpPr>
+          <p:cNvPr id="24" name="Rectangle 23">
+            <a:extLst>
+              <a:ext uri="{FF2B5EF4-FFF2-40B4-BE49-F238E27FC236}">
+                <a16:creationId xmlns:a16="http://schemas.microsoft.com/office/drawing/2014/main" id="{75216D1D-0434-1445-B6CF-774FAFBE66EF}"/>
+              </a:ext>
+            </a:extLst>
+          </p:cNvPr>
+          <p:cNvSpPr/>
+          <p:nvPr/>
+        </p:nvSpPr>
+        <p:spPr>
+          <a:xfrm>
+            <a:off x="7890558" y="3996107"/>
+            <a:ext cx="1130158" cy="369330"/>
+          </a:xfrm>
+          <a:prstGeom prst="rect">
+            <a:avLst/>
+          </a:prstGeom>
+          <a:solidFill>
+            <a:srgbClr val="FFFFFF"/>
+          </a:solidFill>
+          <a:ln w="12700" cap="flat">
+            <a:solidFill>
+              <a:schemeClr val="accent1"/>
+            </a:solidFill>
+            <a:prstDash val="solid"/>
+            <a:miter lim="800000"/>
+          </a:ln>
+          <a:effectLst/>
+          <a:sp3d/>
+        </p:spPr>
+        <p:style>
+          <a:lnRef idx="0">
+            <a:scrgbClr r="0" g="0" b="0"/>
+          </a:lnRef>
+          <a:fillRef idx="0">
+            <a:scrgbClr r="0" g="0" b="0"/>
+          </a:fillRef>
+          <a:effectRef idx="0">
+            <a:scrgbClr r="0" g="0" b="0"/>
+          </a:effectRef>
+          <a:fontRef idx="none"/>
+        </p:style>
+        <p:txBody>
+          <a:bodyPr rot="0" spcFirstLastPara="1" vertOverflow="overflow" horzOverflow="overflow" vert="horz" wrap="square" lIns="45719" tIns="45719" rIns="45719" bIns="45719" numCol="1" spcCol="38100" rtlCol="0" anchor="ctr">
+            <a:spAutoFit/>
+          </a:bodyPr>
+          <a:lstStyle/>
+          <a:p>
+            <a:pPr marL="0" marR="0" indent="0" algn="l" defTabSz="914400" rtl="0" fontAlgn="auto" latinLnBrk="0" hangingPunct="0">
+              <a:lnSpc>
+                <a:spcPct val="100000"/>
+              </a:lnSpc>
+              <a:spcBef>
+                <a:spcPts val="0"/>
+              </a:spcBef>
+              <a:spcAft>
+                <a:spcPts val="0"/>
+              </a:spcAft>
+              <a:buClrTx/>
+              <a:buSzTx/>
+              <a:buFontTx/>
+              <a:buNone/>
+              <a:tabLst/>
+            </a:pPr>
+            <a:r>
+              <a:rPr kumimoji="0" lang="en-US" sz="1800" b="0" i="0" u="none" strike="noStrike" cap="none" spc="0" normalizeH="0" baseline="0">
+                <a:ln>
+                  <a:noFill/>
+                </a:ln>
+                <a:solidFill>
+                  <a:srgbClr val="000000"/>
+                </a:solidFill>
+                <a:effectLst/>
+                <a:uFillTx/>
+                <a:latin typeface="+mn-lt"/>
+                <a:ea typeface="+mn-ea"/>
+                <a:cs typeface="+mn-cs"/>
+                <a:sym typeface="Calibri"/>
+              </a:rPr>
+              <a:t>P1 – Org1</a:t>
+            </a:r>
+          </a:p>
+        </p:txBody>
+      </p:sp>
+      <p:sp>
+        <p:nvSpPr>
+          <p:cNvPr id="25" name="Rectangle 24">
+            <a:extLst>
+              <a:ext uri="{FF2B5EF4-FFF2-40B4-BE49-F238E27FC236}">
+                <a16:creationId xmlns:a16="http://schemas.microsoft.com/office/drawing/2014/main" id="{257A2674-31DC-FA42-BAE4-F3079FF6A97C}"/>
+              </a:ext>
+            </a:extLst>
+          </p:cNvPr>
+          <p:cNvSpPr/>
+          <p:nvPr/>
+        </p:nvSpPr>
+        <p:spPr>
+          <a:xfrm>
+            <a:off x="9444521" y="3257447"/>
+            <a:ext cx="1130158" cy="369330"/>
+          </a:xfrm>
+          <a:prstGeom prst="rect">
+            <a:avLst/>
+          </a:prstGeom>
+          <a:solidFill>
+            <a:srgbClr val="FFFFFF"/>
+          </a:solidFill>
+          <a:ln w="12700" cap="flat">
+            <a:solidFill>
+              <a:schemeClr val="accent1"/>
+            </a:solidFill>
+            <a:prstDash val="solid"/>
+            <a:miter lim="800000"/>
+          </a:ln>
+          <a:effectLst/>
+          <a:sp3d/>
+        </p:spPr>
+        <p:style>
+          <a:lnRef idx="0">
+            <a:scrgbClr r="0" g="0" b="0"/>
+          </a:lnRef>
+          <a:fillRef idx="0">
+            <a:scrgbClr r="0" g="0" b="0"/>
+          </a:fillRef>
+          <a:effectRef idx="0">
+            <a:scrgbClr r="0" g="0" b="0"/>
+          </a:effectRef>
+          <a:fontRef idx="none"/>
+        </p:style>
+        <p:txBody>
+          <a:bodyPr rot="0" spcFirstLastPara="1" vertOverflow="overflow" horzOverflow="overflow" vert="horz" wrap="square" lIns="45719" tIns="45719" rIns="45719" bIns="45719" numCol="1" spcCol="38100" rtlCol="0" anchor="ctr">
+            <a:spAutoFit/>
+          </a:bodyPr>
+          <a:lstStyle/>
+          <a:p>
+            <a:pPr marL="0" marR="0" indent="0" algn="l" defTabSz="914400" rtl="0" fontAlgn="auto" latinLnBrk="0" hangingPunct="0">
+              <a:lnSpc>
+                <a:spcPct val="100000"/>
+              </a:lnSpc>
+              <a:spcBef>
+                <a:spcPts val="0"/>
+              </a:spcBef>
+              <a:spcAft>
+                <a:spcPts val="0"/>
+              </a:spcAft>
+              <a:buClrTx/>
+              <a:buSzTx/>
+              <a:buFontTx/>
+              <a:buNone/>
+              <a:tabLst/>
+            </a:pPr>
+            <a:r>
+              <a:rPr kumimoji="0" lang="en-US" sz="1800" b="0" i="0" u="none" strike="noStrike" cap="none" spc="0" normalizeH="0" baseline="0">
+                <a:ln>
+                  <a:noFill/>
+                </a:ln>
+                <a:solidFill>
+                  <a:srgbClr val="000000"/>
+                </a:solidFill>
+                <a:effectLst/>
+                <a:uFillTx/>
+                <a:latin typeface="+mn-lt"/>
+                <a:ea typeface="+mn-ea"/>
+                <a:cs typeface="+mn-cs"/>
+                <a:sym typeface="Calibri"/>
+              </a:rPr>
+              <a:t>P2 – Org2</a:t>
+            </a:r>
+          </a:p>
+        </p:txBody>
+      </p:sp>
+      <p:sp>
+        <p:nvSpPr>
+          <p:cNvPr id="26" name="Rectangle 25">
+            <a:extLst>
+              <a:ext uri="{FF2B5EF4-FFF2-40B4-BE49-F238E27FC236}">
+                <a16:creationId xmlns:a16="http://schemas.microsoft.com/office/drawing/2014/main" id="{91969233-90F0-954B-82E1-99DE146A9622}"/>
+              </a:ext>
+            </a:extLst>
+          </p:cNvPr>
+          <p:cNvSpPr/>
+          <p:nvPr/>
+        </p:nvSpPr>
+        <p:spPr>
+          <a:xfrm>
+            <a:off x="9524148" y="4003003"/>
+            <a:ext cx="1130158" cy="369330"/>
+          </a:xfrm>
+          <a:prstGeom prst="rect">
+            <a:avLst/>
+          </a:prstGeom>
+          <a:solidFill>
+            <a:srgbClr val="FFFFFF"/>
+          </a:solidFill>
+          <a:ln w="12700" cap="flat">
+            <a:solidFill>
+              <a:schemeClr val="accent1"/>
+            </a:solidFill>
+            <a:prstDash val="solid"/>
+            <a:miter lim="800000"/>
+          </a:ln>
+          <a:effectLst/>
+          <a:sp3d/>
+        </p:spPr>
+        <p:style>
+          <a:lnRef idx="0">
+            <a:scrgbClr r="0" g="0" b="0"/>
+          </a:lnRef>
+          <a:fillRef idx="0">
+            <a:scrgbClr r="0" g="0" b="0"/>
+          </a:fillRef>
+          <a:effectRef idx="0">
+            <a:scrgbClr r="0" g="0" b="0"/>
+          </a:effectRef>
+          <a:fontRef idx="none"/>
+        </p:style>
+        <p:txBody>
+          <a:bodyPr rot="0" spcFirstLastPara="1" vertOverflow="overflow" horzOverflow="overflow" vert="horz" wrap="square" lIns="45719" tIns="45719" rIns="45719" bIns="45719" numCol="1" spcCol="38100" rtlCol="0" anchor="ctr">
+            <a:spAutoFit/>
+          </a:bodyPr>
+          <a:lstStyle/>
+          <a:p>
+            <a:pPr marL="0" marR="0" indent="0" algn="l" defTabSz="914400" rtl="0" fontAlgn="auto" latinLnBrk="0" hangingPunct="0">
+              <a:lnSpc>
+                <a:spcPct val="100000"/>
+              </a:lnSpc>
+              <a:spcBef>
+                <a:spcPts val="0"/>
+              </a:spcBef>
+              <a:spcAft>
+                <a:spcPts val="0"/>
+              </a:spcAft>
+              <a:buClrTx/>
+              <a:buSzTx/>
+              <a:buFontTx/>
+              <a:buNone/>
+              <a:tabLst/>
+            </a:pPr>
+            <a:r>
+              <a:rPr kumimoji="0" lang="en-US" sz="1800" b="0" i="0" u="none" strike="noStrike" cap="none" spc="0" normalizeH="0" baseline="0">
+                <a:ln>
+                  <a:noFill/>
+                </a:ln>
+                <a:solidFill>
+                  <a:srgbClr val="000000"/>
+                </a:solidFill>
+                <a:effectLst/>
+                <a:uFillTx/>
+                <a:latin typeface="+mn-lt"/>
+                <a:ea typeface="+mn-ea"/>
+                <a:cs typeface="+mn-cs"/>
+                <a:sym typeface="Calibri"/>
+              </a:rPr>
+              <a:t>P3 – Org3</a:t>
+            </a:r>
+          </a:p>
+        </p:txBody>
+      </p:sp>
+      <p:sp>
+        <p:nvSpPr>
+          <p:cNvPr id="27" name="Rectangle 26">
+            <a:extLst>
+              <a:ext uri="{FF2B5EF4-FFF2-40B4-BE49-F238E27FC236}">
+                <a16:creationId xmlns:a16="http://schemas.microsoft.com/office/drawing/2014/main" id="{5045D6B9-594C-CF45-87E3-133C05D03C16}"/>
+              </a:ext>
+            </a:extLst>
+          </p:cNvPr>
+          <p:cNvSpPr/>
+          <p:nvPr/>
+        </p:nvSpPr>
+        <p:spPr>
+          <a:xfrm>
+            <a:off x="9444521" y="5416753"/>
+            <a:ext cx="1130158" cy="369330"/>
+          </a:xfrm>
+          <a:prstGeom prst="rect">
+            <a:avLst/>
+          </a:prstGeom>
+          <a:solidFill>
+            <a:srgbClr val="FFFFFF"/>
+          </a:solidFill>
+          <a:ln w="12700" cap="flat">
+            <a:solidFill>
+              <a:schemeClr val="accent1"/>
+            </a:solidFill>
+            <a:prstDash val="solid"/>
+            <a:miter lim="800000"/>
+          </a:ln>
+          <a:effectLst/>
+          <a:sp3d/>
+        </p:spPr>
+        <p:style>
+          <a:lnRef idx="0">
+            <a:scrgbClr r="0" g="0" b="0"/>
+          </a:lnRef>
+          <a:fillRef idx="0">
+            <a:scrgbClr r="0" g="0" b="0"/>
+          </a:fillRef>
+          <a:effectRef idx="0">
+            <a:scrgbClr r="0" g="0" b="0"/>
+          </a:effectRef>
+          <a:fontRef idx="none"/>
+        </p:style>
+        <p:txBody>
+          <a:bodyPr rot="0" spcFirstLastPara="1" vertOverflow="overflow" horzOverflow="overflow" vert="horz" wrap="square" lIns="45719" tIns="45719" rIns="45719" bIns="45719" numCol="1" spcCol="38100" rtlCol="0" anchor="ctr">
+            <a:spAutoFit/>
+          </a:bodyPr>
+          <a:lstStyle/>
+          <a:p>
+            <a:pPr marL="0" marR="0" indent="0" algn="l" defTabSz="914400" rtl="0" fontAlgn="auto" latinLnBrk="0" hangingPunct="0">
+              <a:lnSpc>
+                <a:spcPct val="100000"/>
+              </a:lnSpc>
+              <a:spcBef>
+                <a:spcPts val="0"/>
+              </a:spcBef>
+              <a:spcAft>
+                <a:spcPts val="0"/>
+              </a:spcAft>
+              <a:buClrTx/>
+              <a:buSzTx/>
+              <a:buFontTx/>
+              <a:buNone/>
+              <a:tabLst/>
+            </a:pPr>
+            <a:r>
+              <a:rPr kumimoji="0" lang="en-US" sz="1800" b="0" i="0" u="none" strike="noStrike" cap="none" spc="0" normalizeH="0" baseline="0">
+                <a:ln>
+                  <a:noFill/>
+                </a:ln>
+                <a:solidFill>
+                  <a:srgbClr val="000000"/>
+                </a:solidFill>
+                <a:effectLst/>
+                <a:uFillTx/>
+                <a:latin typeface="+mn-lt"/>
+                <a:ea typeface="+mn-ea"/>
+                <a:cs typeface="+mn-cs"/>
+                <a:sym typeface="Calibri"/>
+              </a:rPr>
+              <a:t>O1 – Org4</a:t>
+            </a:r>
+          </a:p>
+        </p:txBody>
+      </p:sp>
+      <p:sp>
+        <p:nvSpPr>
+          <p:cNvPr id="28" name="Rectangle 27">
+            <a:extLst>
+              <a:ext uri="{FF2B5EF4-FFF2-40B4-BE49-F238E27FC236}">
+                <a16:creationId xmlns:a16="http://schemas.microsoft.com/office/drawing/2014/main" id="{7494C4B9-E441-714E-8FED-3600A650B797}"/>
+              </a:ext>
+            </a:extLst>
+          </p:cNvPr>
+          <p:cNvSpPr/>
+          <p:nvPr/>
+        </p:nvSpPr>
+        <p:spPr>
+          <a:xfrm>
+            <a:off x="7401676" y="3442112"/>
+            <a:ext cx="113212" cy="369330"/>
+          </a:xfrm>
+          <a:prstGeom prst="rect">
+            <a:avLst/>
+          </a:prstGeom>
+          <a:solidFill>
+            <a:schemeClr val="tx1"/>
+          </a:solidFill>
+          <a:ln w="12700" cap="flat">
+            <a:solidFill>
+              <a:schemeClr val="accent1"/>
+            </a:solidFill>
+            <a:prstDash val="solid"/>
+            <a:miter lim="800000"/>
+          </a:ln>
+          <a:effectLst/>
+          <a:sp3d/>
+        </p:spPr>
+        <p:style>
+          <a:lnRef idx="0">
+            <a:scrgbClr r="0" g="0" b="0"/>
+          </a:lnRef>
+          <a:fillRef idx="0">
+            <a:scrgbClr r="0" g="0" b="0"/>
+          </a:fillRef>
+          <a:effectRef idx="0">
+            <a:scrgbClr r="0" g="0" b="0"/>
+          </a:effectRef>
+          <a:fontRef idx="none"/>
+        </p:style>
+        <p:txBody>
+          <a:bodyPr rot="0" spcFirstLastPara="1" vertOverflow="overflow" horzOverflow="overflow" vert="horz" wrap="square" lIns="45719" tIns="45719" rIns="45719" bIns="45719" numCol="1" spcCol="38100" rtlCol="0" anchor="ctr">
+            <a:spAutoFit/>
+          </a:bodyPr>
+          <a:lstStyle/>
+          <a:p>
+            <a:pPr marL="0" marR="0" indent="0" algn="l" defTabSz="914400" rtl="0" fontAlgn="auto" latinLnBrk="0" hangingPunct="0">
+              <a:lnSpc>
+                <a:spcPct val="100000"/>
+              </a:lnSpc>
+              <a:spcBef>
+                <a:spcPts val="0"/>
+              </a:spcBef>
+              <a:spcAft>
+                <a:spcPts val="0"/>
+              </a:spcAft>
+              <a:buClrTx/>
+              <a:buSzTx/>
+              <a:buFontTx/>
+              <a:buNone/>
+              <a:tabLst/>
+            </a:pPr>
+            <a:endParaRPr kumimoji="0" lang="en-US" sz="1800" b="0" i="0" u="none" strike="noStrike" cap="none" spc="0" normalizeH="0" baseline="0">
+              <a:ln>
+                <a:noFill/>
+              </a:ln>
+              <a:solidFill>
+                <a:srgbClr val="000000"/>
+              </a:solidFill>
+              <a:effectLst/>
+              <a:uFillTx/>
+              <a:latin typeface="+mn-lt"/>
+              <a:ea typeface="+mn-ea"/>
+              <a:cs typeface="+mn-cs"/>
+              <a:sym typeface="Calibri"/>
+            </a:endParaRPr>
+          </a:p>
+        </p:txBody>
+      </p:sp>
+      <p:sp>
+        <p:nvSpPr>
+          <p:cNvPr id="29" name="TextBox 28">
+            <a:extLst>
+              <a:ext uri="{FF2B5EF4-FFF2-40B4-BE49-F238E27FC236}">
+                <a16:creationId xmlns:a16="http://schemas.microsoft.com/office/drawing/2014/main" id="{E9EDAE45-C4EA-EF4C-BB8D-580AC0D1293C}"/>
+              </a:ext>
+            </a:extLst>
+          </p:cNvPr>
+          <p:cNvSpPr txBox="1"/>
+          <p:nvPr/>
+        </p:nvSpPr>
+        <p:spPr>
+          <a:xfrm>
+            <a:off x="7315003" y="3072782"/>
+            <a:ext cx="905054" cy="369330"/>
+          </a:xfrm>
+          <a:prstGeom prst="rect">
+            <a:avLst/>
+          </a:prstGeom>
+          <a:noFill/>
+          <a:ln w="12700" cap="flat">
+            <a:noFill/>
+            <a:miter lim="400000"/>
+          </a:ln>
+          <a:effectLst/>
+          <a:sp3d/>
+        </p:spPr>
+        <p:style>
+          <a:lnRef idx="0">
+            <a:scrgbClr r="0" g="0" b="0"/>
+          </a:lnRef>
+          <a:fillRef idx="0">
+            <a:scrgbClr r="0" g="0" b="0"/>
+          </a:fillRef>
+          <a:effectRef idx="0">
+            <a:scrgbClr r="0" g="0" b="0"/>
+          </a:effectRef>
+          <a:fontRef idx="none"/>
+        </p:style>
+        <p:txBody>
+          <a:bodyPr rot="0" spcFirstLastPara="1" vertOverflow="overflow" horzOverflow="overflow" vert="horz" wrap="none" lIns="45719" tIns="45719" rIns="45719" bIns="45719" numCol="1" spcCol="38100" rtlCol="0" anchor="t">
+            <a:spAutoFit/>
+          </a:bodyPr>
+          <a:lstStyle/>
+          <a:p>
+            <a:pPr marL="0" marR="0" indent="0" algn="l" defTabSz="914400" rtl="0" fontAlgn="auto" latinLnBrk="0" hangingPunct="0">
+              <a:lnSpc>
+                <a:spcPct val="100000"/>
+              </a:lnSpc>
+              <a:spcBef>
+                <a:spcPts val="0"/>
+              </a:spcBef>
+              <a:spcAft>
+                <a:spcPts val="0"/>
+              </a:spcAft>
+              <a:buClrTx/>
+              <a:buSzTx/>
+              <a:buFontTx/>
+              <a:buNone/>
+              <a:tabLst/>
+            </a:pPr>
+            <a:r>
+              <a:rPr kumimoji="0" lang="en-US" sz="1800" b="0" i="0" u="none" strike="noStrike" cap="none" spc="0" normalizeH="0" baseline="0">
+                <a:ln>
+                  <a:noFill/>
+                </a:ln>
+                <a:solidFill>
+                  <a:srgbClr val="000000"/>
+                </a:solidFill>
+                <a:effectLst/>
+                <a:uFillTx/>
+                <a:latin typeface="+mn-lt"/>
+                <a:ea typeface="+mn-ea"/>
+                <a:cs typeface="+mn-cs"/>
+                <a:sym typeface="Calibri"/>
+              </a:rPr>
+              <a:t>SDK-thin</a:t>
+            </a:r>
+          </a:p>
+        </p:txBody>
+      </p:sp>
+      <p:cxnSp>
+        <p:nvCxnSpPr>
+          <p:cNvPr id="30" name="Straight Arrow Connector 29">
+            <a:extLst>
+              <a:ext uri="{FF2B5EF4-FFF2-40B4-BE49-F238E27FC236}">
+                <a16:creationId xmlns:a16="http://schemas.microsoft.com/office/drawing/2014/main" id="{AD8A24B8-DC83-F442-9B08-8152549425AD}"/>
+              </a:ext>
+            </a:extLst>
+          </p:cNvPr>
+          <p:cNvCxnSpPr>
+            <a:cxnSpLocks/>
+            <a:stCxn id="28" idx="3"/>
+            <a:endCxn id="24" idx="1"/>
+          </p:cNvCxnSpPr>
+          <p:nvPr/>
+        </p:nvCxnSpPr>
+        <p:spPr>
+          <a:xfrm>
+            <a:off x="7514888" y="3626777"/>
+            <a:ext cx="375670" cy="553995"/>
+          </a:xfrm>
+          <a:prstGeom prst="straightConnector1">
+            <a:avLst/>
+          </a:prstGeom>
+          <a:noFill/>
+          <a:ln w="12700" cap="flat">
+            <a:solidFill>
+              <a:schemeClr val="accent1"/>
+            </a:solidFill>
+            <a:prstDash val="solid"/>
+            <a:miter lim="800000"/>
+            <a:tailEnd type="triangle"/>
+          </a:ln>
+          <a:effectLst/>
+          <a:sp3d/>
+        </p:spPr>
+        <p:style>
+          <a:lnRef idx="0">
+            <a:scrgbClr r="0" g="0" b="0"/>
+          </a:lnRef>
+          <a:fillRef idx="0">
+            <a:scrgbClr r="0" g="0" b="0"/>
+          </a:fillRef>
+          <a:effectRef idx="0">
+            <a:scrgbClr r="0" g="0" b="0"/>
+          </a:effectRef>
+          <a:fontRef idx="none"/>
+        </p:style>
+      </p:cxnSp>
+      <p:cxnSp>
+        <p:nvCxnSpPr>
+          <p:cNvPr id="31" name="Straight Arrow Connector 30">
+            <a:extLst>
+              <a:ext uri="{FF2B5EF4-FFF2-40B4-BE49-F238E27FC236}">
+                <a16:creationId xmlns:a16="http://schemas.microsoft.com/office/drawing/2014/main" id="{1E595B08-A9BA-F34A-9D1D-C38709F8C408}"/>
+              </a:ext>
+            </a:extLst>
+          </p:cNvPr>
+          <p:cNvCxnSpPr>
+            <a:cxnSpLocks/>
+            <a:stCxn id="24" idx="3"/>
+            <a:endCxn id="25" idx="1"/>
+          </p:cNvCxnSpPr>
+          <p:nvPr/>
+        </p:nvCxnSpPr>
+        <p:spPr>
+          <a:xfrm flipV="1">
+            <a:off x="9020716" y="3442112"/>
+            <a:ext cx="423805" cy="738660"/>
+          </a:xfrm>
+          <a:prstGeom prst="straightConnector1">
+            <a:avLst/>
+          </a:prstGeom>
+          <a:noFill/>
+          <a:ln w="12700" cap="flat">
+            <a:solidFill>
+              <a:schemeClr val="accent1"/>
+            </a:solidFill>
+            <a:prstDash val="solid"/>
+            <a:miter lim="800000"/>
+            <a:tailEnd type="triangle"/>
+          </a:ln>
+          <a:effectLst/>
+          <a:sp3d/>
+        </p:spPr>
+        <p:style>
+          <a:lnRef idx="0">
+            <a:scrgbClr r="0" g="0" b="0"/>
+          </a:lnRef>
+          <a:fillRef idx="0">
+            <a:scrgbClr r="0" g="0" b="0"/>
+          </a:fillRef>
+          <a:effectRef idx="0">
+            <a:scrgbClr r="0" g="0" b="0"/>
+          </a:effectRef>
+          <a:fontRef idx="none"/>
+        </p:style>
+      </p:cxnSp>
+      <p:cxnSp>
+        <p:nvCxnSpPr>
+          <p:cNvPr id="32" name="Straight Arrow Connector 31">
+            <a:extLst>
+              <a:ext uri="{FF2B5EF4-FFF2-40B4-BE49-F238E27FC236}">
+                <a16:creationId xmlns:a16="http://schemas.microsoft.com/office/drawing/2014/main" id="{921A82C6-CBF4-EA43-A55D-0F2122EB2930}"/>
+              </a:ext>
+            </a:extLst>
+          </p:cNvPr>
+          <p:cNvCxnSpPr>
+            <a:cxnSpLocks/>
+            <a:endCxn id="26" idx="1"/>
+          </p:cNvCxnSpPr>
+          <p:nvPr/>
+        </p:nvCxnSpPr>
+        <p:spPr>
+          <a:xfrm>
+            <a:off x="9308393" y="4185223"/>
+            <a:ext cx="215755" cy="2445"/>
+          </a:xfrm>
+          <a:prstGeom prst="straightConnector1">
+            <a:avLst/>
+          </a:prstGeom>
+          <a:noFill/>
+          <a:ln w="12700" cap="flat">
+            <a:solidFill>
+              <a:schemeClr val="accent1"/>
+            </a:solidFill>
+            <a:prstDash val="solid"/>
+            <a:miter lim="800000"/>
+            <a:tailEnd type="triangle"/>
+          </a:ln>
+          <a:effectLst/>
+          <a:sp3d/>
+        </p:spPr>
+        <p:style>
+          <a:lnRef idx="0">
+            <a:scrgbClr r="0" g="0" b="0"/>
+          </a:lnRef>
+          <a:fillRef idx="0">
+            <a:scrgbClr r="0" g="0" b="0"/>
+          </a:fillRef>
+          <a:effectRef idx="0">
+            <a:scrgbClr r="0" g="0" b="0"/>
+          </a:effectRef>
+          <a:fontRef idx="none"/>
+        </p:style>
+      </p:cxnSp>
+      <p:cxnSp>
+        <p:nvCxnSpPr>
+          <p:cNvPr id="33" name="Straight Arrow Connector 32">
+            <a:extLst>
+              <a:ext uri="{FF2B5EF4-FFF2-40B4-BE49-F238E27FC236}">
+                <a16:creationId xmlns:a16="http://schemas.microsoft.com/office/drawing/2014/main" id="{DC94DE17-D523-324F-B4EA-39A8D1BCD633}"/>
+              </a:ext>
+            </a:extLst>
+          </p:cNvPr>
+          <p:cNvCxnSpPr>
+            <a:cxnSpLocks/>
+            <a:stCxn id="24" idx="3"/>
+            <a:endCxn id="27" idx="1"/>
+          </p:cNvCxnSpPr>
+          <p:nvPr/>
+        </p:nvCxnSpPr>
+        <p:spPr>
+          <a:xfrm>
+            <a:off x="9020716" y="4180772"/>
+            <a:ext cx="423805" cy="1420646"/>
+          </a:xfrm>
+          <a:prstGeom prst="straightConnector1">
+            <a:avLst/>
+          </a:prstGeom>
+          <a:noFill/>
+          <a:ln w="12700" cap="flat">
+            <a:solidFill>
+              <a:schemeClr val="accent1"/>
+            </a:solidFill>
+            <a:prstDash val="solid"/>
+            <a:miter lim="800000"/>
+            <a:tailEnd type="triangle"/>
+          </a:ln>
+          <a:effectLst/>
+          <a:sp3d/>
+        </p:spPr>
+        <p:style>
+          <a:lnRef idx="0">
+            <a:scrgbClr r="0" g="0" b="0"/>
+          </a:lnRef>
+          <a:fillRef idx="0">
+            <a:scrgbClr r="0" g="0" b="0"/>
+          </a:fillRef>
+          <a:effectRef idx="0">
+            <a:scrgbClr r="0" g="0" b="0"/>
+          </a:effectRef>
+          <a:fontRef idx="none"/>
+        </p:style>
+      </p:cxnSp>
+      <p:sp>
+        <p:nvSpPr>
+          <p:cNvPr id="49" name="TextBox 48">
+            <a:extLst>
+              <a:ext uri="{FF2B5EF4-FFF2-40B4-BE49-F238E27FC236}">
+                <a16:creationId xmlns:a16="http://schemas.microsoft.com/office/drawing/2014/main" id="{8683C616-F786-DF45-8E19-4A13B137D455}"/>
+              </a:ext>
+            </a:extLst>
+          </p:cNvPr>
+          <p:cNvSpPr txBox="1"/>
+          <p:nvPr/>
+        </p:nvSpPr>
+        <p:spPr>
+          <a:xfrm>
+            <a:off x="8023290" y="3626777"/>
+            <a:ext cx="884214" cy="369330"/>
+          </a:xfrm>
+          <a:prstGeom prst="rect">
+            <a:avLst/>
+          </a:prstGeom>
+          <a:noFill/>
+          <a:ln w="12700" cap="flat">
+            <a:noFill/>
+            <a:miter lim="400000"/>
+          </a:ln>
+          <a:effectLst/>
+          <a:sp3d/>
+        </p:spPr>
+        <p:style>
+          <a:lnRef idx="0">
+            <a:scrgbClr r="0" g="0" b="0"/>
+          </a:lnRef>
+          <a:fillRef idx="0">
+            <a:scrgbClr r="0" g="0" b="0"/>
+          </a:fillRef>
+          <a:effectRef idx="0">
+            <a:scrgbClr r="0" g="0" b="0"/>
+          </a:effectRef>
+          <a:fontRef idx="none"/>
+        </p:style>
+        <p:txBody>
+          <a:bodyPr rot="0" spcFirstLastPara="1" vertOverflow="overflow" horzOverflow="overflow" vert="horz" wrap="none" lIns="45719" tIns="45719" rIns="45719" bIns="45719" numCol="1" spcCol="38100" rtlCol="0" anchor="t">
+            <a:spAutoFit/>
+          </a:bodyPr>
+          <a:lstStyle/>
+          <a:p>
+            <a:pPr marL="0" marR="0" indent="0" algn="l" defTabSz="914400" rtl="0" fontAlgn="auto" latinLnBrk="0" hangingPunct="0">
+              <a:lnSpc>
+                <a:spcPct val="100000"/>
+              </a:lnSpc>
+              <a:spcBef>
+                <a:spcPts val="0"/>
+              </a:spcBef>
+              <a:spcAft>
+                <a:spcPts val="0"/>
+              </a:spcAft>
+              <a:buClrTx/>
+              <a:buSzTx/>
+              <a:buFontTx/>
+              <a:buNone/>
+              <a:tabLst/>
+            </a:pPr>
+            <a:r>
+              <a:rPr kumimoji="0" lang="en-US" sz="1800" b="0" i="0" u="none" strike="noStrike" cap="none" spc="0" normalizeH="0" baseline="0">
+                <a:ln>
+                  <a:noFill/>
+                </a:ln>
+                <a:solidFill>
+                  <a:srgbClr val="000000"/>
+                </a:solidFill>
+                <a:effectLst/>
+                <a:uFillTx/>
+                <a:latin typeface="+mn-lt"/>
+                <a:ea typeface="+mn-ea"/>
+                <a:cs typeface="+mn-cs"/>
+                <a:sym typeface="Calibri"/>
+              </a:rPr>
+              <a:t>gateway</a:t>
+            </a:r>
+          </a:p>
+        </p:txBody>
+      </p:sp>
+      <p:sp>
+        <p:nvSpPr>
+          <p:cNvPr id="50" name="Rectangle 49">
+            <a:extLst>
+              <a:ext uri="{FF2B5EF4-FFF2-40B4-BE49-F238E27FC236}">
+                <a16:creationId xmlns:a16="http://schemas.microsoft.com/office/drawing/2014/main" id="{9A189AAB-425A-1248-8386-21A85E836DD1}"/>
+              </a:ext>
+            </a:extLst>
+          </p:cNvPr>
+          <p:cNvSpPr/>
+          <p:nvPr/>
+        </p:nvSpPr>
+        <p:spPr>
+          <a:xfrm>
+            <a:off x="6015514" y="4248240"/>
+            <a:ext cx="1292842" cy="1477325"/>
+          </a:xfrm>
+          <a:prstGeom prst="rect">
+            <a:avLst/>
+          </a:prstGeom>
+          <a:solidFill>
+            <a:srgbClr val="FFFFFF"/>
+          </a:solidFill>
+          <a:ln w="12700" cap="flat">
+            <a:solidFill>
+              <a:schemeClr val="accent1"/>
+            </a:solidFill>
+            <a:prstDash val="solid"/>
+            <a:miter lim="800000"/>
+          </a:ln>
+          <a:effectLst/>
+          <a:sp3d/>
+        </p:spPr>
+        <p:style>
+          <a:lnRef idx="0">
+            <a:scrgbClr r="0" g="0" b="0"/>
+          </a:lnRef>
+          <a:fillRef idx="0">
+            <a:scrgbClr r="0" g="0" b="0"/>
+          </a:fillRef>
+          <a:effectRef idx="0">
+            <a:scrgbClr r="0" g="0" b="0"/>
+          </a:effectRef>
+          <a:fontRef idx="none"/>
+        </p:style>
+        <p:txBody>
+          <a:bodyPr rot="0" spcFirstLastPara="1" vertOverflow="overflow" horzOverflow="overflow" vert="horz" wrap="square" lIns="45719" tIns="45719" rIns="45719" bIns="45719" numCol="1" spcCol="38100" rtlCol="0" anchor="ctr">
+            <a:spAutoFit/>
+          </a:bodyPr>
+          <a:lstStyle/>
+          <a:p>
+            <a:pPr marL="0" marR="0" indent="0" algn="l" defTabSz="914400" rtl="0" fontAlgn="auto" latinLnBrk="0" hangingPunct="0">
+              <a:lnSpc>
+                <a:spcPct val="100000"/>
+              </a:lnSpc>
+              <a:spcBef>
+                <a:spcPts val="0"/>
+              </a:spcBef>
+              <a:spcAft>
+                <a:spcPts val="0"/>
+              </a:spcAft>
+              <a:buClrTx/>
+              <a:buSzTx/>
+              <a:buFontTx/>
+              <a:buNone/>
+              <a:tabLst/>
+            </a:pPr>
+            <a:r>
+              <a:rPr kumimoji="0" lang="en-US" sz="1800" b="0" i="0" u="none" strike="noStrike" cap="none" spc="0" normalizeH="0" baseline="0">
+                <a:ln>
+                  <a:noFill/>
+                </a:ln>
+                <a:solidFill>
+                  <a:srgbClr val="000000"/>
+                </a:solidFill>
+                <a:effectLst/>
+                <a:uFillTx/>
+                <a:latin typeface="+mn-lt"/>
+                <a:ea typeface="+mn-ea"/>
+                <a:cs typeface="+mn-cs"/>
+                <a:sym typeface="Calibri"/>
+              </a:rPr>
+              <a:t>Gateway file:</a:t>
+            </a:r>
+          </a:p>
+          <a:p>
+            <a:pPr marL="0" marR="0" indent="0" algn="l" defTabSz="914400" rtl="0" fontAlgn="auto" latinLnBrk="0" hangingPunct="0">
+              <a:lnSpc>
+                <a:spcPct val="100000"/>
+              </a:lnSpc>
+              <a:spcBef>
+                <a:spcPts val="0"/>
+              </a:spcBef>
+              <a:spcAft>
+                <a:spcPts val="0"/>
+              </a:spcAft>
+              <a:buClrTx/>
+              <a:buSzTx/>
+              <a:buFontTx/>
+              <a:buNone/>
+              <a:tabLst/>
+            </a:pPr>
+            <a:r>
+              <a:rPr lang="en-US"/>
+              <a:t>1 or more</a:t>
+            </a:r>
+          </a:p>
+          <a:p>
+            <a:pPr marL="0" marR="0" indent="0" algn="l" defTabSz="914400" rtl="0" fontAlgn="auto" latinLnBrk="0" hangingPunct="0">
+              <a:lnSpc>
+                <a:spcPct val="100000"/>
+              </a:lnSpc>
+              <a:spcBef>
+                <a:spcPts val="0"/>
+              </a:spcBef>
+              <a:spcAft>
+                <a:spcPts val="0"/>
+              </a:spcAft>
+              <a:buClrTx/>
+              <a:buSzTx/>
+              <a:buFontTx/>
+              <a:buNone/>
+              <a:tabLst/>
+            </a:pPr>
+            <a:r>
+              <a:rPr kumimoji="0" lang="en-US" sz="1800" b="0" i="0" u="none" strike="noStrike" cap="none" spc="0" normalizeH="0" baseline="0">
+                <a:ln>
+                  <a:noFill/>
+                </a:ln>
+                <a:solidFill>
+                  <a:srgbClr val="000000"/>
+                </a:solidFill>
+                <a:effectLst/>
+                <a:uFillTx/>
+                <a:latin typeface="+mn-lt"/>
+                <a:ea typeface="+mn-ea"/>
+                <a:cs typeface="+mn-cs"/>
+                <a:sym typeface="Calibri"/>
+              </a:rPr>
+              <a:t>Peers for connectivity</a:t>
+            </a:r>
+          </a:p>
+        </p:txBody>
+      </p:sp>
+      <p:cxnSp>
+        <p:nvCxnSpPr>
+          <p:cNvPr id="52" name="Straight Arrow Connector 51">
+            <a:extLst>
+              <a:ext uri="{FF2B5EF4-FFF2-40B4-BE49-F238E27FC236}">
+                <a16:creationId xmlns:a16="http://schemas.microsoft.com/office/drawing/2014/main" id="{BBC54CE0-D5CF-C042-8500-3E1AFA6EF800}"/>
+              </a:ext>
+            </a:extLst>
+          </p:cNvPr>
+          <p:cNvCxnSpPr>
+            <a:cxnSpLocks/>
+            <a:stCxn id="23" idx="2"/>
+            <a:endCxn id="50" idx="0"/>
+          </p:cNvCxnSpPr>
+          <p:nvPr/>
+        </p:nvCxnSpPr>
+        <p:spPr>
+          <a:xfrm flipH="1">
+            <a:off x="6661935" y="3811442"/>
+            <a:ext cx="1" cy="436798"/>
+          </a:xfrm>
+          <a:prstGeom prst="straightConnector1">
+            <a:avLst/>
+          </a:prstGeom>
+          <a:noFill/>
+          <a:ln w="12700" cap="flat">
+            <a:solidFill>
+              <a:schemeClr val="accent1"/>
+            </a:solidFill>
+            <a:prstDash val="solid"/>
+            <a:miter lim="800000"/>
+            <a:tailEnd type="triangle"/>
+          </a:ln>
+          <a:effectLst/>
+          <a:sp3d/>
+        </p:spPr>
+        <p:style>
+          <a:lnRef idx="0">
+            <a:scrgbClr r="0" g="0" b="0"/>
+          </a:lnRef>
+          <a:fillRef idx="0">
+            <a:scrgbClr r="0" g="0" b="0"/>
+          </a:fillRef>
+          <a:effectRef idx="0">
+            <a:scrgbClr r="0" g="0" b="0"/>
+          </a:effectRef>
+          <a:fontRef idx="none"/>
+        </p:style>
+      </p:cxnSp>
+      <p:sp>
+        <p:nvSpPr>
+          <p:cNvPr id="55" name="Oval 54">
+            <a:extLst>
+              <a:ext uri="{FF2B5EF4-FFF2-40B4-BE49-F238E27FC236}">
+                <a16:creationId xmlns:a16="http://schemas.microsoft.com/office/drawing/2014/main" id="{60AB3DCE-082F-1E4C-ADF1-46FB170CF67C}"/>
+              </a:ext>
+            </a:extLst>
+          </p:cNvPr>
+          <p:cNvSpPr/>
+          <p:nvPr/>
+        </p:nvSpPr>
+        <p:spPr>
+          <a:xfrm>
+            <a:off x="7689352" y="2770577"/>
+            <a:ext cx="3571124" cy="3541323"/>
+          </a:xfrm>
+          <a:prstGeom prst="ellipse">
+            <a:avLst/>
+          </a:prstGeom>
+          <a:noFill/>
+          <a:ln w="12700" cap="flat">
+            <a:solidFill>
+              <a:schemeClr val="accent1"/>
+            </a:solidFill>
+            <a:prstDash val="solid"/>
+            <a:miter lim="800000"/>
+          </a:ln>
+          <a:effectLst/>
+          <a:sp3d/>
+        </p:spPr>
+        <p:style>
+          <a:lnRef idx="0">
+            <a:scrgbClr r="0" g="0" b="0"/>
+          </a:lnRef>
+          <a:fillRef idx="0">
+            <a:scrgbClr r="0" g="0" b="0"/>
+          </a:fillRef>
+          <a:effectRef idx="0">
+            <a:scrgbClr r="0" g="0" b="0"/>
+          </a:effectRef>
+          <a:fontRef idx="none"/>
+        </p:style>
+        <p:txBody>
+          <a:bodyPr rot="0" spcFirstLastPara="1" vertOverflow="overflow" horzOverflow="overflow" vert="horz" wrap="square" lIns="45719" tIns="45719" rIns="45719" bIns="45719" numCol="1" spcCol="38100" rtlCol="0" anchor="ctr">
+            <a:spAutoFit/>
+          </a:bodyPr>
+          <a:lstStyle/>
+          <a:p>
+            <a:pPr marL="0" marR="0" indent="0" algn="l" defTabSz="914400" rtl="0" fontAlgn="auto" latinLnBrk="0" hangingPunct="0">
+              <a:lnSpc>
+                <a:spcPct val="100000"/>
+              </a:lnSpc>
+              <a:spcBef>
+                <a:spcPts val="0"/>
+              </a:spcBef>
+              <a:spcAft>
+                <a:spcPts val="0"/>
+              </a:spcAft>
+              <a:buClrTx/>
+              <a:buSzTx/>
+              <a:buFontTx/>
+              <a:buNone/>
+              <a:tabLst/>
+            </a:pPr>
+            <a:endParaRPr kumimoji="0" lang="en-US" sz="1800" b="0" i="0" u="none" strike="noStrike" cap="none" spc="0" normalizeH="0" baseline="0">
+              <a:ln>
+                <a:noFill/>
+              </a:ln>
+              <a:solidFill>
+                <a:srgbClr val="000000"/>
+              </a:solidFill>
+              <a:effectLst/>
+              <a:uFillTx/>
+              <a:latin typeface="+mn-lt"/>
+              <a:ea typeface="+mn-ea"/>
+              <a:cs typeface="+mn-cs"/>
+              <a:sym typeface="Calibri"/>
+            </a:endParaRPr>
+          </a:p>
+        </p:txBody>
+      </p:sp>
+      <p:sp>
+        <p:nvSpPr>
+          <p:cNvPr id="60" name="TextBox 59">
+            <a:extLst>
+              <a:ext uri="{FF2B5EF4-FFF2-40B4-BE49-F238E27FC236}">
+                <a16:creationId xmlns:a16="http://schemas.microsoft.com/office/drawing/2014/main" id="{6B6748E1-79F3-AE4E-A2FB-70A9A16D9520}"/>
+              </a:ext>
+            </a:extLst>
+          </p:cNvPr>
+          <p:cNvSpPr txBox="1"/>
+          <p:nvPr/>
+        </p:nvSpPr>
+        <p:spPr>
+          <a:xfrm>
+            <a:off x="4360525" y="2065277"/>
+            <a:ext cx="884214" cy="369330"/>
+          </a:xfrm>
+          <a:prstGeom prst="rect">
+            <a:avLst/>
+          </a:prstGeom>
+          <a:noFill/>
+          <a:ln w="12700" cap="flat">
+            <a:noFill/>
+            <a:miter lim="400000"/>
+          </a:ln>
+          <a:effectLst/>
+          <a:sp3d/>
+        </p:spPr>
+        <p:style>
+          <a:lnRef idx="0">
+            <a:scrgbClr r="0" g="0" b="0"/>
+          </a:lnRef>
+          <a:fillRef idx="0">
+            <a:scrgbClr r="0" g="0" b="0"/>
+          </a:fillRef>
+          <a:effectRef idx="0">
+            <a:scrgbClr r="0" g="0" b="0"/>
+          </a:effectRef>
+          <a:fontRef idx="none"/>
+        </p:style>
+        <p:txBody>
+          <a:bodyPr rot="0" spcFirstLastPara="1" vertOverflow="overflow" horzOverflow="overflow" vert="horz" wrap="none" lIns="45719" tIns="45719" rIns="45719" bIns="45719" numCol="1" spcCol="38100" rtlCol="0" anchor="t">
+            <a:spAutoFit/>
+          </a:bodyPr>
+          <a:lstStyle/>
+          <a:p>
+            <a:pPr marL="0" marR="0" indent="0" algn="l" defTabSz="914400" rtl="0" fontAlgn="auto" latinLnBrk="0" hangingPunct="0">
+              <a:lnSpc>
+                <a:spcPct val="100000"/>
+              </a:lnSpc>
+              <a:spcBef>
+                <a:spcPts val="0"/>
+              </a:spcBef>
+              <a:spcAft>
+                <a:spcPts val="0"/>
+              </a:spcAft>
+              <a:buClrTx/>
+              <a:buSzTx/>
+              <a:buFontTx/>
+              <a:buNone/>
+              <a:tabLst/>
+            </a:pPr>
+            <a:r>
+              <a:rPr kumimoji="0" lang="en-US" sz="1800" b="0" i="0" u="none" strike="noStrike" cap="none" spc="0" normalizeH="0" baseline="0">
+                <a:ln>
+                  <a:noFill/>
+                </a:ln>
+                <a:solidFill>
+                  <a:srgbClr val="000000"/>
+                </a:solidFill>
+                <a:effectLst/>
+                <a:uFillTx/>
+                <a:latin typeface="+mn-lt"/>
+                <a:ea typeface="+mn-ea"/>
+                <a:cs typeface="+mn-cs"/>
+                <a:sym typeface="Calibri"/>
+              </a:rPr>
+              <a:t>gateway</a:t>
+            </a:r>
+          </a:p>
+        </p:txBody>
+      </p:sp>
+      <p:sp>
+        <p:nvSpPr>
+          <p:cNvPr id="61" name="Rectangle 60">
+            <a:extLst>
+              <a:ext uri="{FF2B5EF4-FFF2-40B4-BE49-F238E27FC236}">
+                <a16:creationId xmlns:a16="http://schemas.microsoft.com/office/drawing/2014/main" id="{FE83D55A-6FAE-D842-ACB1-F784D3EAE2A2}"/>
+              </a:ext>
+            </a:extLst>
+          </p:cNvPr>
+          <p:cNvSpPr/>
+          <p:nvPr/>
+        </p:nvSpPr>
+        <p:spPr>
+          <a:xfrm>
+            <a:off x="9020716" y="3991656"/>
+            <a:ext cx="287677" cy="369330"/>
+          </a:xfrm>
+          <a:prstGeom prst="rect">
+            <a:avLst/>
+          </a:prstGeom>
+          <a:solidFill>
+            <a:schemeClr val="tx1"/>
+          </a:solidFill>
+          <a:ln w="12700" cap="flat">
+            <a:solidFill>
+              <a:schemeClr val="accent1"/>
+            </a:solidFill>
+            <a:prstDash val="solid"/>
+            <a:miter lim="800000"/>
+          </a:ln>
+          <a:effectLst/>
+          <a:sp3d/>
+        </p:spPr>
+        <p:style>
+          <a:lnRef idx="0">
+            <a:scrgbClr r="0" g="0" b="0"/>
+          </a:lnRef>
+          <a:fillRef idx="0">
+            <a:scrgbClr r="0" g="0" b="0"/>
+          </a:fillRef>
+          <a:effectRef idx="0">
+            <a:scrgbClr r="0" g="0" b="0"/>
+          </a:effectRef>
+          <a:fontRef idx="none"/>
+        </p:style>
+        <p:txBody>
+          <a:bodyPr rot="0" spcFirstLastPara="1" vertOverflow="overflow" horzOverflow="overflow" vert="horz" wrap="square" lIns="45719" tIns="45719" rIns="45719" bIns="45719" numCol="1" spcCol="38100" rtlCol="0" anchor="ctr">
+            <a:spAutoFit/>
+          </a:bodyPr>
+          <a:lstStyle/>
+          <a:p>
+            <a:pPr marL="0" marR="0" indent="0" algn="l" defTabSz="914400" rtl="0" fontAlgn="auto" latinLnBrk="0" hangingPunct="0">
+              <a:lnSpc>
+                <a:spcPct val="100000"/>
+              </a:lnSpc>
+              <a:spcBef>
+                <a:spcPts val="0"/>
+              </a:spcBef>
+              <a:spcAft>
+                <a:spcPts val="0"/>
+              </a:spcAft>
+              <a:buClrTx/>
+              <a:buSzTx/>
+              <a:buFontTx/>
+              <a:buNone/>
+              <a:tabLst/>
+            </a:pPr>
+            <a:endParaRPr kumimoji="0" lang="en-US" sz="1800" b="0" i="0" u="none" strike="noStrike" cap="none" spc="0" normalizeH="0" baseline="0">
+              <a:ln>
+                <a:noFill/>
+              </a:ln>
+              <a:solidFill>
+                <a:srgbClr val="000000"/>
+              </a:solidFill>
+              <a:effectLst/>
+              <a:uFillTx/>
+              <a:latin typeface="+mn-lt"/>
+              <a:ea typeface="+mn-ea"/>
+              <a:cs typeface="+mn-cs"/>
+              <a:sym typeface="Calibri"/>
+            </a:endParaRPr>
+          </a:p>
+        </p:txBody>
+      </p:sp>
+      <p:sp>
+        <p:nvSpPr>
+          <p:cNvPr id="65" name="Rectangle 64">
+            <a:extLst>
+              <a:ext uri="{FF2B5EF4-FFF2-40B4-BE49-F238E27FC236}">
+                <a16:creationId xmlns:a16="http://schemas.microsoft.com/office/drawing/2014/main" id="{15CA2704-86E4-BD46-9465-844ECA02C4D9}"/>
+              </a:ext>
+            </a:extLst>
+          </p:cNvPr>
+          <p:cNvSpPr/>
+          <p:nvPr/>
+        </p:nvSpPr>
+        <p:spPr>
+          <a:xfrm>
+            <a:off x="7900318" y="4609646"/>
+            <a:ext cx="1130158" cy="369330"/>
+          </a:xfrm>
+          <a:prstGeom prst="rect">
+            <a:avLst/>
+          </a:prstGeom>
+          <a:solidFill>
+            <a:srgbClr val="FFFFFF"/>
+          </a:solidFill>
+          <a:ln w="12700" cap="flat">
+            <a:solidFill>
+              <a:schemeClr val="accent1"/>
+            </a:solidFill>
+            <a:prstDash val="solid"/>
+            <a:miter lim="800000"/>
+          </a:ln>
+          <a:effectLst/>
+          <a:sp3d/>
+        </p:spPr>
+        <p:style>
+          <a:lnRef idx="0">
+            <a:scrgbClr r="0" g="0" b="0"/>
+          </a:lnRef>
+          <a:fillRef idx="0">
+            <a:scrgbClr r="0" g="0" b="0"/>
+          </a:fillRef>
+          <a:effectRef idx="0">
+            <a:scrgbClr r="0" g="0" b="0"/>
+          </a:effectRef>
+          <a:fontRef idx="none"/>
+        </p:style>
+        <p:txBody>
+          <a:bodyPr rot="0" spcFirstLastPara="1" vertOverflow="overflow" horzOverflow="overflow" vert="horz" wrap="square" lIns="45719" tIns="45719" rIns="45719" bIns="45719" numCol="1" spcCol="38100" rtlCol="0" anchor="ctr">
+            <a:spAutoFit/>
+          </a:bodyPr>
+          <a:lstStyle/>
+          <a:p>
+            <a:pPr marL="0" marR="0" indent="0" algn="l" defTabSz="914400" rtl="0" fontAlgn="auto" latinLnBrk="0" hangingPunct="0">
+              <a:lnSpc>
+                <a:spcPct val="100000"/>
+              </a:lnSpc>
+              <a:spcBef>
+                <a:spcPts val="0"/>
+              </a:spcBef>
+              <a:spcAft>
+                <a:spcPts val="0"/>
+              </a:spcAft>
+              <a:buClrTx/>
+              <a:buSzTx/>
+              <a:buFontTx/>
+              <a:buNone/>
+              <a:tabLst/>
+            </a:pPr>
+            <a:r>
+              <a:rPr kumimoji="0" lang="en-US" sz="1800" b="0" i="0" u="none" strike="noStrike" cap="none" spc="0" normalizeH="0" baseline="0">
+                <a:ln>
+                  <a:noFill/>
+                </a:ln>
+                <a:solidFill>
+                  <a:srgbClr val="000000"/>
+                </a:solidFill>
+                <a:effectLst/>
+                <a:uFillTx/>
+                <a:latin typeface="+mn-lt"/>
+                <a:ea typeface="+mn-ea"/>
+                <a:cs typeface="+mn-cs"/>
+                <a:sym typeface="Calibri"/>
+              </a:rPr>
+              <a:t>P2 – Org1</a:t>
+            </a:r>
+          </a:p>
+        </p:txBody>
+      </p:sp>
+      <p:cxnSp>
+        <p:nvCxnSpPr>
+          <p:cNvPr id="66" name="Straight Arrow Connector 65">
+            <a:extLst>
+              <a:ext uri="{FF2B5EF4-FFF2-40B4-BE49-F238E27FC236}">
+                <a16:creationId xmlns:a16="http://schemas.microsoft.com/office/drawing/2014/main" id="{979724F7-FD38-FB42-B4E9-EA17E36DA141}"/>
+              </a:ext>
+            </a:extLst>
+          </p:cNvPr>
+          <p:cNvCxnSpPr>
+            <a:cxnSpLocks/>
+            <a:stCxn id="28" idx="3"/>
+          </p:cNvCxnSpPr>
+          <p:nvPr/>
+        </p:nvCxnSpPr>
+        <p:spPr>
+          <a:xfrm>
+            <a:off x="7514888" y="3626777"/>
+            <a:ext cx="371512" cy="1167534"/>
+          </a:xfrm>
+          <a:prstGeom prst="straightConnector1">
+            <a:avLst/>
+          </a:prstGeom>
+          <a:noFill/>
+          <a:ln w="12700" cap="flat">
+            <a:solidFill>
+              <a:schemeClr val="accent1"/>
+            </a:solidFill>
+            <a:prstDash val="solid"/>
+            <a:miter lim="800000"/>
+            <a:tailEnd type="triangle"/>
+          </a:ln>
+          <a:effectLst/>
+          <a:sp3d/>
+        </p:spPr>
+        <p:style>
+          <a:lnRef idx="0">
+            <a:scrgbClr r="0" g="0" b="0"/>
+          </a:lnRef>
+          <a:fillRef idx="0">
+            <a:scrgbClr r="0" g="0" b="0"/>
+          </a:fillRef>
+          <a:effectRef idx="0">
+            <a:scrgbClr r="0" g="0" b="0"/>
+          </a:effectRef>
+          <a:fontRef idx="none"/>
+        </p:style>
+      </p:cxnSp>
     </p:spTree>
     <p:extLst>
       <p:ext uri="{BB962C8B-B14F-4D97-AF65-F5344CB8AC3E}">
-        <p14:creationId xmlns:p14="http://schemas.microsoft.com/office/powerpoint/2010/main" val="2968954123"/>
+        <p14:creationId xmlns:p14="http://schemas.microsoft.com/office/powerpoint/2010/main" val="452168817"/>
       </p:ext>
     </p:extLst>
   </p:cSld>
